--- a/screen_image/04.画面設計.pptx
+++ b/screen_image/04.画面設計.pptx
@@ -9,10 +9,11 @@
     <p:sldId id="257" r:id="rId3"/>
     <p:sldId id="262" r:id="rId4"/>
     <p:sldId id="259" r:id="rId5"/>
-    <p:sldId id="260" r:id="rId6"/>
-    <p:sldId id="261" r:id="rId7"/>
-    <p:sldId id="264" r:id="rId8"/>
-    <p:sldId id="263" r:id="rId9"/>
+    <p:sldId id="265" r:id="rId6"/>
+    <p:sldId id="260" r:id="rId7"/>
+    <p:sldId id="261" r:id="rId8"/>
+    <p:sldId id="264" r:id="rId9"/>
+    <p:sldId id="263" r:id="rId10"/>
   </p:sldIdLst>
   <p:sldSz cx="9144000" cy="6858000" type="screen4x3"/>
   <p:notesSz cx="6858000" cy="9144000"/>
@@ -6291,12 +6292,32 @@
           <a:lstStyle/>
           <a:p>
             <a:r>
-              <a:rPr kumimoji="1" lang="en-US" altLang="ja-JP" dirty="0" smtClean="0"/>
-              <a:t>About</a:t>
+              <a:rPr lang="ja-JP" altLang="en-US" dirty="0"/>
+              <a:t>新</a:t>
             </a:r>
             <a:r>
               <a:rPr lang="ja-JP" altLang="en-US" dirty="0" smtClean="0"/>
-              <a:t>（説明ページ）</a:t>
+              <a:t>規</a:t>
+            </a:r>
+            <a:r>
+              <a:rPr lang="ja-JP" altLang="en-US" dirty="0"/>
+              <a:t>アカウン</a:t>
+            </a:r>
+            <a:r>
+              <a:rPr lang="ja-JP" altLang="en-US" dirty="0" smtClean="0"/>
+              <a:t>ト</a:t>
+            </a:r>
+            <a:r>
+              <a:rPr lang="ja-JP" altLang="en-US" dirty="0"/>
+              <a:t>登録</a:t>
+            </a:r>
+            <a:r>
+              <a:rPr kumimoji="1" lang="ja-JP" altLang="en-US" dirty="0" smtClean="0"/>
+              <a:t>画</a:t>
+            </a:r>
+            <a:r>
+              <a:rPr kumimoji="1" lang="ja-JP" altLang="en-US" dirty="0" smtClean="0"/>
+              <a:t>面</a:t>
             </a:r>
             <a:endParaRPr kumimoji="1" lang="ja-JP" altLang="en-US" dirty="0"/>
           </a:p>
@@ -6304,13 +6325,13 @@
       </p:sp>
       <p:sp>
         <p:nvSpPr>
-          <p:cNvPr id="3" name="正方形/長方形 2"/>
+          <p:cNvPr id="10" name="正方形/長方形 9"/>
           <p:cNvSpPr/>
           <p:nvPr/>
         </p:nvSpPr>
         <p:spPr>
           <a:xfrm>
-            <a:off x="827584" y="1628800"/>
+            <a:off x="863588" y="1628800"/>
             <a:ext cx="7488832" cy="4248472"/>
           </a:xfrm>
           <a:prstGeom prst="rect">
@@ -6356,7 +6377,7 @@
       </p:sp>
       <p:sp>
         <p:nvSpPr>
-          <p:cNvPr id="4" name="正方形/長方形 3"/>
+          <p:cNvPr id="11" name="正方形/長方形 10"/>
           <p:cNvSpPr/>
           <p:nvPr/>
         </p:nvSpPr>
@@ -6408,7 +6429,7 @@
       </p:sp>
       <p:sp>
         <p:nvSpPr>
-          <p:cNvPr id="5" name="テキスト ボックス 4"/>
+          <p:cNvPr id="12" name="テキスト ボックス 11"/>
           <p:cNvSpPr txBox="1"/>
           <p:nvPr/>
         </p:nvSpPr>
@@ -6450,7 +6471,7 @@
       </p:sp>
       <p:sp>
         <p:nvSpPr>
-          <p:cNvPr id="6" name="テキスト ボックス 5"/>
+          <p:cNvPr id="13" name="テキスト ボックス 12"/>
           <p:cNvSpPr txBox="1"/>
           <p:nvPr/>
         </p:nvSpPr>
@@ -6486,7 +6507,7 @@
       </p:sp>
       <p:sp>
         <p:nvSpPr>
-          <p:cNvPr id="7" name="正方形/長方形 6"/>
+          <p:cNvPr id="15" name="正方形/長方形 14"/>
           <p:cNvSpPr/>
           <p:nvPr/>
         </p:nvSpPr>
@@ -6525,7 +6546,7 @@
       </p:sp>
       <p:sp>
         <p:nvSpPr>
-          <p:cNvPr id="8" name="正方形/長方形 7"/>
+          <p:cNvPr id="16" name="正方形/長方形 15"/>
           <p:cNvSpPr/>
           <p:nvPr/>
         </p:nvSpPr>
@@ -6564,7 +6585,7 @@
       </p:sp>
       <p:sp>
         <p:nvSpPr>
-          <p:cNvPr id="9" name="正方形/長方形 8"/>
+          <p:cNvPr id="20" name="正方形/長方形 19"/>
           <p:cNvSpPr/>
           <p:nvPr/>
         </p:nvSpPr>
@@ -6613,45 +6634,15 @@
           </a:p>
         </p:txBody>
       </p:sp>
-      <p:pic>
-        <p:nvPicPr>
-          <p:cNvPr id="13" name="図 12"/>
-          <p:cNvPicPr>
-            <a:picLocks noChangeAspect="1"/>
-          </p:cNvPicPr>
-          <p:nvPr/>
-        </p:nvPicPr>
-        <p:blipFill>
-          <a:blip r:embed="rId2" cstate="print">
-            <a:extLst>
-              <a:ext uri="{28A0092B-C50C-407E-A947-70E740481C1C}">
-                <a14:useLocalDpi xmlns:a14="http://schemas.microsoft.com/office/drawing/2010/main" val="0"/>
-              </a:ext>
-            </a:extLst>
-          </a:blip>
-          <a:stretch>
-            <a:fillRect/>
-          </a:stretch>
-        </p:blipFill>
-        <p:spPr>
-          <a:xfrm>
-            <a:off x="1563760" y="2521579"/>
-            <a:ext cx="5957908" cy="3038977"/>
-          </a:xfrm>
-          <a:prstGeom prst="rect">
-            <a:avLst/>
-          </a:prstGeom>
-        </p:spPr>
-      </p:pic>
-      <p:sp>
-        <p:nvSpPr>
-          <p:cNvPr id="14" name="正方形/長方形 13"/>
+      <p:sp>
+        <p:nvSpPr>
+          <p:cNvPr id="4" name="正方形/長方形 3"/>
           <p:cNvSpPr/>
           <p:nvPr/>
         </p:nvSpPr>
         <p:spPr>
           <a:xfrm>
-            <a:off x="4418420" y="1732166"/>
+            <a:off x="4355976" y="1732166"/>
             <a:ext cx="742511" cy="369332"/>
           </a:xfrm>
           <a:prstGeom prst="rect">
@@ -6676,10 +6667,672 @@
           </a:p>
         </p:txBody>
       </p:sp>
+      <p:sp>
+        <p:nvSpPr>
+          <p:cNvPr id="5" name="正方形/長方形 4"/>
+          <p:cNvSpPr/>
+          <p:nvPr/>
+        </p:nvSpPr>
+        <p:spPr>
+          <a:xfrm>
+            <a:off x="1979712" y="2348880"/>
+            <a:ext cx="5256584" cy="3384376"/>
+          </a:xfrm>
+          <a:prstGeom prst="rect">
+            <a:avLst/>
+          </a:prstGeom>
+          <a:solidFill>
+            <a:schemeClr val="bg1"/>
+          </a:solidFill>
+          <a:ln w="9525">
+            <a:solidFill>
+              <a:schemeClr val="tx1"/>
+            </a:solidFill>
+          </a:ln>
+        </p:spPr>
+        <p:style>
+          <a:lnRef idx="2">
+            <a:schemeClr val="accent1">
+              <a:shade val="50000"/>
+            </a:schemeClr>
+          </a:lnRef>
+          <a:fillRef idx="1">
+            <a:schemeClr val="accent1"/>
+          </a:fillRef>
+          <a:effectRef idx="0">
+            <a:schemeClr val="accent1"/>
+          </a:effectRef>
+          <a:fontRef idx="minor">
+            <a:schemeClr val="lt1"/>
+          </a:fontRef>
+        </p:style>
+        <p:txBody>
+          <a:bodyPr rtlCol="0" anchor="ctr"/>
+          <a:lstStyle/>
+          <a:p>
+            <a:pPr algn="ctr"/>
+            <a:endParaRPr kumimoji="1" lang="ja-JP" altLang="en-US" sz="1400" dirty="0" smtClean="0">
+              <a:solidFill>
+                <a:schemeClr val="tx1"/>
+              </a:solidFill>
+            </a:endParaRPr>
+          </a:p>
+        </p:txBody>
+      </p:sp>
+      <p:sp>
+        <p:nvSpPr>
+          <p:cNvPr id="18" name="テキスト ボックス 17"/>
+          <p:cNvSpPr txBox="1"/>
+          <p:nvPr/>
+        </p:nvSpPr>
+        <p:spPr>
+          <a:xfrm>
+            <a:off x="4247964" y="2380238"/>
+            <a:ext cx="648072" cy="369332"/>
+          </a:xfrm>
+          <a:prstGeom prst="rect">
+            <a:avLst/>
+          </a:prstGeom>
+          <a:solidFill>
+            <a:schemeClr val="bg1"/>
+          </a:solidFill>
+          <a:ln>
+            <a:solidFill>
+              <a:schemeClr val="bg1"/>
+            </a:solidFill>
+          </a:ln>
+        </p:spPr>
+        <p:txBody>
+          <a:bodyPr wrap="square" rtlCol="0">
+            <a:spAutoFit/>
+          </a:bodyPr>
+          <a:lstStyle/>
+          <a:p>
+            <a:pPr algn="ctr"/>
+            <a:r>
+              <a:rPr kumimoji="1" lang="en-US" altLang="ja-JP" b="1" dirty="0" smtClean="0">
+                <a:latin typeface="OCRB" panose="020B0609020202020204" pitchFamily="49" charset="0"/>
+              </a:rPr>
+              <a:t>WLF</a:t>
+            </a:r>
+            <a:endParaRPr kumimoji="1" lang="ja-JP" altLang="en-US" b="1" dirty="0" smtClean="0">
+              <a:latin typeface="OCRB" panose="020B0609020202020204" pitchFamily="49" charset="0"/>
+            </a:endParaRPr>
+          </a:p>
+        </p:txBody>
+      </p:sp>
+      <p:sp>
+        <p:nvSpPr>
+          <p:cNvPr id="6" name="正方形/長方形 5"/>
+          <p:cNvSpPr/>
+          <p:nvPr/>
+        </p:nvSpPr>
+        <p:spPr>
+          <a:xfrm>
+            <a:off x="3093352" y="2850693"/>
+            <a:ext cx="3960440" cy="258917"/>
+          </a:xfrm>
+          <a:prstGeom prst="rect">
+            <a:avLst/>
+          </a:prstGeom>
+          <a:solidFill>
+            <a:schemeClr val="bg1"/>
+          </a:solidFill>
+          <a:ln w="9525">
+            <a:solidFill>
+              <a:schemeClr val="tx1"/>
+            </a:solidFill>
+          </a:ln>
+        </p:spPr>
+        <p:style>
+          <a:lnRef idx="2">
+            <a:schemeClr val="accent1">
+              <a:shade val="50000"/>
+            </a:schemeClr>
+          </a:lnRef>
+          <a:fillRef idx="1">
+            <a:schemeClr val="accent1"/>
+          </a:fillRef>
+          <a:effectRef idx="0">
+            <a:schemeClr val="accent1"/>
+          </a:effectRef>
+          <a:fontRef idx="minor">
+            <a:schemeClr val="lt1"/>
+          </a:fontRef>
+        </p:style>
+        <p:txBody>
+          <a:bodyPr rtlCol="0" anchor="ctr"/>
+          <a:lstStyle/>
+          <a:p>
+            <a:pPr algn="ctr"/>
+            <a:endParaRPr kumimoji="1" lang="ja-JP" altLang="en-US" sz="1400" dirty="0" smtClean="0">
+              <a:solidFill>
+                <a:schemeClr val="tx1"/>
+              </a:solidFill>
+            </a:endParaRPr>
+          </a:p>
+        </p:txBody>
+      </p:sp>
+      <p:sp>
+        <p:nvSpPr>
+          <p:cNvPr id="24" name="正方形/長方形 23"/>
+          <p:cNvSpPr/>
+          <p:nvPr/>
+        </p:nvSpPr>
+        <p:spPr>
+          <a:xfrm>
+            <a:off x="3093352" y="3275720"/>
+            <a:ext cx="3960440" cy="258917"/>
+          </a:xfrm>
+          <a:prstGeom prst="rect">
+            <a:avLst/>
+          </a:prstGeom>
+          <a:solidFill>
+            <a:schemeClr val="bg1"/>
+          </a:solidFill>
+          <a:ln w="9525">
+            <a:solidFill>
+              <a:schemeClr val="tx1"/>
+            </a:solidFill>
+          </a:ln>
+        </p:spPr>
+        <p:style>
+          <a:lnRef idx="2">
+            <a:schemeClr val="accent1">
+              <a:shade val="50000"/>
+            </a:schemeClr>
+          </a:lnRef>
+          <a:fillRef idx="1">
+            <a:schemeClr val="accent1"/>
+          </a:fillRef>
+          <a:effectRef idx="0">
+            <a:schemeClr val="accent1"/>
+          </a:effectRef>
+          <a:fontRef idx="minor">
+            <a:schemeClr val="lt1"/>
+          </a:fontRef>
+        </p:style>
+        <p:txBody>
+          <a:bodyPr rtlCol="0" anchor="ctr"/>
+          <a:lstStyle/>
+          <a:p>
+            <a:pPr algn="ctr"/>
+            <a:endParaRPr kumimoji="1" lang="ja-JP" altLang="en-US" sz="1400" dirty="0" smtClean="0">
+              <a:solidFill>
+                <a:schemeClr val="tx1"/>
+              </a:solidFill>
+            </a:endParaRPr>
+          </a:p>
+        </p:txBody>
+      </p:sp>
+      <p:sp>
+        <p:nvSpPr>
+          <p:cNvPr id="25" name="正方形/長方形 24"/>
+          <p:cNvSpPr/>
+          <p:nvPr/>
+        </p:nvSpPr>
+        <p:spPr>
+          <a:xfrm>
+            <a:off x="3093352" y="3700747"/>
+            <a:ext cx="3960440" cy="258917"/>
+          </a:xfrm>
+          <a:prstGeom prst="rect">
+            <a:avLst/>
+          </a:prstGeom>
+          <a:solidFill>
+            <a:schemeClr val="bg1"/>
+          </a:solidFill>
+          <a:ln w="9525">
+            <a:solidFill>
+              <a:schemeClr val="tx1"/>
+            </a:solidFill>
+          </a:ln>
+        </p:spPr>
+        <p:style>
+          <a:lnRef idx="2">
+            <a:schemeClr val="accent1">
+              <a:shade val="50000"/>
+            </a:schemeClr>
+          </a:lnRef>
+          <a:fillRef idx="1">
+            <a:schemeClr val="accent1"/>
+          </a:fillRef>
+          <a:effectRef idx="0">
+            <a:schemeClr val="accent1"/>
+          </a:effectRef>
+          <a:fontRef idx="minor">
+            <a:schemeClr val="lt1"/>
+          </a:fontRef>
+        </p:style>
+        <p:txBody>
+          <a:bodyPr rtlCol="0" anchor="ctr"/>
+          <a:lstStyle/>
+          <a:p>
+            <a:pPr algn="ctr"/>
+            <a:endParaRPr kumimoji="1" lang="ja-JP" altLang="en-US" sz="1400" dirty="0" smtClean="0">
+              <a:solidFill>
+                <a:schemeClr val="tx1"/>
+              </a:solidFill>
+            </a:endParaRPr>
+          </a:p>
+        </p:txBody>
+      </p:sp>
+      <p:sp>
+        <p:nvSpPr>
+          <p:cNvPr id="26" name="正方形/長方形 25"/>
+          <p:cNvSpPr/>
+          <p:nvPr/>
+        </p:nvSpPr>
+        <p:spPr>
+          <a:xfrm>
+            <a:off x="3093352" y="4103680"/>
+            <a:ext cx="3960440" cy="258917"/>
+          </a:xfrm>
+          <a:prstGeom prst="rect">
+            <a:avLst/>
+          </a:prstGeom>
+          <a:solidFill>
+            <a:schemeClr val="bg1"/>
+          </a:solidFill>
+          <a:ln w="9525">
+            <a:solidFill>
+              <a:schemeClr val="tx1"/>
+            </a:solidFill>
+          </a:ln>
+        </p:spPr>
+        <p:style>
+          <a:lnRef idx="2">
+            <a:schemeClr val="accent1">
+              <a:shade val="50000"/>
+            </a:schemeClr>
+          </a:lnRef>
+          <a:fillRef idx="1">
+            <a:schemeClr val="accent1"/>
+          </a:fillRef>
+          <a:effectRef idx="0">
+            <a:schemeClr val="accent1"/>
+          </a:effectRef>
+          <a:fontRef idx="minor">
+            <a:schemeClr val="lt1"/>
+          </a:fontRef>
+        </p:style>
+        <p:txBody>
+          <a:bodyPr rtlCol="0" anchor="ctr"/>
+          <a:lstStyle/>
+          <a:p>
+            <a:pPr algn="ctr"/>
+            <a:endParaRPr kumimoji="1" lang="ja-JP" altLang="en-US" sz="1400" dirty="0" smtClean="0">
+              <a:solidFill>
+                <a:schemeClr val="tx1"/>
+              </a:solidFill>
+            </a:endParaRPr>
+          </a:p>
+        </p:txBody>
+      </p:sp>
+      <p:sp>
+        <p:nvSpPr>
+          <p:cNvPr id="27" name="正方形/長方形 26"/>
+          <p:cNvSpPr/>
+          <p:nvPr/>
+        </p:nvSpPr>
+        <p:spPr>
+          <a:xfrm>
+            <a:off x="3093352" y="4506613"/>
+            <a:ext cx="3960440" cy="258917"/>
+          </a:xfrm>
+          <a:prstGeom prst="rect">
+            <a:avLst/>
+          </a:prstGeom>
+          <a:solidFill>
+            <a:schemeClr val="bg1"/>
+          </a:solidFill>
+          <a:ln w="9525">
+            <a:solidFill>
+              <a:schemeClr val="tx1"/>
+            </a:solidFill>
+          </a:ln>
+        </p:spPr>
+        <p:style>
+          <a:lnRef idx="2">
+            <a:schemeClr val="accent1">
+              <a:shade val="50000"/>
+            </a:schemeClr>
+          </a:lnRef>
+          <a:fillRef idx="1">
+            <a:schemeClr val="accent1"/>
+          </a:fillRef>
+          <a:effectRef idx="0">
+            <a:schemeClr val="accent1"/>
+          </a:effectRef>
+          <a:fontRef idx="minor">
+            <a:schemeClr val="lt1"/>
+          </a:fontRef>
+        </p:style>
+        <p:txBody>
+          <a:bodyPr rtlCol="0" anchor="ctr"/>
+          <a:lstStyle/>
+          <a:p>
+            <a:pPr algn="ctr"/>
+            <a:endParaRPr kumimoji="1" lang="ja-JP" altLang="en-US" sz="1400" dirty="0" smtClean="0">
+              <a:solidFill>
+                <a:schemeClr val="tx1"/>
+              </a:solidFill>
+            </a:endParaRPr>
+          </a:p>
+        </p:txBody>
+      </p:sp>
+      <p:sp>
+        <p:nvSpPr>
+          <p:cNvPr id="7" name="テキスト ボックス 6"/>
+          <p:cNvSpPr txBox="1"/>
+          <p:nvPr/>
+        </p:nvSpPr>
+        <p:spPr>
+          <a:xfrm>
+            <a:off x="2051720" y="2881768"/>
+            <a:ext cx="771591" cy="230832"/>
+          </a:xfrm>
+          <a:prstGeom prst="rect">
+            <a:avLst/>
+          </a:prstGeom>
+          <a:solidFill>
+            <a:schemeClr val="bg1"/>
+          </a:solidFill>
+        </p:spPr>
+        <p:txBody>
+          <a:bodyPr wrap="square" rtlCol="0">
+            <a:spAutoFit/>
+          </a:bodyPr>
+          <a:lstStyle/>
+          <a:p>
+            <a:r>
+              <a:rPr kumimoji="1" lang="ja-JP" altLang="en-US" sz="900" b="1" dirty="0" smtClean="0"/>
+              <a:t>ユーザー名</a:t>
+            </a:r>
+            <a:endParaRPr kumimoji="1" lang="ja-JP" altLang="en-US" sz="900" b="1" dirty="0" smtClean="0"/>
+          </a:p>
+        </p:txBody>
+      </p:sp>
+      <p:sp>
+        <p:nvSpPr>
+          <p:cNvPr id="28" name="テキスト ボックス 27"/>
+          <p:cNvSpPr txBox="1"/>
+          <p:nvPr/>
+        </p:nvSpPr>
+        <p:spPr>
+          <a:xfrm>
+            <a:off x="2033931" y="3296410"/>
+            <a:ext cx="876917" cy="230832"/>
+          </a:xfrm>
+          <a:prstGeom prst="rect">
+            <a:avLst/>
+          </a:prstGeom>
+          <a:solidFill>
+            <a:schemeClr val="bg1"/>
+          </a:solidFill>
+        </p:spPr>
+        <p:txBody>
+          <a:bodyPr wrap="square" rtlCol="0">
+            <a:spAutoFit/>
+          </a:bodyPr>
+          <a:lstStyle/>
+          <a:p>
+            <a:r>
+              <a:rPr lang="en-US" altLang="ja-JP" sz="900" b="1" dirty="0" smtClean="0"/>
+              <a:t>Email</a:t>
+            </a:r>
+            <a:r>
+              <a:rPr lang="ja-JP" altLang="en-US" sz="900" b="1" dirty="0" smtClean="0"/>
+              <a:t>アドレス</a:t>
+            </a:r>
+            <a:endParaRPr kumimoji="1" lang="ja-JP" altLang="en-US" sz="900" b="1" dirty="0" smtClean="0"/>
+          </a:p>
+        </p:txBody>
+      </p:sp>
+      <p:sp>
+        <p:nvSpPr>
+          <p:cNvPr id="29" name="テキスト ボックス 28"/>
+          <p:cNvSpPr txBox="1"/>
+          <p:nvPr/>
+        </p:nvSpPr>
+        <p:spPr>
+          <a:xfrm>
+            <a:off x="2097553" y="3720629"/>
+            <a:ext cx="771591" cy="230832"/>
+          </a:xfrm>
+          <a:prstGeom prst="rect">
+            <a:avLst/>
+          </a:prstGeom>
+          <a:solidFill>
+            <a:schemeClr val="bg1"/>
+          </a:solidFill>
+        </p:spPr>
+        <p:txBody>
+          <a:bodyPr wrap="square" rtlCol="0">
+            <a:spAutoFit/>
+          </a:bodyPr>
+          <a:lstStyle/>
+          <a:p>
+            <a:r>
+              <a:rPr lang="ja-JP" altLang="en-US" sz="900" b="1" dirty="0"/>
+              <a:t>パスワード</a:t>
+            </a:r>
+            <a:endParaRPr kumimoji="1" lang="ja-JP" altLang="en-US" sz="900" b="1" dirty="0" smtClean="0"/>
+          </a:p>
+        </p:txBody>
+      </p:sp>
+      <p:sp>
+        <p:nvSpPr>
+          <p:cNvPr id="30" name="テキスト ボックス 29"/>
+          <p:cNvSpPr txBox="1"/>
+          <p:nvPr/>
+        </p:nvSpPr>
+        <p:spPr>
+          <a:xfrm>
+            <a:off x="2251879" y="4142416"/>
+            <a:ext cx="462941" cy="230832"/>
+          </a:xfrm>
+          <a:prstGeom prst="rect">
+            <a:avLst/>
+          </a:prstGeom>
+          <a:solidFill>
+            <a:schemeClr val="bg1"/>
+          </a:solidFill>
+        </p:spPr>
+        <p:txBody>
+          <a:bodyPr wrap="square" rtlCol="0">
+            <a:spAutoFit/>
+          </a:bodyPr>
+          <a:lstStyle/>
+          <a:p>
+            <a:r>
+              <a:rPr lang="ja-JP" altLang="en-US" sz="900" b="1" dirty="0"/>
+              <a:t>確認</a:t>
+            </a:r>
+            <a:endParaRPr kumimoji="1" lang="ja-JP" altLang="en-US" sz="900" b="1" dirty="0" smtClean="0"/>
+          </a:p>
+        </p:txBody>
+      </p:sp>
+      <p:sp>
+        <p:nvSpPr>
+          <p:cNvPr id="31" name="テキスト ボックス 30"/>
+          <p:cNvSpPr txBox="1"/>
+          <p:nvPr/>
+        </p:nvSpPr>
+        <p:spPr>
+          <a:xfrm>
+            <a:off x="2239006" y="4552820"/>
+            <a:ext cx="466765" cy="230832"/>
+          </a:xfrm>
+          <a:prstGeom prst="rect">
+            <a:avLst/>
+          </a:prstGeom>
+          <a:solidFill>
+            <a:schemeClr val="bg1"/>
+          </a:solidFill>
+        </p:spPr>
+        <p:txBody>
+          <a:bodyPr wrap="square" rtlCol="0">
+            <a:spAutoFit/>
+          </a:bodyPr>
+          <a:lstStyle/>
+          <a:p>
+            <a:r>
+              <a:rPr lang="ja-JP" altLang="en-US" sz="900" b="1" dirty="0"/>
+              <a:t>身長</a:t>
+            </a:r>
+            <a:endParaRPr kumimoji="1" lang="ja-JP" altLang="en-US" sz="900" b="1" dirty="0" smtClean="0"/>
+          </a:p>
+        </p:txBody>
+      </p:sp>
+      <p:sp>
+        <p:nvSpPr>
+          <p:cNvPr id="8" name="角丸四角形 7"/>
+          <p:cNvSpPr/>
+          <p:nvPr/>
+        </p:nvSpPr>
+        <p:spPr>
+          <a:xfrm>
+            <a:off x="3093352" y="5318851"/>
+            <a:ext cx="3960440" cy="320553"/>
+          </a:xfrm>
+          <a:prstGeom prst="roundRect">
+            <a:avLst/>
+          </a:prstGeom>
+          <a:solidFill>
+            <a:schemeClr val="bg1"/>
+          </a:solidFill>
+          <a:ln w="9525">
+            <a:solidFill>
+              <a:schemeClr val="tx1"/>
+            </a:solidFill>
+          </a:ln>
+        </p:spPr>
+        <p:style>
+          <a:lnRef idx="2">
+            <a:schemeClr val="accent1">
+              <a:shade val="50000"/>
+            </a:schemeClr>
+          </a:lnRef>
+          <a:fillRef idx="1">
+            <a:schemeClr val="accent1"/>
+          </a:fillRef>
+          <a:effectRef idx="0">
+            <a:schemeClr val="accent1"/>
+          </a:effectRef>
+          <a:fontRef idx="minor">
+            <a:schemeClr val="lt1"/>
+          </a:fontRef>
+        </p:style>
+        <p:txBody>
+          <a:bodyPr rtlCol="0" anchor="ctr"/>
+          <a:lstStyle/>
+          <a:p>
+            <a:pPr algn="ctr"/>
+            <a:r>
+              <a:rPr kumimoji="1" lang="ja-JP" altLang="en-US" sz="1400" b="1" dirty="0" smtClean="0">
+                <a:solidFill>
+                  <a:schemeClr val="tx1"/>
+                </a:solidFill>
+              </a:rPr>
+              <a:t>新規登録</a:t>
+            </a:r>
+            <a:endParaRPr kumimoji="1" lang="ja-JP" altLang="en-US" sz="1400" b="1" dirty="0" smtClean="0">
+              <a:solidFill>
+                <a:schemeClr val="tx1"/>
+              </a:solidFill>
+            </a:endParaRPr>
+          </a:p>
+        </p:txBody>
+      </p:sp>
+      <p:sp>
+        <p:nvSpPr>
+          <p:cNvPr id="32" name="正方形/長方形 31"/>
+          <p:cNvSpPr/>
+          <p:nvPr/>
+        </p:nvSpPr>
+        <p:spPr>
+          <a:xfrm>
+            <a:off x="3093352" y="4930794"/>
+            <a:ext cx="3960440" cy="258917"/>
+          </a:xfrm>
+          <a:prstGeom prst="rect">
+            <a:avLst/>
+          </a:prstGeom>
+          <a:solidFill>
+            <a:schemeClr val="bg1"/>
+          </a:solidFill>
+          <a:ln w="9525">
+            <a:solidFill>
+              <a:schemeClr val="tx1"/>
+            </a:solidFill>
+          </a:ln>
+        </p:spPr>
+        <p:style>
+          <a:lnRef idx="2">
+            <a:schemeClr val="accent1">
+              <a:shade val="50000"/>
+            </a:schemeClr>
+          </a:lnRef>
+          <a:fillRef idx="1">
+            <a:schemeClr val="accent1"/>
+          </a:fillRef>
+          <a:effectRef idx="0">
+            <a:schemeClr val="accent1"/>
+          </a:effectRef>
+          <a:fontRef idx="minor">
+            <a:schemeClr val="lt1"/>
+          </a:fontRef>
+        </p:style>
+        <p:txBody>
+          <a:bodyPr rtlCol="0" anchor="ctr"/>
+          <a:lstStyle/>
+          <a:p>
+            <a:pPr algn="ctr"/>
+            <a:endParaRPr kumimoji="1" lang="ja-JP" altLang="en-US" sz="1400" dirty="0" smtClean="0">
+              <a:solidFill>
+                <a:schemeClr val="tx1"/>
+              </a:solidFill>
+            </a:endParaRPr>
+          </a:p>
+        </p:txBody>
+      </p:sp>
+      <p:sp>
+        <p:nvSpPr>
+          <p:cNvPr id="33" name="テキスト ボックス 32"/>
+          <p:cNvSpPr txBox="1"/>
+          <p:nvPr/>
+        </p:nvSpPr>
+        <p:spPr>
+          <a:xfrm>
+            <a:off x="2239006" y="4937836"/>
+            <a:ext cx="466765" cy="230832"/>
+          </a:xfrm>
+          <a:prstGeom prst="rect">
+            <a:avLst/>
+          </a:prstGeom>
+          <a:solidFill>
+            <a:schemeClr val="bg1"/>
+          </a:solidFill>
+        </p:spPr>
+        <p:txBody>
+          <a:bodyPr wrap="square" rtlCol="0">
+            <a:spAutoFit/>
+          </a:bodyPr>
+          <a:lstStyle/>
+          <a:p>
+            <a:r>
+              <a:rPr lang="ja-JP" altLang="en-US" sz="900" b="1" dirty="0"/>
+              <a:t>年齢</a:t>
+            </a:r>
+            <a:endParaRPr kumimoji="1" lang="ja-JP" altLang="en-US" sz="900" b="1" dirty="0" smtClean="0"/>
+          </a:p>
+        </p:txBody>
+      </p:sp>
     </p:spTree>
     <p:extLst>
       <p:ext uri="{BB962C8B-B14F-4D97-AF65-F5344CB8AC3E}">
-        <p14:creationId xmlns:p14="http://schemas.microsoft.com/office/powerpoint/2010/main" val="859950377"/>
+        <p14:creationId xmlns:p14="http://schemas.microsoft.com/office/powerpoint/2010/main" val="3341729065"/>
       </p:ext>
     </p:extLst>
   </p:cSld>
@@ -6729,59 +7382,338 @@
           <a:lstStyle/>
           <a:p>
             <a:r>
-              <a:rPr lang="en-US" altLang="ja-JP" smtClean="0"/>
+              <a:rPr kumimoji="1" lang="en-US" altLang="ja-JP" dirty="0" smtClean="0"/>
+              <a:t>About</a:t>
+            </a:r>
+            <a:r>
+              <a:rPr lang="ja-JP" altLang="en-US" dirty="0" smtClean="0"/>
+              <a:t>（説明ページ）</a:t>
+            </a:r>
+            <a:endParaRPr kumimoji="1" lang="ja-JP" altLang="en-US" dirty="0"/>
+          </a:p>
+        </p:txBody>
+      </p:sp>
+      <p:sp>
+        <p:nvSpPr>
+          <p:cNvPr id="3" name="正方形/長方形 2"/>
+          <p:cNvSpPr/>
+          <p:nvPr/>
+        </p:nvSpPr>
+        <p:spPr>
+          <a:xfrm>
+            <a:off x="827584" y="1628800"/>
+            <a:ext cx="7488832" cy="4248472"/>
+          </a:xfrm>
+          <a:prstGeom prst="rect">
+            <a:avLst/>
+          </a:prstGeom>
+          <a:solidFill>
+            <a:schemeClr val="bg1"/>
+          </a:solidFill>
+          <a:ln w="9525">
+            <a:solidFill>
+              <a:schemeClr val="tx1"/>
+            </a:solidFill>
+          </a:ln>
+        </p:spPr>
+        <p:style>
+          <a:lnRef idx="2">
+            <a:schemeClr val="accent1">
+              <a:shade val="50000"/>
+            </a:schemeClr>
+          </a:lnRef>
+          <a:fillRef idx="1">
+            <a:schemeClr val="accent1"/>
+          </a:fillRef>
+          <a:effectRef idx="0">
+            <a:schemeClr val="accent1"/>
+          </a:effectRef>
+          <a:fontRef idx="minor">
+            <a:schemeClr val="lt1"/>
+          </a:fontRef>
+        </p:style>
+        <p:txBody>
+          <a:bodyPr rtlCol="0" anchor="ctr"/>
+          <a:lstStyle/>
+          <a:p>
+            <a:pPr algn="ctr"/>
+            <a:endParaRPr kumimoji="1" lang="ja-JP" altLang="en-US" sz="1400" dirty="0" smtClean="0">
+              <a:solidFill>
+                <a:schemeClr val="tx1"/>
+              </a:solidFill>
+            </a:endParaRPr>
+          </a:p>
+        </p:txBody>
+      </p:sp>
+      <p:sp>
+        <p:nvSpPr>
+          <p:cNvPr id="4" name="正方形/長方形 3"/>
+          <p:cNvSpPr/>
+          <p:nvPr/>
+        </p:nvSpPr>
+        <p:spPr>
+          <a:xfrm>
+            <a:off x="827584" y="1628800"/>
+            <a:ext cx="7488832" cy="576064"/>
+          </a:xfrm>
+          <a:prstGeom prst="rect">
+            <a:avLst/>
+          </a:prstGeom>
+          <a:solidFill>
+            <a:schemeClr val="bg1"/>
+          </a:solidFill>
+          <a:ln w="9525">
+            <a:solidFill>
+              <a:schemeClr val="tx1"/>
+            </a:solidFill>
+          </a:ln>
+        </p:spPr>
+        <p:style>
+          <a:lnRef idx="2">
+            <a:schemeClr val="accent1">
+              <a:shade val="50000"/>
+            </a:schemeClr>
+          </a:lnRef>
+          <a:fillRef idx="1">
+            <a:schemeClr val="accent1"/>
+          </a:fillRef>
+          <a:effectRef idx="0">
+            <a:schemeClr val="accent1"/>
+          </a:effectRef>
+          <a:fontRef idx="minor">
+            <a:schemeClr val="lt1"/>
+          </a:fontRef>
+        </p:style>
+        <p:txBody>
+          <a:bodyPr rtlCol="0" anchor="ctr"/>
+          <a:lstStyle/>
+          <a:p>
+            <a:pPr algn="ctr"/>
+            <a:endParaRPr kumimoji="1" lang="ja-JP" altLang="en-US" sz="1400" dirty="0" smtClean="0">
+              <a:solidFill>
+                <a:schemeClr val="tx1"/>
+              </a:solidFill>
+            </a:endParaRPr>
+          </a:p>
+        </p:txBody>
+      </p:sp>
+      <p:sp>
+        <p:nvSpPr>
+          <p:cNvPr id="5" name="テキスト ボックス 4"/>
+          <p:cNvSpPr txBox="1"/>
+          <p:nvPr/>
+        </p:nvSpPr>
+        <p:spPr>
+          <a:xfrm>
+            <a:off x="873115" y="1732166"/>
+            <a:ext cx="648072" cy="369332"/>
+          </a:xfrm>
+          <a:prstGeom prst="rect">
+            <a:avLst/>
+          </a:prstGeom>
+          <a:solidFill>
+            <a:schemeClr val="bg1"/>
+          </a:solidFill>
+          <a:ln>
+            <a:solidFill>
+              <a:schemeClr val="bg1"/>
+            </a:solidFill>
+          </a:ln>
+        </p:spPr>
+        <p:txBody>
+          <a:bodyPr wrap="square" rtlCol="0">
+            <a:spAutoFit/>
+          </a:bodyPr>
+          <a:lstStyle/>
+          <a:p>
+            <a:pPr algn="ctr"/>
+            <a:r>
+              <a:rPr kumimoji="1" lang="en-US" altLang="ja-JP" b="1" dirty="0" smtClean="0">
+                <a:latin typeface="OCRB" panose="020B0609020202020204" pitchFamily="49" charset="0"/>
+              </a:rPr>
+              <a:t>WLF</a:t>
+            </a:r>
+            <a:endParaRPr kumimoji="1" lang="ja-JP" altLang="en-US" b="1" dirty="0" smtClean="0">
+              <a:latin typeface="OCRB" panose="020B0609020202020204" pitchFamily="49" charset="0"/>
+            </a:endParaRPr>
+          </a:p>
+        </p:txBody>
+      </p:sp>
+      <p:sp>
+        <p:nvSpPr>
+          <p:cNvPr id="6" name="テキスト ボックス 5"/>
+          <p:cNvSpPr txBox="1"/>
+          <p:nvPr/>
+        </p:nvSpPr>
+        <p:spPr>
+          <a:xfrm>
+            <a:off x="1563760" y="1732166"/>
+            <a:ext cx="775992" cy="369332"/>
+          </a:xfrm>
+          <a:prstGeom prst="rect">
+            <a:avLst/>
+          </a:prstGeom>
+          <a:solidFill>
+            <a:schemeClr val="bg1"/>
+          </a:solidFill>
+        </p:spPr>
+        <p:txBody>
+          <a:bodyPr wrap="square" rtlCol="0">
+            <a:spAutoFit/>
+          </a:bodyPr>
+          <a:lstStyle/>
+          <a:p>
+            <a:r>
+              <a:rPr kumimoji="1" lang="en-US" altLang="ja-JP" dirty="0" smtClean="0">
+                <a:latin typeface="OCRB" panose="020B0609020202020204" pitchFamily="49" charset="0"/>
+              </a:rPr>
+              <a:t>Work</a:t>
+            </a:r>
+            <a:endParaRPr kumimoji="1" lang="ja-JP" altLang="en-US" dirty="0" smtClean="0">
+              <a:latin typeface="OCRB" panose="020B0609020202020204" pitchFamily="49" charset="0"/>
+            </a:endParaRPr>
+          </a:p>
+        </p:txBody>
+      </p:sp>
+      <p:sp>
+        <p:nvSpPr>
+          <p:cNvPr id="7" name="正方形/長方形 6"/>
+          <p:cNvSpPr/>
+          <p:nvPr/>
+        </p:nvSpPr>
+        <p:spPr>
+          <a:xfrm>
+            <a:off x="2382325" y="1732710"/>
+            <a:ext cx="881973" cy="369332"/>
+          </a:xfrm>
+          <a:prstGeom prst="rect">
+            <a:avLst/>
+          </a:prstGeom>
+        </p:spPr>
+        <p:txBody>
+          <a:bodyPr wrap="none">
+            <a:spAutoFit/>
+          </a:bodyPr>
+          <a:lstStyle/>
+          <a:p>
+            <a:r>
+              <a:rPr lang="en-US" altLang="ja-JP" dirty="0" smtClean="0">
+                <a:latin typeface="OCRB" panose="020B0609020202020204" pitchFamily="49" charset="0"/>
+              </a:rPr>
+              <a:t>Abou</a:t>
+            </a:r>
+            <a:r>
+              <a:rPr lang="en-US" altLang="ja-JP" dirty="0">
+                <a:latin typeface="OCRB" panose="020B0609020202020204" pitchFamily="49" charset="0"/>
+              </a:rPr>
+              <a:t>t</a:t>
+            </a:r>
+            <a:endParaRPr lang="ja-JP" altLang="en-US" dirty="0">
+              <a:latin typeface="OCRB" panose="020B0609020202020204" pitchFamily="49" charset="0"/>
+            </a:endParaRPr>
+          </a:p>
+        </p:txBody>
+      </p:sp>
+      <p:sp>
+        <p:nvSpPr>
+          <p:cNvPr id="8" name="正方形/長方形 7"/>
+          <p:cNvSpPr/>
+          <p:nvPr/>
+        </p:nvSpPr>
+        <p:spPr>
+          <a:xfrm>
+            <a:off x="3304734" y="1732166"/>
+            <a:ext cx="1160895" cy="369332"/>
+          </a:xfrm>
+          <a:prstGeom prst="rect">
+            <a:avLst/>
+          </a:prstGeom>
+        </p:spPr>
+        <p:txBody>
+          <a:bodyPr wrap="none">
+            <a:spAutoFit/>
+          </a:bodyPr>
+          <a:lstStyle/>
+          <a:p>
+            <a:r>
+              <a:rPr lang="en-US" altLang="ja-JP" dirty="0" smtClean="0">
+                <a:latin typeface="OCRB" panose="020B0609020202020204" pitchFamily="49" charset="0"/>
+              </a:rPr>
               <a:t>Contac</a:t>
             </a:r>
             <a:r>
-              <a:rPr lang="en-US" altLang="ja-JP"/>
+              <a:rPr lang="en-US" altLang="ja-JP" dirty="0">
+                <a:latin typeface="OCRB" panose="020B0609020202020204" pitchFamily="49" charset="0"/>
+              </a:rPr>
               <a:t>t</a:t>
             </a:r>
-            <a:r>
-              <a:rPr lang="ja-JP" altLang="en-US" smtClean="0"/>
-              <a:t>（</a:t>
-            </a:r>
-            <a:r>
-              <a:rPr lang="ja-JP" altLang="en-US"/>
-              <a:t>意</a:t>
-            </a:r>
-            <a:r>
-              <a:rPr lang="ja-JP" altLang="en-US" smtClean="0"/>
-              <a:t>見</a:t>
-            </a:r>
-            <a:r>
-              <a:rPr lang="ja-JP" altLang="en-US"/>
-              <a:t>問い合</a:t>
-            </a:r>
-            <a:r>
-              <a:rPr lang="ja-JP" altLang="en-US" smtClean="0"/>
-              <a:t>わ</a:t>
-            </a:r>
-            <a:r>
-              <a:rPr lang="ja-JP" altLang="en-US"/>
-              <a:t>せ</a:t>
-            </a:r>
-            <a:r>
-              <a:rPr lang="ja-JP" altLang="en-US" smtClean="0"/>
-              <a:t>ペ</a:t>
-            </a:r>
-            <a:r>
-              <a:rPr lang="ja-JP" altLang="en-US" dirty="0" smtClean="0"/>
-              <a:t>ージ）</a:t>
-            </a:r>
-            <a:endParaRPr kumimoji="1" lang="ja-JP" altLang="en-US" dirty="0"/>
+            <a:endParaRPr lang="ja-JP" altLang="en-US" dirty="0">
+              <a:latin typeface="OCRB" panose="020B0609020202020204" pitchFamily="49" charset="0"/>
+            </a:endParaRPr>
+          </a:p>
+        </p:txBody>
+      </p:sp>
+      <p:sp>
+        <p:nvSpPr>
+          <p:cNvPr id="9" name="正方形/長方形 8"/>
+          <p:cNvSpPr/>
+          <p:nvPr/>
+        </p:nvSpPr>
+        <p:spPr>
+          <a:xfrm>
+            <a:off x="7057565" y="1732166"/>
+            <a:ext cx="1160895" cy="369332"/>
+          </a:xfrm>
+          <a:prstGeom prst="rect">
+            <a:avLst/>
+          </a:prstGeom>
+        </p:spPr>
+        <p:txBody>
+          <a:bodyPr wrap="none">
+            <a:spAutoFit/>
+          </a:bodyPr>
+          <a:lstStyle/>
+          <a:p>
+            <a:r>
+              <a:rPr lang="en-US" altLang="ja-JP" dirty="0" smtClean="0">
+                <a:latin typeface="OCRB" panose="020B0609020202020204" pitchFamily="49" charset="0"/>
+              </a:rPr>
+              <a:t>Sign</a:t>
+            </a:r>
+            <a:r>
+              <a:rPr lang="ja-JP" altLang="en-US" dirty="0">
+                <a:latin typeface="OCRB" panose="020B0609020202020204" pitchFamily="49" charset="0"/>
+              </a:rPr>
+              <a:t> </a:t>
+            </a:r>
+            <a:r>
+              <a:rPr lang="en-US" altLang="ja-JP" dirty="0" smtClean="0">
+                <a:latin typeface="OCRB" panose="020B0609020202020204" pitchFamily="49" charset="0"/>
+              </a:rPr>
+              <a:t>i</a:t>
+            </a:r>
+            <a:r>
+              <a:rPr lang="en-US" altLang="ja-JP" dirty="0">
+                <a:latin typeface="OCRB" panose="020B0609020202020204" pitchFamily="49" charset="0"/>
+              </a:rPr>
+              <a:t>n</a:t>
+            </a:r>
+            <a:endParaRPr lang="ja-JP" altLang="en-US" dirty="0">
+              <a:latin typeface="OCRB" panose="020B0609020202020204" pitchFamily="49" charset="0"/>
+            </a:endParaRPr>
           </a:p>
         </p:txBody>
       </p:sp>
       <p:pic>
         <p:nvPicPr>
-          <p:cNvPr id="3" name="図 2"/>
+          <p:cNvPr id="13" name="図 12"/>
           <p:cNvPicPr>
             <a:picLocks noChangeAspect="1"/>
           </p:cNvPicPr>
           <p:nvPr/>
         </p:nvPicPr>
         <p:blipFill>
-          <a:blip r:embed="rId2">
+          <a:blip r:embed="rId2" cstate="print">
             <a:extLst>
               <a:ext uri="{28A0092B-C50C-407E-A947-70E740481C1C}">
                 <a14:useLocalDpi xmlns:a14="http://schemas.microsoft.com/office/drawing/2010/main" val="0"/>
@@ -6794,18 +7726,51 @@
         </p:blipFill>
         <p:spPr>
           <a:xfrm>
-            <a:off x="2962050" y="1772816"/>
-            <a:ext cx="3219899" cy="4172532"/>
+            <a:off x="1563760" y="2521579"/>
+            <a:ext cx="5957908" cy="3038977"/>
           </a:xfrm>
           <a:prstGeom prst="rect">
             <a:avLst/>
           </a:prstGeom>
         </p:spPr>
       </p:pic>
+      <p:sp>
+        <p:nvSpPr>
+          <p:cNvPr id="14" name="正方形/長方形 13"/>
+          <p:cNvSpPr/>
+          <p:nvPr/>
+        </p:nvSpPr>
+        <p:spPr>
+          <a:xfrm>
+            <a:off x="4418420" y="1732166"/>
+            <a:ext cx="742511" cy="369332"/>
+          </a:xfrm>
+          <a:prstGeom prst="rect">
+            <a:avLst/>
+          </a:prstGeom>
+        </p:spPr>
+        <p:txBody>
+          <a:bodyPr wrap="none">
+            <a:spAutoFit/>
+          </a:bodyPr>
+          <a:lstStyle/>
+          <a:p>
+            <a:r>
+              <a:rPr lang="en-US" altLang="ja-JP" dirty="0">
+                <a:latin typeface="OCRB" panose="020B0609020202020204" pitchFamily="49" charset="0"/>
+              </a:rPr>
+              <a:t>Help</a:t>
+            </a:r>
+            <a:endParaRPr lang="ja-JP" altLang="en-US" dirty="0">
+              <a:latin typeface="OCRB" panose="020B0609020202020204" pitchFamily="49" charset="0"/>
+            </a:endParaRPr>
+          </a:p>
+        </p:txBody>
+      </p:sp>
     </p:spTree>
     <p:extLst>
       <p:ext uri="{BB962C8B-B14F-4D97-AF65-F5344CB8AC3E}">
-        <p14:creationId xmlns:p14="http://schemas.microsoft.com/office/powerpoint/2010/main" val="1471113602"/>
+        <p14:creationId xmlns:p14="http://schemas.microsoft.com/office/powerpoint/2010/main" val="859950377"/>
       </p:ext>
     </p:extLst>
   </p:cSld>
@@ -6855,16 +7820,138 @@
           <a:lstStyle/>
           <a:p>
             <a:r>
+              <a:rPr lang="en-US" altLang="ja-JP" smtClean="0"/>
+              <a:t>Contac</a:t>
+            </a:r>
+            <a:r>
+              <a:rPr lang="en-US" altLang="ja-JP"/>
+              <a:t>t</a:t>
+            </a:r>
+            <a:r>
+              <a:rPr lang="ja-JP" altLang="en-US" smtClean="0"/>
+              <a:t>（</a:t>
+            </a:r>
+            <a:r>
+              <a:rPr lang="ja-JP" altLang="en-US"/>
+              <a:t>意</a:t>
+            </a:r>
+            <a:r>
+              <a:rPr lang="ja-JP" altLang="en-US" smtClean="0"/>
+              <a:t>見</a:t>
+            </a:r>
+            <a:r>
+              <a:rPr lang="ja-JP" altLang="en-US"/>
+              <a:t>問い合</a:t>
+            </a:r>
+            <a:r>
+              <a:rPr lang="ja-JP" altLang="en-US" smtClean="0"/>
+              <a:t>わ</a:t>
+            </a:r>
+            <a:r>
+              <a:rPr lang="ja-JP" altLang="en-US"/>
+              <a:t>せ</a:t>
+            </a:r>
+            <a:r>
+              <a:rPr lang="ja-JP" altLang="en-US" smtClean="0"/>
+              <a:t>ペ</a:t>
+            </a:r>
+            <a:r>
+              <a:rPr lang="ja-JP" altLang="en-US" dirty="0" smtClean="0"/>
+              <a:t>ージ）</a:t>
+            </a:r>
+            <a:endParaRPr kumimoji="1" lang="ja-JP" altLang="en-US" dirty="0"/>
+          </a:p>
+        </p:txBody>
+      </p:sp>
+      <p:pic>
+        <p:nvPicPr>
+          <p:cNvPr id="3" name="図 2"/>
+          <p:cNvPicPr>
+            <a:picLocks noChangeAspect="1"/>
+          </p:cNvPicPr>
+          <p:nvPr/>
+        </p:nvPicPr>
+        <p:blipFill>
+          <a:blip r:embed="rId2">
+            <a:extLst>
+              <a:ext uri="{28A0092B-C50C-407E-A947-70E740481C1C}">
+                <a14:useLocalDpi xmlns:a14="http://schemas.microsoft.com/office/drawing/2010/main" val="0"/>
+              </a:ext>
+            </a:extLst>
+          </a:blip>
+          <a:stretch>
+            <a:fillRect/>
+          </a:stretch>
+        </p:blipFill>
+        <p:spPr>
+          <a:xfrm>
+            <a:off x="2962050" y="1772816"/>
+            <a:ext cx="3219899" cy="4172532"/>
+          </a:xfrm>
+          <a:prstGeom prst="rect">
+            <a:avLst/>
+          </a:prstGeom>
+        </p:spPr>
+      </p:pic>
+    </p:spTree>
+    <p:extLst>
+      <p:ext uri="{BB962C8B-B14F-4D97-AF65-F5344CB8AC3E}">
+        <p14:creationId xmlns:p14="http://schemas.microsoft.com/office/powerpoint/2010/main" val="1471113602"/>
+      </p:ext>
+    </p:extLst>
+  </p:cSld>
+  <p:clrMapOvr>
+    <a:masterClrMapping/>
+  </p:clrMapOvr>
+  <p:timing>
+    <p:tnLst>
+      <p:par>
+        <p:cTn id="1" dur="indefinite" restart="never" nodeType="tmRoot"/>
+      </p:par>
+    </p:tnLst>
+  </p:timing>
+</p:sld>
+</file>
+
+<file path=ppt/slides/slide8.xml><?xml version="1.0" encoding="utf-8"?>
+<p:sld xmlns:a="http://schemas.openxmlformats.org/drawingml/2006/main" xmlns:r="http://schemas.openxmlformats.org/officeDocument/2006/relationships" xmlns:p="http://schemas.openxmlformats.org/presentationml/2006/main">
+  <p:cSld>
+    <p:spTree>
+      <p:nvGrpSpPr>
+        <p:cNvPr id="1" name=""/>
+        <p:cNvGrpSpPr/>
+        <p:nvPr/>
+      </p:nvGrpSpPr>
+      <p:grpSpPr>
+        <a:xfrm>
+          <a:off x="0" y="0"/>
+          <a:ext cx="0" cy="0"/>
+          <a:chOff x="0" y="0"/>
+          <a:chExt cx="0" cy="0"/>
+        </a:xfrm>
+      </p:grpSpPr>
+      <p:sp>
+        <p:nvSpPr>
+          <p:cNvPr id="2" name="タイトル 1"/>
+          <p:cNvSpPr>
+            <a:spLocks noGrp="1"/>
+          </p:cNvSpPr>
+          <p:nvPr>
+            <p:ph type="title"/>
+          </p:nvPr>
+        </p:nvSpPr>
+        <p:spPr/>
+        <p:txBody>
+          <a:bodyPr/>
+          <a:lstStyle/>
+          <a:p>
+            <a:r>
               <a:rPr lang="en-US" altLang="ja-JP" dirty="0" smtClean="0"/>
               <a:t>Profile</a:t>
             </a:r>
             <a:r>
               <a:rPr lang="ja-JP" altLang="en-US" dirty="0" smtClean="0"/>
-              <a:t>（登録情報編集ペ</a:t>
-            </a:r>
-            <a:r>
-              <a:rPr lang="ja-JP" altLang="en-US" dirty="0" smtClean="0"/>
-              <a:t>ージ）</a:t>
+              <a:t>（登録情報編集ページ）</a:t>
             </a:r>
             <a:endParaRPr kumimoji="1" lang="ja-JP" altLang="en-US" dirty="0"/>
           </a:p>
@@ -6920,7 +8007,7 @@
 </p:sld>
 </file>
 
-<file path=ppt/slides/slide8.xml><?xml version="1.0" encoding="utf-8"?>
+<file path=ppt/slides/slide9.xml><?xml version="1.0" encoding="utf-8"?>
 <p:sld xmlns:a="http://schemas.openxmlformats.org/drawingml/2006/main" xmlns:r="http://schemas.openxmlformats.org/officeDocument/2006/relationships" xmlns:p="http://schemas.openxmlformats.org/presentationml/2006/main">
   <p:cSld>
     <p:spTree>

--- a/screen_image/04.画面設計.pptx
+++ b/screen_image/04.画面設計.pptx
@@ -7,13 +7,15 @@
   <p:sldIdLst>
     <p:sldId id="256" r:id="rId2"/>
     <p:sldId id="257" r:id="rId3"/>
-    <p:sldId id="262" r:id="rId4"/>
-    <p:sldId id="259" r:id="rId5"/>
-    <p:sldId id="265" r:id="rId6"/>
-    <p:sldId id="260" r:id="rId7"/>
-    <p:sldId id="261" r:id="rId8"/>
-    <p:sldId id="264" r:id="rId9"/>
-    <p:sldId id="263" r:id="rId10"/>
+    <p:sldId id="259" r:id="rId4"/>
+    <p:sldId id="265" r:id="rId5"/>
+    <p:sldId id="260" r:id="rId6"/>
+    <p:sldId id="261" r:id="rId7"/>
+    <p:sldId id="263" r:id="rId8"/>
+    <p:sldId id="262" r:id="rId9"/>
+    <p:sldId id="266" r:id="rId10"/>
+    <p:sldId id="267" r:id="rId11"/>
+    <p:sldId id="264" r:id="rId12"/>
   </p:sldIdLst>
   <p:sldSz cx="9144000" cy="6858000" type="screen4x3"/>
   <p:notesSz cx="6858000" cy="9144000"/>
@@ -324,7 +326,7 @@
           <a:p>
             <a:fld id="{E90ED720-0104-4369-84BC-D37694168613}" type="datetimeFigureOut">
               <a:rPr kumimoji="1" lang="ja-JP" altLang="en-US" smtClean="0"/>
-              <a:t>2016/8/24</a:t>
+              <a:t>2016/8/25</a:t>
             </a:fld>
             <a:endParaRPr kumimoji="1" lang="ja-JP" altLang="en-US"/>
           </a:p>
@@ -655,7 +657,7 @@
           <a:p>
             <a:fld id="{E90ED720-0104-4369-84BC-D37694168613}" type="datetimeFigureOut">
               <a:rPr kumimoji="1" lang="ja-JP" altLang="en-US" smtClean="0"/>
-              <a:t>2016/8/24</a:t>
+              <a:t>2016/8/25</a:t>
             </a:fld>
             <a:endParaRPr kumimoji="1" lang="ja-JP" altLang="en-US"/>
           </a:p>
@@ -996,7 +998,7 @@
           <a:p>
             <a:fld id="{E90ED720-0104-4369-84BC-D37694168613}" type="datetimeFigureOut">
               <a:rPr kumimoji="1" lang="ja-JP" altLang="en-US" smtClean="0"/>
-              <a:t>2016/8/24</a:t>
+              <a:t>2016/8/25</a:t>
             </a:fld>
             <a:endParaRPr kumimoji="1" lang="ja-JP" altLang="en-US"/>
           </a:p>
@@ -1193,7 +1195,7 @@
           <a:p>
             <a:fld id="{E90ED720-0104-4369-84BC-D37694168613}" type="datetimeFigureOut">
               <a:rPr kumimoji="1" lang="ja-JP" altLang="en-US" smtClean="0"/>
-              <a:t>2016/8/24</a:t>
+              <a:t>2016/8/25</a:t>
             </a:fld>
             <a:endParaRPr kumimoji="1" lang="ja-JP" altLang="en-US"/>
           </a:p>
@@ -1576,7 +1578,7 @@
           <a:p>
             <a:fld id="{E90ED720-0104-4369-84BC-D37694168613}" type="datetimeFigureOut">
               <a:rPr kumimoji="1" lang="ja-JP" altLang="en-US" smtClean="0"/>
-              <a:t>2016/8/24</a:t>
+              <a:t>2016/8/25</a:t>
             </a:fld>
             <a:endParaRPr kumimoji="1" lang="ja-JP" altLang="en-US"/>
           </a:p>
@@ -2057,7 +2059,7 @@
           <a:p>
             <a:fld id="{E90ED720-0104-4369-84BC-D37694168613}" type="datetimeFigureOut">
               <a:rPr kumimoji="1" lang="ja-JP" altLang="en-US" smtClean="0"/>
-              <a:t>2016/8/24</a:t>
+              <a:t>2016/8/25</a:t>
             </a:fld>
             <a:endParaRPr kumimoji="1" lang="ja-JP" altLang="en-US"/>
           </a:p>
@@ -2672,7 +2674,7 @@
           <a:p>
             <a:fld id="{E90ED720-0104-4369-84BC-D37694168613}" type="datetimeFigureOut">
               <a:rPr kumimoji="1" lang="ja-JP" altLang="en-US" smtClean="0"/>
-              <a:t>2016/8/24</a:t>
+              <a:t>2016/8/25</a:t>
             </a:fld>
             <a:endParaRPr kumimoji="1" lang="ja-JP" altLang="en-US"/>
           </a:p>
@@ -2919,7 +2921,7 @@
           <a:p>
             <a:fld id="{E90ED720-0104-4369-84BC-D37694168613}" type="datetimeFigureOut">
               <a:rPr kumimoji="1" lang="ja-JP" altLang="en-US" smtClean="0"/>
-              <a:t>2016/8/24</a:t>
+              <a:t>2016/8/25</a:t>
             </a:fld>
             <a:endParaRPr kumimoji="1" lang="ja-JP" altLang="en-US"/>
           </a:p>
@@ -3143,7 +3145,7 @@
           <a:p>
             <a:fld id="{E90ED720-0104-4369-84BC-D37694168613}" type="datetimeFigureOut">
               <a:rPr kumimoji="1" lang="ja-JP" altLang="en-US" smtClean="0"/>
-              <a:t>2016/8/24</a:t>
+              <a:t>2016/8/25</a:t>
             </a:fld>
             <a:endParaRPr kumimoji="1" lang="ja-JP" altLang="en-US"/>
           </a:p>
@@ -3447,7 +3449,7 @@
           <a:p>
             <a:fld id="{E90ED720-0104-4369-84BC-D37694168613}" type="datetimeFigureOut">
               <a:rPr kumimoji="1" lang="ja-JP" altLang="en-US" smtClean="0"/>
-              <a:t>2016/8/24</a:t>
+              <a:t>2016/8/25</a:t>
             </a:fld>
             <a:endParaRPr kumimoji="1" lang="ja-JP" altLang="en-US"/>
           </a:p>
@@ -3833,7 +3835,7 @@
           <a:p>
             <a:fld id="{E90ED720-0104-4369-84BC-D37694168613}" type="datetimeFigureOut">
               <a:rPr kumimoji="1" lang="ja-JP" altLang="en-US" smtClean="0"/>
-              <a:t>2016/8/24</a:t>
+              <a:t>2016/8/25</a:t>
             </a:fld>
             <a:endParaRPr kumimoji="1" lang="ja-JP" altLang="en-US"/>
           </a:p>
@@ -4447,7 +4449,7 @@
           <a:p>
             <a:fld id="{E90ED720-0104-4369-84BC-D37694168613}" type="datetimeFigureOut">
               <a:rPr kumimoji="1" lang="ja-JP" altLang="en-US" smtClean="0"/>
-              <a:t>2016/8/24</a:t>
+              <a:t>2016/8/25</a:t>
             </a:fld>
             <a:endParaRPr kumimoji="1" lang="ja-JP" altLang="en-US"/>
           </a:p>
@@ -4982,6 +4984,180 @@
 </p:sld>
 </file>
 
+<file path=ppt/slides/slide10.xml><?xml version="1.0" encoding="utf-8"?>
+<p:sld xmlns:a="http://schemas.openxmlformats.org/drawingml/2006/main" xmlns:r="http://schemas.openxmlformats.org/officeDocument/2006/relationships" xmlns:p="http://schemas.openxmlformats.org/presentationml/2006/main">
+  <p:cSld>
+    <p:spTree>
+      <p:nvGrpSpPr>
+        <p:cNvPr id="1" name=""/>
+        <p:cNvGrpSpPr/>
+        <p:nvPr/>
+      </p:nvGrpSpPr>
+      <p:grpSpPr>
+        <a:xfrm>
+          <a:off x="0" y="0"/>
+          <a:ext cx="0" cy="0"/>
+          <a:chOff x="0" y="0"/>
+          <a:chExt cx="0" cy="0"/>
+        </a:xfrm>
+      </p:grpSpPr>
+      <p:sp>
+        <p:nvSpPr>
+          <p:cNvPr id="2" name="タイトル 1"/>
+          <p:cNvSpPr>
+            <a:spLocks noGrp="1"/>
+          </p:cNvSpPr>
+          <p:nvPr>
+            <p:ph type="title"/>
+          </p:nvPr>
+        </p:nvSpPr>
+        <p:spPr/>
+        <p:txBody>
+          <a:bodyPr/>
+          <a:lstStyle/>
+          <a:p>
+            <a:r>
+              <a:rPr lang="en-US" altLang="ja-JP" dirty="0" smtClean="0"/>
+              <a:t>Profile</a:t>
+            </a:r>
+            <a:r>
+              <a:rPr lang="ja-JP" altLang="en-US" dirty="0" smtClean="0"/>
+              <a:t>（登録情</a:t>
+            </a:r>
+            <a:r>
+              <a:rPr lang="ja-JP" altLang="en-US" dirty="0" smtClean="0"/>
+              <a:t>報</a:t>
+            </a:r>
+            <a:r>
+              <a:rPr lang="ja-JP" altLang="en-US" dirty="0"/>
+              <a:t>閲覧</a:t>
+            </a:r>
+            <a:r>
+              <a:rPr lang="ja-JP" altLang="en-US" dirty="0" smtClean="0"/>
+              <a:t>ペ</a:t>
+            </a:r>
+            <a:r>
+              <a:rPr lang="ja-JP" altLang="en-US" dirty="0" smtClean="0"/>
+              <a:t>ージ）</a:t>
+            </a:r>
+            <a:endParaRPr kumimoji="1" lang="ja-JP" altLang="en-US" dirty="0"/>
+          </a:p>
+        </p:txBody>
+      </p:sp>
+    </p:spTree>
+    <p:extLst>
+      <p:ext uri="{BB962C8B-B14F-4D97-AF65-F5344CB8AC3E}">
+        <p14:creationId xmlns:p14="http://schemas.microsoft.com/office/powerpoint/2010/main" val="3742971240"/>
+      </p:ext>
+    </p:extLst>
+  </p:cSld>
+  <p:clrMapOvr>
+    <a:masterClrMapping/>
+  </p:clrMapOvr>
+  <p:timing>
+    <p:tnLst>
+      <p:par>
+        <p:cTn id="1" dur="indefinite" restart="never" nodeType="tmRoot"/>
+      </p:par>
+    </p:tnLst>
+  </p:timing>
+</p:sld>
+</file>
+
+<file path=ppt/slides/slide11.xml><?xml version="1.0" encoding="utf-8"?>
+<p:sld xmlns:a="http://schemas.openxmlformats.org/drawingml/2006/main" xmlns:r="http://schemas.openxmlformats.org/officeDocument/2006/relationships" xmlns:p="http://schemas.openxmlformats.org/presentationml/2006/main">
+  <p:cSld>
+    <p:spTree>
+      <p:nvGrpSpPr>
+        <p:cNvPr id="1" name=""/>
+        <p:cNvGrpSpPr/>
+        <p:nvPr/>
+      </p:nvGrpSpPr>
+      <p:grpSpPr>
+        <a:xfrm>
+          <a:off x="0" y="0"/>
+          <a:ext cx="0" cy="0"/>
+          <a:chOff x="0" y="0"/>
+          <a:chExt cx="0" cy="0"/>
+        </a:xfrm>
+      </p:grpSpPr>
+      <p:sp>
+        <p:nvSpPr>
+          <p:cNvPr id="2" name="タイトル 1"/>
+          <p:cNvSpPr>
+            <a:spLocks noGrp="1"/>
+          </p:cNvSpPr>
+          <p:nvPr>
+            <p:ph type="title"/>
+          </p:nvPr>
+        </p:nvSpPr>
+        <p:spPr/>
+        <p:txBody>
+          <a:bodyPr/>
+          <a:lstStyle/>
+          <a:p>
+            <a:r>
+              <a:rPr lang="en-US" altLang="ja-JP" dirty="0" smtClean="0"/>
+              <a:t>Profile</a:t>
+            </a:r>
+            <a:r>
+              <a:rPr lang="ja-JP" altLang="en-US" dirty="0" smtClean="0"/>
+              <a:t>（登録情報編集ページ）</a:t>
+            </a:r>
+            <a:endParaRPr kumimoji="1" lang="ja-JP" altLang="en-US" dirty="0"/>
+          </a:p>
+        </p:txBody>
+      </p:sp>
+      <p:pic>
+        <p:nvPicPr>
+          <p:cNvPr id="4" name="図 3"/>
+          <p:cNvPicPr>
+            <a:picLocks noChangeAspect="1"/>
+          </p:cNvPicPr>
+          <p:nvPr/>
+        </p:nvPicPr>
+        <p:blipFill>
+          <a:blip r:embed="rId2">
+            <a:extLst>
+              <a:ext uri="{28A0092B-C50C-407E-A947-70E740481C1C}">
+                <a14:useLocalDpi xmlns:a14="http://schemas.microsoft.com/office/drawing/2010/main" val="0"/>
+              </a:ext>
+            </a:extLst>
+          </a:blip>
+          <a:stretch>
+            <a:fillRect/>
+          </a:stretch>
+        </p:blipFill>
+        <p:spPr>
+          <a:xfrm>
+            <a:off x="2411760" y="1772816"/>
+            <a:ext cx="4320480" cy="3976352"/>
+          </a:xfrm>
+          <a:prstGeom prst="rect">
+            <a:avLst/>
+          </a:prstGeom>
+        </p:spPr>
+      </p:pic>
+    </p:spTree>
+    <p:extLst>
+      <p:ext uri="{BB962C8B-B14F-4D97-AF65-F5344CB8AC3E}">
+        <p14:creationId xmlns:p14="http://schemas.microsoft.com/office/powerpoint/2010/main" val="1427157456"/>
+      </p:ext>
+    </p:extLst>
+  </p:cSld>
+  <p:clrMapOvr>
+    <a:masterClrMapping/>
+  </p:clrMapOvr>
+  <p:timing>
+    <p:tnLst>
+      <p:par>
+        <p:cTn id="1" dur="indefinite" restart="never" nodeType="tmRoot"/>
+      </p:par>
+    </p:tnLst>
+  </p:timing>
+</p:sld>
+</file>
+
 <file path=ppt/slides/slide2.xml><?xml version="1.0" encoding="utf-8"?>
 <p:sld xmlns:a="http://schemas.openxmlformats.org/drawingml/2006/main" xmlns:r="http://schemas.openxmlformats.org/officeDocument/2006/relationships" xmlns:p="http://schemas.openxmlformats.org/presentationml/2006/main">
   <p:cSld>
@@ -5339,132 +5515,6 @@
       </p:sp>
       <p:sp>
         <p:nvSpPr>
-          <p:cNvPr id="5" name="正方形/長方形 4"/>
-          <p:cNvSpPr/>
-          <p:nvPr/>
-        </p:nvSpPr>
-        <p:spPr>
-          <a:xfrm>
-            <a:off x="827584" y="2204864"/>
-            <a:ext cx="7488832" cy="1584176"/>
-          </a:xfrm>
-          <a:prstGeom prst="rect">
-            <a:avLst/>
-          </a:prstGeom>
-          <a:solidFill>
-            <a:schemeClr val="bg1"/>
-          </a:solidFill>
-          <a:ln w="9525">
-            <a:solidFill>
-              <a:schemeClr val="tx1"/>
-            </a:solidFill>
-          </a:ln>
-        </p:spPr>
-        <p:style>
-          <a:lnRef idx="2">
-            <a:schemeClr val="accent1">
-              <a:shade val="50000"/>
-            </a:schemeClr>
-          </a:lnRef>
-          <a:fillRef idx="1">
-            <a:schemeClr val="accent1"/>
-          </a:fillRef>
-          <a:effectRef idx="0">
-            <a:schemeClr val="accent1"/>
-          </a:effectRef>
-          <a:fontRef idx="minor">
-            <a:schemeClr val="lt1"/>
-          </a:fontRef>
-        </p:style>
-        <p:txBody>
-          <a:bodyPr rtlCol="0" anchor="ctr"/>
-          <a:lstStyle/>
-          <a:p>
-            <a:pPr algn="ctr"/>
-            <a:r>
-              <a:rPr kumimoji="1" lang="ja-JP" altLang="en-US" sz="1400" dirty="0" smtClean="0">
-                <a:solidFill>
-                  <a:schemeClr val="tx1"/>
-                </a:solidFill>
-              </a:rPr>
-              <a:t>スライドショー</a:t>
-            </a:r>
-          </a:p>
-        </p:txBody>
-      </p:sp>
-      <p:sp>
-        <p:nvSpPr>
-          <p:cNvPr id="6" name="正方形/長方形 5"/>
-          <p:cNvSpPr/>
-          <p:nvPr/>
-        </p:nvSpPr>
-        <p:spPr>
-          <a:xfrm>
-            <a:off x="827584" y="4005064"/>
-            <a:ext cx="7488832" cy="1872208"/>
-          </a:xfrm>
-          <a:prstGeom prst="rect">
-            <a:avLst/>
-          </a:prstGeom>
-          <a:solidFill>
-            <a:schemeClr val="bg1"/>
-          </a:solidFill>
-          <a:ln w="9525">
-            <a:solidFill>
-              <a:schemeClr val="tx1"/>
-            </a:solidFill>
-          </a:ln>
-        </p:spPr>
-        <p:style>
-          <a:lnRef idx="2">
-            <a:schemeClr val="accent1">
-              <a:shade val="50000"/>
-            </a:schemeClr>
-          </a:lnRef>
-          <a:fillRef idx="1">
-            <a:schemeClr val="accent1"/>
-          </a:fillRef>
-          <a:effectRef idx="0">
-            <a:schemeClr val="accent1"/>
-          </a:effectRef>
-          <a:fontRef idx="minor">
-            <a:schemeClr val="lt1"/>
-          </a:fontRef>
-        </p:style>
-        <p:txBody>
-          <a:bodyPr rtlCol="0" anchor="ctr"/>
-          <a:lstStyle/>
-          <a:p>
-            <a:pPr algn="ctr"/>
-            <a:r>
-              <a:rPr kumimoji="1" lang="ja-JP" altLang="en-US" sz="1400" dirty="0" smtClean="0">
-                <a:solidFill>
-                  <a:schemeClr val="tx1"/>
-                </a:solidFill>
-              </a:rPr>
-              <a:t>本</a:t>
-            </a:r>
-            <a:r>
-              <a:rPr kumimoji="1" lang="en-US" altLang="ja-JP" sz="1400" dirty="0" smtClean="0">
-                <a:solidFill>
-                  <a:schemeClr val="tx1"/>
-                </a:solidFill>
-              </a:rPr>
-              <a:t>Web</a:t>
-            </a:r>
-            <a:r>
-              <a:rPr kumimoji="1" lang="ja-JP" altLang="en-US" sz="1400" dirty="0" smtClean="0">
-                <a:solidFill>
-                  <a:schemeClr val="tx1"/>
-                </a:solidFill>
-              </a:rPr>
-              <a:t>サービスの説明</a:t>
-            </a:r>
-          </a:p>
-        </p:txBody>
-      </p:sp>
-      <p:sp>
-        <p:nvSpPr>
           <p:cNvPr id="7" name="正方形/長方形 6"/>
           <p:cNvSpPr/>
           <p:nvPr/>
@@ -5502,6 +5552,36 @@
           </a:p>
         </p:txBody>
       </p:sp>
+      <p:pic>
+        <p:nvPicPr>
+          <p:cNvPr id="3" name="図 2"/>
+          <p:cNvPicPr>
+            <a:picLocks noChangeAspect="1"/>
+          </p:cNvPicPr>
+          <p:nvPr/>
+        </p:nvPicPr>
+        <p:blipFill>
+          <a:blip r:embed="rId2" cstate="print">
+            <a:extLst>
+              <a:ext uri="{28A0092B-C50C-407E-A947-70E740481C1C}">
+                <a14:useLocalDpi xmlns:a14="http://schemas.microsoft.com/office/drawing/2010/main" val="0"/>
+              </a:ext>
+            </a:extLst>
+          </a:blip>
+          <a:stretch>
+            <a:fillRect/>
+          </a:stretch>
+        </p:blipFill>
+        <p:spPr>
+          <a:xfrm>
+            <a:off x="899327" y="2254224"/>
+            <a:ext cx="7345346" cy="3573688"/>
+          </a:xfrm>
+          <a:prstGeom prst="rect">
+            <a:avLst/>
+          </a:prstGeom>
+        </p:spPr>
+      </p:pic>
     </p:spTree>
     <p:extLst>
       <p:ext uri="{BB962C8B-B14F-4D97-AF65-F5344CB8AC3E}">
@@ -5541,42 +5621,7 @@
       </p:grpSpPr>
       <p:sp>
         <p:nvSpPr>
-          <p:cNvPr id="2" name="タイトル 1"/>
-          <p:cNvSpPr>
-            <a:spLocks noGrp="1"/>
-          </p:cNvSpPr>
-          <p:nvPr>
-            <p:ph type="title"/>
-          </p:nvPr>
-        </p:nvSpPr>
-        <p:spPr/>
-        <p:txBody>
-          <a:bodyPr/>
-          <a:lstStyle/>
-          <a:p>
-            <a:r>
-              <a:rPr lang="ja-JP" altLang="en-US"/>
-              <a:t>ログイ</a:t>
-            </a:r>
-            <a:r>
-              <a:rPr lang="ja-JP" altLang="en-US" smtClean="0"/>
-              <a:t>ン後の</a:t>
-            </a:r>
-            <a:r>
-              <a:rPr kumimoji="1" lang="ja-JP" altLang="en-US" smtClean="0"/>
-              <a:t>画</a:t>
-            </a:r>
-            <a:r>
-              <a:rPr kumimoji="1" lang="ja-JP" altLang="en-US" dirty="0" smtClean="0"/>
-              <a:t>面</a:t>
-            </a:r>
-            <a:endParaRPr kumimoji="1" lang="ja-JP" altLang="en-US" dirty="0"/>
-          </a:p>
-        </p:txBody>
-      </p:sp>
-      <p:sp>
-        <p:nvSpPr>
-          <p:cNvPr id="10" name="正方形/長方形 9"/>
+          <p:cNvPr id="13" name="正方形/長方形 12"/>
           <p:cNvSpPr/>
           <p:nvPr/>
         </p:nvSpPr>
@@ -5628,7 +5673,7 @@
       </p:sp>
       <p:sp>
         <p:nvSpPr>
-          <p:cNvPr id="11" name="正方形/長方形 10"/>
+          <p:cNvPr id="14" name="正方形/長方形 13"/>
           <p:cNvSpPr/>
           <p:nvPr/>
         </p:nvSpPr>
@@ -5680,7 +5725,7 @@
       </p:sp>
       <p:sp>
         <p:nvSpPr>
-          <p:cNvPr id="12" name="テキスト ボックス 11"/>
+          <p:cNvPr id="15" name="テキスト ボックス 14"/>
           <p:cNvSpPr txBox="1"/>
           <p:nvPr/>
         </p:nvSpPr>
@@ -5722,7 +5767,7 @@
       </p:sp>
       <p:sp>
         <p:nvSpPr>
-          <p:cNvPr id="13" name="テキスト ボックス 12"/>
+          <p:cNvPr id="16" name="テキスト ボックス 15"/>
           <p:cNvSpPr txBox="1"/>
           <p:nvPr/>
         </p:nvSpPr>
@@ -5758,7 +5803,7 @@
       </p:sp>
       <p:sp>
         <p:nvSpPr>
-          <p:cNvPr id="15" name="正方形/長方形 14"/>
+          <p:cNvPr id="17" name="正方形/長方形 16"/>
           <p:cNvSpPr/>
           <p:nvPr/>
         </p:nvSpPr>
@@ -5797,7 +5842,7 @@
       </p:sp>
       <p:sp>
         <p:nvSpPr>
-          <p:cNvPr id="16" name="正方形/長方形 15"/>
+          <p:cNvPr id="18" name="正方形/長方形 17"/>
           <p:cNvSpPr/>
           <p:nvPr/>
         </p:nvSpPr>
@@ -5836,7 +5881,7 @@
       </p:sp>
       <p:sp>
         <p:nvSpPr>
-          <p:cNvPr id="20" name="正方形/長方形 19"/>
+          <p:cNvPr id="19" name="正方形/長方形 18"/>
           <p:cNvSpPr/>
           <p:nvPr/>
         </p:nvSpPr>
@@ -5887,236 +5932,13 @@
       </p:sp>
       <p:sp>
         <p:nvSpPr>
-          <p:cNvPr id="3" name="角丸四角形 2"/>
+          <p:cNvPr id="20" name="正方形/長方形 19"/>
           <p:cNvSpPr/>
           <p:nvPr/>
         </p:nvSpPr>
         <p:spPr>
           <a:xfrm>
-            <a:off x="1134438" y="2780928"/>
-            <a:ext cx="2016224" cy="2520280"/>
-          </a:xfrm>
-          <a:prstGeom prst="roundRect">
-            <a:avLst/>
-          </a:prstGeom>
-          <a:solidFill>
-            <a:schemeClr val="bg1"/>
-          </a:solidFill>
-          <a:ln w="9525">
-            <a:solidFill>
-              <a:schemeClr val="tx1"/>
-            </a:solidFill>
-          </a:ln>
-        </p:spPr>
-        <p:style>
-          <a:lnRef idx="2">
-            <a:schemeClr val="accent1">
-              <a:shade val="50000"/>
-            </a:schemeClr>
-          </a:lnRef>
-          <a:fillRef idx="1">
-            <a:schemeClr val="accent1"/>
-          </a:fillRef>
-          <a:effectRef idx="0">
-            <a:schemeClr val="accent1"/>
-          </a:effectRef>
-          <a:fontRef idx="minor">
-            <a:schemeClr val="lt1"/>
-          </a:fontRef>
-        </p:style>
-        <p:txBody>
-          <a:bodyPr rtlCol="0" anchor="ctr"/>
-          <a:lstStyle/>
-          <a:p>
-            <a:pPr algn="ctr"/>
-            <a:r>
-              <a:rPr kumimoji="1" lang="ja-JP" altLang="en-US" sz="1400" dirty="0" smtClean="0">
-                <a:solidFill>
-                  <a:schemeClr val="tx1"/>
-                </a:solidFill>
-              </a:rPr>
-              <a:t>歩数</a:t>
-            </a:r>
-            <a:endParaRPr kumimoji="1" lang="en-US" altLang="ja-JP" sz="1400" dirty="0" smtClean="0">
-              <a:solidFill>
-                <a:schemeClr val="tx1"/>
-              </a:solidFill>
-            </a:endParaRPr>
-          </a:p>
-          <a:p>
-            <a:pPr algn="ctr"/>
-            <a:r>
-              <a:rPr lang="ja-JP" altLang="en-US" sz="1400" dirty="0">
-                <a:solidFill>
-                  <a:schemeClr val="tx1"/>
-                </a:solidFill>
-              </a:rPr>
-              <a:t>距</a:t>
-            </a:r>
-            <a:r>
-              <a:rPr lang="ja-JP" altLang="en-US" sz="1400" dirty="0" smtClean="0">
-                <a:solidFill>
-                  <a:schemeClr val="tx1"/>
-                </a:solidFill>
-              </a:rPr>
-              <a:t>離</a:t>
-            </a:r>
-            <a:endParaRPr lang="en-US" altLang="ja-JP" sz="1400" dirty="0" smtClean="0">
-              <a:solidFill>
-                <a:schemeClr val="tx1"/>
-              </a:solidFill>
-            </a:endParaRPr>
-          </a:p>
-          <a:p>
-            <a:pPr algn="ctr"/>
-            <a:r>
-              <a:rPr kumimoji="1" lang="en-US" altLang="ja-JP" sz="1400" dirty="0" smtClean="0">
-                <a:solidFill>
-                  <a:schemeClr val="tx1"/>
-                </a:solidFill>
-              </a:rPr>
-              <a:t>Etc</a:t>
-            </a:r>
-            <a:endParaRPr kumimoji="1" lang="ja-JP" altLang="en-US" sz="1400" dirty="0" smtClean="0">
-              <a:solidFill>
-                <a:schemeClr val="tx1"/>
-              </a:solidFill>
-            </a:endParaRPr>
-          </a:p>
-        </p:txBody>
-      </p:sp>
-      <p:sp>
-        <p:nvSpPr>
-          <p:cNvPr id="14" name="角丸四角形 13"/>
-          <p:cNvSpPr/>
-          <p:nvPr/>
-        </p:nvSpPr>
-        <p:spPr>
-          <a:xfrm>
-            <a:off x="3563888" y="2780928"/>
-            <a:ext cx="2016224" cy="2520280"/>
-          </a:xfrm>
-          <a:prstGeom prst="roundRect">
-            <a:avLst/>
-          </a:prstGeom>
-          <a:solidFill>
-            <a:schemeClr val="bg1"/>
-          </a:solidFill>
-          <a:ln w="9525">
-            <a:solidFill>
-              <a:schemeClr val="tx1"/>
-            </a:solidFill>
-          </a:ln>
-        </p:spPr>
-        <p:style>
-          <a:lnRef idx="2">
-            <a:schemeClr val="accent1">
-              <a:shade val="50000"/>
-            </a:schemeClr>
-          </a:lnRef>
-          <a:fillRef idx="1">
-            <a:schemeClr val="accent1"/>
-          </a:fillRef>
-          <a:effectRef idx="0">
-            <a:schemeClr val="accent1"/>
-          </a:effectRef>
-          <a:fontRef idx="minor">
-            <a:schemeClr val="lt1"/>
-          </a:fontRef>
-        </p:style>
-        <p:txBody>
-          <a:bodyPr rtlCol="0" anchor="ctr"/>
-          <a:lstStyle/>
-          <a:p>
-            <a:pPr algn="ctr"/>
-            <a:r>
-              <a:rPr kumimoji="1" lang="ja-JP" altLang="en-US" sz="1400" dirty="0" smtClean="0">
-                <a:solidFill>
-                  <a:schemeClr val="tx1"/>
-                </a:solidFill>
-              </a:rPr>
-              <a:t>体重の増減グラフ</a:t>
-            </a:r>
-            <a:endParaRPr kumimoji="1" lang="en-US" altLang="ja-JP" sz="1400" dirty="0" smtClean="0">
-              <a:solidFill>
-                <a:schemeClr val="tx1"/>
-              </a:solidFill>
-            </a:endParaRPr>
-          </a:p>
-          <a:p>
-            <a:pPr algn="ctr"/>
-            <a:endParaRPr kumimoji="1" lang="ja-JP" altLang="en-US" sz="1400" dirty="0" smtClean="0">
-              <a:solidFill>
-                <a:schemeClr val="tx1"/>
-              </a:solidFill>
-            </a:endParaRPr>
-          </a:p>
-        </p:txBody>
-      </p:sp>
-      <p:sp>
-        <p:nvSpPr>
-          <p:cNvPr id="17" name="角丸四角形 16"/>
-          <p:cNvSpPr/>
-          <p:nvPr/>
-        </p:nvSpPr>
-        <p:spPr>
-          <a:xfrm>
-            <a:off x="5886966" y="2780928"/>
-            <a:ext cx="2016224" cy="2520280"/>
-          </a:xfrm>
-          <a:prstGeom prst="roundRect">
-            <a:avLst/>
-          </a:prstGeom>
-          <a:solidFill>
-            <a:schemeClr val="bg1"/>
-          </a:solidFill>
-          <a:ln w="9525">
-            <a:solidFill>
-              <a:schemeClr val="tx1"/>
-            </a:solidFill>
-          </a:ln>
-        </p:spPr>
-        <p:style>
-          <a:lnRef idx="2">
-            <a:schemeClr val="accent1">
-              <a:shade val="50000"/>
-            </a:schemeClr>
-          </a:lnRef>
-          <a:fillRef idx="1">
-            <a:schemeClr val="accent1"/>
-          </a:fillRef>
-          <a:effectRef idx="0">
-            <a:schemeClr val="accent1"/>
-          </a:effectRef>
-          <a:fontRef idx="minor">
-            <a:schemeClr val="lt1"/>
-          </a:fontRef>
-        </p:style>
-        <p:txBody>
-          <a:bodyPr rtlCol="0" anchor="ctr"/>
-          <a:lstStyle/>
-          <a:p>
-            <a:pPr algn="ctr"/>
-            <a:r>
-              <a:rPr kumimoji="1" lang="ja-JP" altLang="en-US" sz="1400" dirty="0" smtClean="0">
-                <a:solidFill>
-                  <a:schemeClr val="tx1"/>
-                </a:solidFill>
-              </a:rPr>
-              <a:t>スケジューラー？</a:t>
-            </a:r>
-          </a:p>
-        </p:txBody>
-      </p:sp>
-      <p:sp>
-        <p:nvSpPr>
-          <p:cNvPr id="4" name="正方形/長方形 3"/>
-          <p:cNvSpPr/>
-          <p:nvPr/>
-        </p:nvSpPr>
-        <p:spPr>
-          <a:xfrm>
-            <a:off x="4355976" y="1732166"/>
+            <a:off x="4418420" y="1732166"/>
             <a:ext cx="742511" cy="369332"/>
           </a:xfrm>
           <a:prstGeom prst="rect">
@@ -6141,10 +5963,71 @@
           </a:p>
         </p:txBody>
       </p:sp>
+      <p:sp>
+        <p:nvSpPr>
+          <p:cNvPr id="2" name="タイトル 1"/>
+          <p:cNvSpPr>
+            <a:spLocks noGrp="1"/>
+          </p:cNvSpPr>
+          <p:nvPr>
+            <p:ph type="title"/>
+          </p:nvPr>
+        </p:nvSpPr>
+        <p:spPr/>
+        <p:txBody>
+          <a:bodyPr/>
+          <a:lstStyle/>
+          <a:p>
+            <a:r>
+              <a:rPr lang="ja-JP" altLang="en-US" dirty="0"/>
+              <a:t>ログイ</a:t>
+            </a:r>
+            <a:r>
+              <a:rPr lang="ja-JP" altLang="en-US" dirty="0" smtClean="0"/>
+              <a:t>ン</a:t>
+            </a:r>
+            <a:r>
+              <a:rPr kumimoji="1" lang="ja-JP" altLang="en-US" dirty="0" smtClean="0"/>
+              <a:t>画面（ログインフォーム）</a:t>
+            </a:r>
+            <a:endParaRPr kumimoji="1" lang="ja-JP" altLang="en-US" dirty="0"/>
+          </a:p>
+        </p:txBody>
+      </p:sp>
+      <p:pic>
+        <p:nvPicPr>
+          <p:cNvPr id="21" name="図 20"/>
+          <p:cNvPicPr>
+            <a:picLocks noChangeAspect="1"/>
+          </p:cNvPicPr>
+          <p:nvPr/>
+        </p:nvPicPr>
+        <p:blipFill>
+          <a:blip r:embed="rId2">
+            <a:extLst>
+              <a:ext uri="{28A0092B-C50C-407E-A947-70E740481C1C}">
+                <a14:useLocalDpi xmlns:a14="http://schemas.microsoft.com/office/drawing/2010/main" val="0"/>
+              </a:ext>
+            </a:extLst>
+          </a:blip>
+          <a:stretch>
+            <a:fillRect/>
+          </a:stretch>
+        </p:blipFill>
+        <p:spPr>
+          <a:xfrm>
+            <a:off x="1329981" y="2344630"/>
+            <a:ext cx="6484038" cy="3392876"/>
+          </a:xfrm>
+          <a:prstGeom prst="rect">
+            <a:avLst/>
+          </a:prstGeom>
+        </p:spPr>
+      </p:pic>
     </p:spTree>
     <p:extLst>
       <p:ext uri="{BB962C8B-B14F-4D97-AF65-F5344CB8AC3E}">
-        <p14:creationId xmlns:p14="http://schemas.microsoft.com/office/powerpoint/2010/main" val="2868452957"/>
+        <p14:creationId xmlns:p14="http://schemas.microsoft.com/office/powerpoint/2010/main" val="554710720"/>
       </p:ext>
     </p:extLst>
   </p:cSld>
@@ -6195,54 +6078,1036 @@
           <a:p>
             <a:r>
               <a:rPr lang="ja-JP" altLang="en-US" dirty="0"/>
-              <a:t>ログイ</a:t>
+              <a:t>新</a:t>
             </a:r>
             <a:r>
               <a:rPr lang="ja-JP" altLang="en-US" dirty="0" smtClean="0"/>
-              <a:t>ン</a:t>
+              <a:t>規</a:t>
+            </a:r>
+            <a:r>
+              <a:rPr lang="ja-JP" altLang="en-US" dirty="0"/>
+              <a:t>アカウン</a:t>
+            </a:r>
+            <a:r>
+              <a:rPr lang="ja-JP" altLang="en-US" dirty="0" smtClean="0"/>
+              <a:t>ト</a:t>
+            </a:r>
+            <a:r>
+              <a:rPr lang="ja-JP" altLang="en-US" dirty="0"/>
+              <a:t>登録</a:t>
             </a:r>
             <a:r>
               <a:rPr kumimoji="1" lang="ja-JP" altLang="en-US" dirty="0" smtClean="0"/>
-              <a:t>画面（ログインフォーム）</a:t>
+              <a:t>画面</a:t>
             </a:r>
             <a:endParaRPr kumimoji="1" lang="ja-JP" altLang="en-US" dirty="0"/>
           </a:p>
         </p:txBody>
       </p:sp>
-      <p:pic>
-        <p:nvPicPr>
-          <p:cNvPr id="4" name="図 3"/>
-          <p:cNvPicPr>
-            <a:picLocks noChangeAspect="1"/>
-          </p:cNvPicPr>
-          <p:nvPr/>
-        </p:nvPicPr>
-        <p:blipFill>
-          <a:blip r:embed="rId2">
-            <a:extLst>
-              <a:ext uri="{28A0092B-C50C-407E-A947-70E740481C1C}">
-                <a14:useLocalDpi xmlns:a14="http://schemas.microsoft.com/office/drawing/2010/main" val="0"/>
-              </a:ext>
-            </a:extLst>
-          </a:blip>
-          <a:stretch>
-            <a:fillRect/>
-          </a:stretch>
-        </p:blipFill>
-        <p:spPr>
-          <a:xfrm>
-            <a:off x="2885839" y="2132856"/>
-            <a:ext cx="3372321" cy="3229426"/>
+      <p:sp>
+        <p:nvSpPr>
+          <p:cNvPr id="10" name="正方形/長方形 9"/>
+          <p:cNvSpPr/>
+          <p:nvPr/>
+        </p:nvSpPr>
+        <p:spPr>
+          <a:xfrm>
+            <a:off x="863588" y="1628800"/>
+            <a:ext cx="7488832" cy="4248472"/>
           </a:xfrm>
           <a:prstGeom prst="rect">
             <a:avLst/>
           </a:prstGeom>
-        </p:spPr>
-      </p:pic>
+          <a:solidFill>
+            <a:schemeClr val="bg1"/>
+          </a:solidFill>
+          <a:ln w="9525">
+            <a:solidFill>
+              <a:schemeClr val="tx1"/>
+            </a:solidFill>
+          </a:ln>
+        </p:spPr>
+        <p:style>
+          <a:lnRef idx="2">
+            <a:schemeClr val="accent1">
+              <a:shade val="50000"/>
+            </a:schemeClr>
+          </a:lnRef>
+          <a:fillRef idx="1">
+            <a:schemeClr val="accent1"/>
+          </a:fillRef>
+          <a:effectRef idx="0">
+            <a:schemeClr val="accent1"/>
+          </a:effectRef>
+          <a:fontRef idx="minor">
+            <a:schemeClr val="lt1"/>
+          </a:fontRef>
+        </p:style>
+        <p:txBody>
+          <a:bodyPr rtlCol="0" anchor="ctr"/>
+          <a:lstStyle/>
+          <a:p>
+            <a:pPr algn="ctr"/>
+            <a:endParaRPr kumimoji="1" lang="ja-JP" altLang="en-US" sz="1400" dirty="0" smtClean="0">
+              <a:solidFill>
+                <a:schemeClr val="tx1"/>
+              </a:solidFill>
+            </a:endParaRPr>
+          </a:p>
+        </p:txBody>
+      </p:sp>
+      <p:sp>
+        <p:nvSpPr>
+          <p:cNvPr id="11" name="正方形/長方形 10"/>
+          <p:cNvSpPr/>
+          <p:nvPr/>
+        </p:nvSpPr>
+        <p:spPr>
+          <a:xfrm>
+            <a:off x="827584" y="1628800"/>
+            <a:ext cx="7488832" cy="576064"/>
+          </a:xfrm>
+          <a:prstGeom prst="rect">
+            <a:avLst/>
+          </a:prstGeom>
+          <a:solidFill>
+            <a:schemeClr val="bg1"/>
+          </a:solidFill>
+          <a:ln w="9525">
+            <a:solidFill>
+              <a:schemeClr val="tx1"/>
+            </a:solidFill>
+          </a:ln>
+        </p:spPr>
+        <p:style>
+          <a:lnRef idx="2">
+            <a:schemeClr val="accent1">
+              <a:shade val="50000"/>
+            </a:schemeClr>
+          </a:lnRef>
+          <a:fillRef idx="1">
+            <a:schemeClr val="accent1"/>
+          </a:fillRef>
+          <a:effectRef idx="0">
+            <a:schemeClr val="accent1"/>
+          </a:effectRef>
+          <a:fontRef idx="minor">
+            <a:schemeClr val="lt1"/>
+          </a:fontRef>
+        </p:style>
+        <p:txBody>
+          <a:bodyPr rtlCol="0" anchor="ctr"/>
+          <a:lstStyle/>
+          <a:p>
+            <a:pPr algn="ctr"/>
+            <a:endParaRPr kumimoji="1" lang="ja-JP" altLang="en-US" sz="1400" dirty="0" smtClean="0">
+              <a:solidFill>
+                <a:schemeClr val="tx1"/>
+              </a:solidFill>
+            </a:endParaRPr>
+          </a:p>
+        </p:txBody>
+      </p:sp>
+      <p:sp>
+        <p:nvSpPr>
+          <p:cNvPr id="12" name="テキスト ボックス 11"/>
+          <p:cNvSpPr txBox="1"/>
+          <p:nvPr/>
+        </p:nvSpPr>
+        <p:spPr>
+          <a:xfrm>
+            <a:off x="873115" y="1732166"/>
+            <a:ext cx="648072" cy="369332"/>
+          </a:xfrm>
+          <a:prstGeom prst="rect">
+            <a:avLst/>
+          </a:prstGeom>
+          <a:solidFill>
+            <a:schemeClr val="bg1"/>
+          </a:solidFill>
+          <a:ln>
+            <a:solidFill>
+              <a:schemeClr val="bg1"/>
+            </a:solidFill>
+          </a:ln>
+        </p:spPr>
+        <p:txBody>
+          <a:bodyPr wrap="square" rtlCol="0">
+            <a:spAutoFit/>
+          </a:bodyPr>
+          <a:lstStyle/>
+          <a:p>
+            <a:pPr algn="ctr"/>
+            <a:r>
+              <a:rPr kumimoji="1" lang="en-US" altLang="ja-JP" b="1" dirty="0" smtClean="0">
+                <a:latin typeface="OCRB" panose="020B0609020202020204" pitchFamily="49" charset="0"/>
+              </a:rPr>
+              <a:t>WLF</a:t>
+            </a:r>
+            <a:endParaRPr kumimoji="1" lang="ja-JP" altLang="en-US" b="1" dirty="0" smtClean="0">
+              <a:latin typeface="OCRB" panose="020B0609020202020204" pitchFamily="49" charset="0"/>
+            </a:endParaRPr>
+          </a:p>
+        </p:txBody>
+      </p:sp>
+      <p:sp>
+        <p:nvSpPr>
+          <p:cNvPr id="13" name="テキスト ボックス 12"/>
+          <p:cNvSpPr txBox="1"/>
+          <p:nvPr/>
+        </p:nvSpPr>
+        <p:spPr>
+          <a:xfrm>
+            <a:off x="1563760" y="1732166"/>
+            <a:ext cx="775992" cy="369332"/>
+          </a:xfrm>
+          <a:prstGeom prst="rect">
+            <a:avLst/>
+          </a:prstGeom>
+          <a:solidFill>
+            <a:schemeClr val="bg1"/>
+          </a:solidFill>
+        </p:spPr>
+        <p:txBody>
+          <a:bodyPr wrap="square" rtlCol="0">
+            <a:spAutoFit/>
+          </a:bodyPr>
+          <a:lstStyle/>
+          <a:p>
+            <a:r>
+              <a:rPr kumimoji="1" lang="en-US" altLang="ja-JP" dirty="0" smtClean="0">
+                <a:latin typeface="OCRB" panose="020B0609020202020204" pitchFamily="49" charset="0"/>
+              </a:rPr>
+              <a:t>Work</a:t>
+            </a:r>
+            <a:endParaRPr kumimoji="1" lang="ja-JP" altLang="en-US" dirty="0" smtClean="0">
+              <a:latin typeface="OCRB" panose="020B0609020202020204" pitchFamily="49" charset="0"/>
+            </a:endParaRPr>
+          </a:p>
+        </p:txBody>
+      </p:sp>
+      <p:sp>
+        <p:nvSpPr>
+          <p:cNvPr id="15" name="正方形/長方形 14"/>
+          <p:cNvSpPr/>
+          <p:nvPr/>
+        </p:nvSpPr>
+        <p:spPr>
+          <a:xfrm>
+            <a:off x="2382325" y="1732710"/>
+            <a:ext cx="881973" cy="369332"/>
+          </a:xfrm>
+          <a:prstGeom prst="rect">
+            <a:avLst/>
+          </a:prstGeom>
+        </p:spPr>
+        <p:txBody>
+          <a:bodyPr wrap="none">
+            <a:spAutoFit/>
+          </a:bodyPr>
+          <a:lstStyle/>
+          <a:p>
+            <a:r>
+              <a:rPr lang="en-US" altLang="ja-JP" dirty="0" smtClean="0">
+                <a:latin typeface="OCRB" panose="020B0609020202020204" pitchFamily="49" charset="0"/>
+              </a:rPr>
+              <a:t>Abou</a:t>
+            </a:r>
+            <a:r>
+              <a:rPr lang="en-US" altLang="ja-JP" dirty="0">
+                <a:latin typeface="OCRB" panose="020B0609020202020204" pitchFamily="49" charset="0"/>
+              </a:rPr>
+              <a:t>t</a:t>
+            </a:r>
+            <a:endParaRPr lang="ja-JP" altLang="en-US" dirty="0">
+              <a:latin typeface="OCRB" panose="020B0609020202020204" pitchFamily="49" charset="0"/>
+            </a:endParaRPr>
+          </a:p>
+        </p:txBody>
+      </p:sp>
+      <p:sp>
+        <p:nvSpPr>
+          <p:cNvPr id="16" name="正方形/長方形 15"/>
+          <p:cNvSpPr/>
+          <p:nvPr/>
+        </p:nvSpPr>
+        <p:spPr>
+          <a:xfrm>
+            <a:off x="3304734" y="1732166"/>
+            <a:ext cx="1160895" cy="369332"/>
+          </a:xfrm>
+          <a:prstGeom prst="rect">
+            <a:avLst/>
+          </a:prstGeom>
+        </p:spPr>
+        <p:txBody>
+          <a:bodyPr wrap="none">
+            <a:spAutoFit/>
+          </a:bodyPr>
+          <a:lstStyle/>
+          <a:p>
+            <a:r>
+              <a:rPr lang="en-US" altLang="ja-JP" dirty="0" smtClean="0">
+                <a:latin typeface="OCRB" panose="020B0609020202020204" pitchFamily="49" charset="0"/>
+              </a:rPr>
+              <a:t>Contac</a:t>
+            </a:r>
+            <a:r>
+              <a:rPr lang="en-US" altLang="ja-JP" dirty="0">
+                <a:latin typeface="OCRB" panose="020B0609020202020204" pitchFamily="49" charset="0"/>
+              </a:rPr>
+              <a:t>t</a:t>
+            </a:r>
+            <a:endParaRPr lang="ja-JP" altLang="en-US" dirty="0">
+              <a:latin typeface="OCRB" panose="020B0609020202020204" pitchFamily="49" charset="0"/>
+            </a:endParaRPr>
+          </a:p>
+        </p:txBody>
+      </p:sp>
+      <p:sp>
+        <p:nvSpPr>
+          <p:cNvPr id="20" name="正方形/長方形 19"/>
+          <p:cNvSpPr/>
+          <p:nvPr/>
+        </p:nvSpPr>
+        <p:spPr>
+          <a:xfrm>
+            <a:off x="7057565" y="1732166"/>
+            <a:ext cx="1160895" cy="369332"/>
+          </a:xfrm>
+          <a:prstGeom prst="rect">
+            <a:avLst/>
+          </a:prstGeom>
+        </p:spPr>
+        <p:txBody>
+          <a:bodyPr wrap="none">
+            <a:spAutoFit/>
+          </a:bodyPr>
+          <a:lstStyle/>
+          <a:p>
+            <a:r>
+              <a:rPr lang="en-US" altLang="ja-JP" dirty="0" smtClean="0">
+                <a:latin typeface="OCRB" panose="020B0609020202020204" pitchFamily="49" charset="0"/>
+              </a:rPr>
+              <a:t>Sign</a:t>
+            </a:r>
+            <a:r>
+              <a:rPr lang="ja-JP" altLang="en-US" dirty="0">
+                <a:latin typeface="OCRB" panose="020B0609020202020204" pitchFamily="49" charset="0"/>
+              </a:rPr>
+              <a:t> </a:t>
+            </a:r>
+            <a:r>
+              <a:rPr lang="en-US" altLang="ja-JP" dirty="0" smtClean="0">
+                <a:latin typeface="OCRB" panose="020B0609020202020204" pitchFamily="49" charset="0"/>
+              </a:rPr>
+              <a:t>i</a:t>
+            </a:r>
+            <a:r>
+              <a:rPr lang="en-US" altLang="ja-JP" dirty="0">
+                <a:latin typeface="OCRB" panose="020B0609020202020204" pitchFamily="49" charset="0"/>
+              </a:rPr>
+              <a:t>n</a:t>
+            </a:r>
+            <a:endParaRPr lang="ja-JP" altLang="en-US" dirty="0">
+              <a:latin typeface="OCRB" panose="020B0609020202020204" pitchFamily="49" charset="0"/>
+            </a:endParaRPr>
+          </a:p>
+        </p:txBody>
+      </p:sp>
+      <p:sp>
+        <p:nvSpPr>
+          <p:cNvPr id="4" name="正方形/長方形 3"/>
+          <p:cNvSpPr/>
+          <p:nvPr/>
+        </p:nvSpPr>
+        <p:spPr>
+          <a:xfrm>
+            <a:off x="4355976" y="1732166"/>
+            <a:ext cx="742511" cy="369332"/>
+          </a:xfrm>
+          <a:prstGeom prst="rect">
+            <a:avLst/>
+          </a:prstGeom>
+        </p:spPr>
+        <p:txBody>
+          <a:bodyPr wrap="none">
+            <a:spAutoFit/>
+          </a:bodyPr>
+          <a:lstStyle/>
+          <a:p>
+            <a:r>
+              <a:rPr lang="en-US" altLang="ja-JP" dirty="0">
+                <a:latin typeface="OCRB" panose="020B0609020202020204" pitchFamily="49" charset="0"/>
+              </a:rPr>
+              <a:t>Help</a:t>
+            </a:r>
+            <a:endParaRPr lang="ja-JP" altLang="en-US" dirty="0">
+              <a:latin typeface="OCRB" panose="020B0609020202020204" pitchFamily="49" charset="0"/>
+            </a:endParaRPr>
+          </a:p>
+        </p:txBody>
+      </p:sp>
+      <p:sp>
+        <p:nvSpPr>
+          <p:cNvPr id="5" name="正方形/長方形 4"/>
+          <p:cNvSpPr/>
+          <p:nvPr/>
+        </p:nvSpPr>
+        <p:spPr>
+          <a:xfrm>
+            <a:off x="1979712" y="2348880"/>
+            <a:ext cx="5256584" cy="3384376"/>
+          </a:xfrm>
+          <a:prstGeom prst="rect">
+            <a:avLst/>
+          </a:prstGeom>
+          <a:solidFill>
+            <a:schemeClr val="bg1"/>
+          </a:solidFill>
+          <a:ln w="9525">
+            <a:solidFill>
+              <a:schemeClr val="tx1"/>
+            </a:solidFill>
+          </a:ln>
+        </p:spPr>
+        <p:style>
+          <a:lnRef idx="2">
+            <a:schemeClr val="accent1">
+              <a:shade val="50000"/>
+            </a:schemeClr>
+          </a:lnRef>
+          <a:fillRef idx="1">
+            <a:schemeClr val="accent1"/>
+          </a:fillRef>
+          <a:effectRef idx="0">
+            <a:schemeClr val="accent1"/>
+          </a:effectRef>
+          <a:fontRef idx="minor">
+            <a:schemeClr val="lt1"/>
+          </a:fontRef>
+        </p:style>
+        <p:txBody>
+          <a:bodyPr rtlCol="0" anchor="ctr"/>
+          <a:lstStyle/>
+          <a:p>
+            <a:pPr algn="ctr"/>
+            <a:endParaRPr kumimoji="1" lang="ja-JP" altLang="en-US" sz="1400" dirty="0" smtClean="0">
+              <a:solidFill>
+                <a:schemeClr val="tx1"/>
+              </a:solidFill>
+            </a:endParaRPr>
+          </a:p>
+        </p:txBody>
+      </p:sp>
+      <p:sp>
+        <p:nvSpPr>
+          <p:cNvPr id="18" name="テキスト ボックス 17"/>
+          <p:cNvSpPr txBox="1"/>
+          <p:nvPr/>
+        </p:nvSpPr>
+        <p:spPr>
+          <a:xfrm>
+            <a:off x="4247964" y="2380238"/>
+            <a:ext cx="648072" cy="369332"/>
+          </a:xfrm>
+          <a:prstGeom prst="rect">
+            <a:avLst/>
+          </a:prstGeom>
+          <a:solidFill>
+            <a:schemeClr val="bg1"/>
+          </a:solidFill>
+          <a:ln>
+            <a:solidFill>
+              <a:schemeClr val="bg1"/>
+            </a:solidFill>
+          </a:ln>
+        </p:spPr>
+        <p:txBody>
+          <a:bodyPr wrap="square" rtlCol="0">
+            <a:spAutoFit/>
+          </a:bodyPr>
+          <a:lstStyle/>
+          <a:p>
+            <a:pPr algn="ctr"/>
+            <a:r>
+              <a:rPr kumimoji="1" lang="en-US" altLang="ja-JP" b="1" dirty="0" smtClean="0">
+                <a:latin typeface="OCRB" panose="020B0609020202020204" pitchFamily="49" charset="0"/>
+              </a:rPr>
+              <a:t>WLF</a:t>
+            </a:r>
+            <a:endParaRPr kumimoji="1" lang="ja-JP" altLang="en-US" b="1" dirty="0" smtClean="0">
+              <a:latin typeface="OCRB" panose="020B0609020202020204" pitchFamily="49" charset="0"/>
+            </a:endParaRPr>
+          </a:p>
+        </p:txBody>
+      </p:sp>
+      <p:sp>
+        <p:nvSpPr>
+          <p:cNvPr id="6" name="正方形/長方形 5"/>
+          <p:cNvSpPr/>
+          <p:nvPr/>
+        </p:nvSpPr>
+        <p:spPr>
+          <a:xfrm>
+            <a:off x="3093352" y="2850693"/>
+            <a:ext cx="3960440" cy="258917"/>
+          </a:xfrm>
+          <a:prstGeom prst="rect">
+            <a:avLst/>
+          </a:prstGeom>
+          <a:solidFill>
+            <a:schemeClr val="bg1"/>
+          </a:solidFill>
+          <a:ln w="9525">
+            <a:solidFill>
+              <a:schemeClr val="tx1"/>
+            </a:solidFill>
+          </a:ln>
+        </p:spPr>
+        <p:style>
+          <a:lnRef idx="2">
+            <a:schemeClr val="accent1">
+              <a:shade val="50000"/>
+            </a:schemeClr>
+          </a:lnRef>
+          <a:fillRef idx="1">
+            <a:schemeClr val="accent1"/>
+          </a:fillRef>
+          <a:effectRef idx="0">
+            <a:schemeClr val="accent1"/>
+          </a:effectRef>
+          <a:fontRef idx="minor">
+            <a:schemeClr val="lt1"/>
+          </a:fontRef>
+        </p:style>
+        <p:txBody>
+          <a:bodyPr rtlCol="0" anchor="ctr"/>
+          <a:lstStyle/>
+          <a:p>
+            <a:pPr algn="ctr"/>
+            <a:endParaRPr kumimoji="1" lang="ja-JP" altLang="en-US" sz="1400" dirty="0" smtClean="0">
+              <a:solidFill>
+                <a:schemeClr val="tx1"/>
+              </a:solidFill>
+            </a:endParaRPr>
+          </a:p>
+        </p:txBody>
+      </p:sp>
+      <p:sp>
+        <p:nvSpPr>
+          <p:cNvPr id="24" name="正方形/長方形 23"/>
+          <p:cNvSpPr/>
+          <p:nvPr/>
+        </p:nvSpPr>
+        <p:spPr>
+          <a:xfrm>
+            <a:off x="3093352" y="3275720"/>
+            <a:ext cx="3960440" cy="258917"/>
+          </a:xfrm>
+          <a:prstGeom prst="rect">
+            <a:avLst/>
+          </a:prstGeom>
+          <a:solidFill>
+            <a:schemeClr val="bg1"/>
+          </a:solidFill>
+          <a:ln w="9525">
+            <a:solidFill>
+              <a:schemeClr val="tx1"/>
+            </a:solidFill>
+          </a:ln>
+        </p:spPr>
+        <p:style>
+          <a:lnRef idx="2">
+            <a:schemeClr val="accent1">
+              <a:shade val="50000"/>
+            </a:schemeClr>
+          </a:lnRef>
+          <a:fillRef idx="1">
+            <a:schemeClr val="accent1"/>
+          </a:fillRef>
+          <a:effectRef idx="0">
+            <a:schemeClr val="accent1"/>
+          </a:effectRef>
+          <a:fontRef idx="minor">
+            <a:schemeClr val="lt1"/>
+          </a:fontRef>
+        </p:style>
+        <p:txBody>
+          <a:bodyPr rtlCol="0" anchor="ctr"/>
+          <a:lstStyle/>
+          <a:p>
+            <a:pPr algn="ctr"/>
+            <a:endParaRPr kumimoji="1" lang="ja-JP" altLang="en-US" sz="1400" dirty="0" smtClean="0">
+              <a:solidFill>
+                <a:schemeClr val="tx1"/>
+              </a:solidFill>
+            </a:endParaRPr>
+          </a:p>
+        </p:txBody>
+      </p:sp>
+      <p:sp>
+        <p:nvSpPr>
+          <p:cNvPr id="25" name="正方形/長方形 24"/>
+          <p:cNvSpPr/>
+          <p:nvPr/>
+        </p:nvSpPr>
+        <p:spPr>
+          <a:xfrm>
+            <a:off x="3093352" y="3700747"/>
+            <a:ext cx="3960440" cy="258917"/>
+          </a:xfrm>
+          <a:prstGeom prst="rect">
+            <a:avLst/>
+          </a:prstGeom>
+          <a:solidFill>
+            <a:schemeClr val="bg1"/>
+          </a:solidFill>
+          <a:ln w="9525">
+            <a:solidFill>
+              <a:schemeClr val="tx1"/>
+            </a:solidFill>
+          </a:ln>
+        </p:spPr>
+        <p:style>
+          <a:lnRef idx="2">
+            <a:schemeClr val="accent1">
+              <a:shade val="50000"/>
+            </a:schemeClr>
+          </a:lnRef>
+          <a:fillRef idx="1">
+            <a:schemeClr val="accent1"/>
+          </a:fillRef>
+          <a:effectRef idx="0">
+            <a:schemeClr val="accent1"/>
+          </a:effectRef>
+          <a:fontRef idx="minor">
+            <a:schemeClr val="lt1"/>
+          </a:fontRef>
+        </p:style>
+        <p:txBody>
+          <a:bodyPr rtlCol="0" anchor="ctr"/>
+          <a:lstStyle/>
+          <a:p>
+            <a:pPr algn="ctr"/>
+            <a:endParaRPr kumimoji="1" lang="ja-JP" altLang="en-US" sz="1400" dirty="0" smtClean="0">
+              <a:solidFill>
+                <a:schemeClr val="tx1"/>
+              </a:solidFill>
+            </a:endParaRPr>
+          </a:p>
+        </p:txBody>
+      </p:sp>
+      <p:sp>
+        <p:nvSpPr>
+          <p:cNvPr id="26" name="正方形/長方形 25"/>
+          <p:cNvSpPr/>
+          <p:nvPr/>
+        </p:nvSpPr>
+        <p:spPr>
+          <a:xfrm>
+            <a:off x="3093352" y="4103680"/>
+            <a:ext cx="3960440" cy="258917"/>
+          </a:xfrm>
+          <a:prstGeom prst="rect">
+            <a:avLst/>
+          </a:prstGeom>
+          <a:solidFill>
+            <a:schemeClr val="bg1"/>
+          </a:solidFill>
+          <a:ln w="9525">
+            <a:solidFill>
+              <a:schemeClr val="tx1"/>
+            </a:solidFill>
+          </a:ln>
+        </p:spPr>
+        <p:style>
+          <a:lnRef idx="2">
+            <a:schemeClr val="accent1">
+              <a:shade val="50000"/>
+            </a:schemeClr>
+          </a:lnRef>
+          <a:fillRef idx="1">
+            <a:schemeClr val="accent1"/>
+          </a:fillRef>
+          <a:effectRef idx="0">
+            <a:schemeClr val="accent1"/>
+          </a:effectRef>
+          <a:fontRef idx="minor">
+            <a:schemeClr val="lt1"/>
+          </a:fontRef>
+        </p:style>
+        <p:txBody>
+          <a:bodyPr rtlCol="0" anchor="ctr"/>
+          <a:lstStyle/>
+          <a:p>
+            <a:pPr algn="ctr"/>
+            <a:endParaRPr kumimoji="1" lang="ja-JP" altLang="en-US" sz="1400" dirty="0" smtClean="0">
+              <a:solidFill>
+                <a:schemeClr val="tx1"/>
+              </a:solidFill>
+            </a:endParaRPr>
+          </a:p>
+        </p:txBody>
+      </p:sp>
+      <p:sp>
+        <p:nvSpPr>
+          <p:cNvPr id="27" name="正方形/長方形 26"/>
+          <p:cNvSpPr/>
+          <p:nvPr/>
+        </p:nvSpPr>
+        <p:spPr>
+          <a:xfrm>
+            <a:off x="3093352" y="4506613"/>
+            <a:ext cx="3960440" cy="258917"/>
+          </a:xfrm>
+          <a:prstGeom prst="rect">
+            <a:avLst/>
+          </a:prstGeom>
+          <a:solidFill>
+            <a:schemeClr val="bg1"/>
+          </a:solidFill>
+          <a:ln w="9525">
+            <a:solidFill>
+              <a:schemeClr val="tx1"/>
+            </a:solidFill>
+          </a:ln>
+        </p:spPr>
+        <p:style>
+          <a:lnRef idx="2">
+            <a:schemeClr val="accent1">
+              <a:shade val="50000"/>
+            </a:schemeClr>
+          </a:lnRef>
+          <a:fillRef idx="1">
+            <a:schemeClr val="accent1"/>
+          </a:fillRef>
+          <a:effectRef idx="0">
+            <a:schemeClr val="accent1"/>
+          </a:effectRef>
+          <a:fontRef idx="minor">
+            <a:schemeClr val="lt1"/>
+          </a:fontRef>
+        </p:style>
+        <p:txBody>
+          <a:bodyPr rtlCol="0" anchor="ctr"/>
+          <a:lstStyle/>
+          <a:p>
+            <a:pPr algn="ctr"/>
+            <a:endParaRPr kumimoji="1" lang="ja-JP" altLang="en-US" sz="1400" dirty="0" smtClean="0">
+              <a:solidFill>
+                <a:schemeClr val="tx1"/>
+              </a:solidFill>
+            </a:endParaRPr>
+          </a:p>
+        </p:txBody>
+      </p:sp>
+      <p:sp>
+        <p:nvSpPr>
+          <p:cNvPr id="7" name="テキスト ボックス 6"/>
+          <p:cNvSpPr txBox="1"/>
+          <p:nvPr/>
+        </p:nvSpPr>
+        <p:spPr>
+          <a:xfrm>
+            <a:off x="2051720" y="2881768"/>
+            <a:ext cx="771591" cy="230832"/>
+          </a:xfrm>
+          <a:prstGeom prst="rect">
+            <a:avLst/>
+          </a:prstGeom>
+          <a:solidFill>
+            <a:schemeClr val="bg1"/>
+          </a:solidFill>
+        </p:spPr>
+        <p:txBody>
+          <a:bodyPr wrap="square" rtlCol="0">
+            <a:spAutoFit/>
+          </a:bodyPr>
+          <a:lstStyle/>
+          <a:p>
+            <a:r>
+              <a:rPr kumimoji="1" lang="ja-JP" altLang="en-US" sz="900" b="1" dirty="0" smtClean="0"/>
+              <a:t>ユーザー名</a:t>
+            </a:r>
+          </a:p>
+        </p:txBody>
+      </p:sp>
+      <p:sp>
+        <p:nvSpPr>
+          <p:cNvPr id="28" name="テキスト ボックス 27"/>
+          <p:cNvSpPr txBox="1"/>
+          <p:nvPr/>
+        </p:nvSpPr>
+        <p:spPr>
+          <a:xfrm>
+            <a:off x="2033931" y="3296410"/>
+            <a:ext cx="876917" cy="230832"/>
+          </a:xfrm>
+          <a:prstGeom prst="rect">
+            <a:avLst/>
+          </a:prstGeom>
+          <a:solidFill>
+            <a:schemeClr val="bg1"/>
+          </a:solidFill>
+        </p:spPr>
+        <p:txBody>
+          <a:bodyPr wrap="square" rtlCol="0">
+            <a:spAutoFit/>
+          </a:bodyPr>
+          <a:lstStyle/>
+          <a:p>
+            <a:r>
+              <a:rPr lang="en-US" altLang="ja-JP" sz="900" b="1" dirty="0" smtClean="0"/>
+              <a:t>Email</a:t>
+            </a:r>
+            <a:r>
+              <a:rPr lang="ja-JP" altLang="en-US" sz="900" b="1" dirty="0" smtClean="0"/>
+              <a:t>アドレス</a:t>
+            </a:r>
+            <a:endParaRPr kumimoji="1" lang="ja-JP" altLang="en-US" sz="900" b="1" dirty="0" smtClean="0"/>
+          </a:p>
+        </p:txBody>
+      </p:sp>
+      <p:sp>
+        <p:nvSpPr>
+          <p:cNvPr id="29" name="テキスト ボックス 28"/>
+          <p:cNvSpPr txBox="1"/>
+          <p:nvPr/>
+        </p:nvSpPr>
+        <p:spPr>
+          <a:xfrm>
+            <a:off x="2097553" y="3720629"/>
+            <a:ext cx="771591" cy="230832"/>
+          </a:xfrm>
+          <a:prstGeom prst="rect">
+            <a:avLst/>
+          </a:prstGeom>
+          <a:solidFill>
+            <a:schemeClr val="bg1"/>
+          </a:solidFill>
+        </p:spPr>
+        <p:txBody>
+          <a:bodyPr wrap="square" rtlCol="0">
+            <a:spAutoFit/>
+          </a:bodyPr>
+          <a:lstStyle/>
+          <a:p>
+            <a:r>
+              <a:rPr lang="ja-JP" altLang="en-US" sz="900" b="1" dirty="0"/>
+              <a:t>パスワード</a:t>
+            </a:r>
+            <a:endParaRPr kumimoji="1" lang="ja-JP" altLang="en-US" sz="900" b="1" dirty="0" smtClean="0"/>
+          </a:p>
+        </p:txBody>
+      </p:sp>
+      <p:sp>
+        <p:nvSpPr>
+          <p:cNvPr id="30" name="テキスト ボックス 29"/>
+          <p:cNvSpPr txBox="1"/>
+          <p:nvPr/>
+        </p:nvSpPr>
+        <p:spPr>
+          <a:xfrm>
+            <a:off x="2251879" y="4142416"/>
+            <a:ext cx="462941" cy="230832"/>
+          </a:xfrm>
+          <a:prstGeom prst="rect">
+            <a:avLst/>
+          </a:prstGeom>
+          <a:solidFill>
+            <a:schemeClr val="bg1"/>
+          </a:solidFill>
+        </p:spPr>
+        <p:txBody>
+          <a:bodyPr wrap="square" rtlCol="0">
+            <a:spAutoFit/>
+          </a:bodyPr>
+          <a:lstStyle/>
+          <a:p>
+            <a:r>
+              <a:rPr lang="ja-JP" altLang="en-US" sz="900" b="1" dirty="0"/>
+              <a:t>確認</a:t>
+            </a:r>
+            <a:endParaRPr kumimoji="1" lang="ja-JP" altLang="en-US" sz="900" b="1" dirty="0" smtClean="0"/>
+          </a:p>
+        </p:txBody>
+      </p:sp>
+      <p:sp>
+        <p:nvSpPr>
+          <p:cNvPr id="31" name="テキスト ボックス 30"/>
+          <p:cNvSpPr txBox="1"/>
+          <p:nvPr/>
+        </p:nvSpPr>
+        <p:spPr>
+          <a:xfrm>
+            <a:off x="2239006" y="4552820"/>
+            <a:ext cx="466765" cy="230832"/>
+          </a:xfrm>
+          <a:prstGeom prst="rect">
+            <a:avLst/>
+          </a:prstGeom>
+          <a:solidFill>
+            <a:schemeClr val="bg1"/>
+          </a:solidFill>
+        </p:spPr>
+        <p:txBody>
+          <a:bodyPr wrap="square" rtlCol="0">
+            <a:spAutoFit/>
+          </a:bodyPr>
+          <a:lstStyle/>
+          <a:p>
+            <a:r>
+              <a:rPr lang="ja-JP" altLang="en-US" sz="900" b="1" dirty="0"/>
+              <a:t>身長</a:t>
+            </a:r>
+            <a:endParaRPr kumimoji="1" lang="ja-JP" altLang="en-US" sz="900" b="1" dirty="0" smtClean="0"/>
+          </a:p>
+        </p:txBody>
+      </p:sp>
+      <p:sp>
+        <p:nvSpPr>
+          <p:cNvPr id="8" name="角丸四角形 7"/>
+          <p:cNvSpPr/>
+          <p:nvPr/>
+        </p:nvSpPr>
+        <p:spPr>
+          <a:xfrm>
+            <a:off x="3093352" y="5318851"/>
+            <a:ext cx="3960440" cy="320553"/>
+          </a:xfrm>
+          <a:prstGeom prst="roundRect">
+            <a:avLst/>
+          </a:prstGeom>
+          <a:solidFill>
+            <a:schemeClr val="bg1"/>
+          </a:solidFill>
+          <a:ln w="9525">
+            <a:solidFill>
+              <a:schemeClr val="tx1"/>
+            </a:solidFill>
+          </a:ln>
+        </p:spPr>
+        <p:style>
+          <a:lnRef idx="2">
+            <a:schemeClr val="accent1">
+              <a:shade val="50000"/>
+            </a:schemeClr>
+          </a:lnRef>
+          <a:fillRef idx="1">
+            <a:schemeClr val="accent1"/>
+          </a:fillRef>
+          <a:effectRef idx="0">
+            <a:schemeClr val="accent1"/>
+          </a:effectRef>
+          <a:fontRef idx="minor">
+            <a:schemeClr val="lt1"/>
+          </a:fontRef>
+        </p:style>
+        <p:txBody>
+          <a:bodyPr rtlCol="0" anchor="ctr"/>
+          <a:lstStyle/>
+          <a:p>
+            <a:pPr algn="ctr"/>
+            <a:r>
+              <a:rPr kumimoji="1" lang="ja-JP" altLang="en-US" sz="1400" b="1" dirty="0" smtClean="0">
+                <a:solidFill>
+                  <a:schemeClr val="tx1"/>
+                </a:solidFill>
+              </a:rPr>
+              <a:t>新規登録</a:t>
+            </a:r>
+          </a:p>
+        </p:txBody>
+      </p:sp>
+      <p:sp>
+        <p:nvSpPr>
+          <p:cNvPr id="32" name="正方形/長方形 31"/>
+          <p:cNvSpPr/>
+          <p:nvPr/>
+        </p:nvSpPr>
+        <p:spPr>
+          <a:xfrm>
+            <a:off x="3093352" y="4930794"/>
+            <a:ext cx="3960440" cy="258917"/>
+          </a:xfrm>
+          <a:prstGeom prst="rect">
+            <a:avLst/>
+          </a:prstGeom>
+          <a:solidFill>
+            <a:schemeClr val="bg1"/>
+          </a:solidFill>
+          <a:ln w="9525">
+            <a:solidFill>
+              <a:schemeClr val="tx1"/>
+            </a:solidFill>
+          </a:ln>
+        </p:spPr>
+        <p:style>
+          <a:lnRef idx="2">
+            <a:schemeClr val="accent1">
+              <a:shade val="50000"/>
+            </a:schemeClr>
+          </a:lnRef>
+          <a:fillRef idx="1">
+            <a:schemeClr val="accent1"/>
+          </a:fillRef>
+          <a:effectRef idx="0">
+            <a:schemeClr val="accent1"/>
+          </a:effectRef>
+          <a:fontRef idx="minor">
+            <a:schemeClr val="lt1"/>
+          </a:fontRef>
+        </p:style>
+        <p:txBody>
+          <a:bodyPr rtlCol="0" anchor="ctr"/>
+          <a:lstStyle/>
+          <a:p>
+            <a:pPr algn="ctr"/>
+            <a:endParaRPr kumimoji="1" lang="ja-JP" altLang="en-US" sz="1400" dirty="0" smtClean="0">
+              <a:solidFill>
+                <a:schemeClr val="tx1"/>
+              </a:solidFill>
+            </a:endParaRPr>
+          </a:p>
+        </p:txBody>
+      </p:sp>
+      <p:sp>
+        <p:nvSpPr>
+          <p:cNvPr id="33" name="テキスト ボックス 32"/>
+          <p:cNvSpPr txBox="1"/>
+          <p:nvPr/>
+        </p:nvSpPr>
+        <p:spPr>
+          <a:xfrm>
+            <a:off x="2239006" y="4937836"/>
+            <a:ext cx="466765" cy="230832"/>
+          </a:xfrm>
+          <a:prstGeom prst="rect">
+            <a:avLst/>
+          </a:prstGeom>
+          <a:solidFill>
+            <a:schemeClr val="bg1"/>
+          </a:solidFill>
+        </p:spPr>
+        <p:txBody>
+          <a:bodyPr wrap="square" rtlCol="0">
+            <a:spAutoFit/>
+          </a:bodyPr>
+          <a:lstStyle/>
+          <a:p>
+            <a:r>
+              <a:rPr lang="ja-JP" altLang="en-US" sz="900" b="1" dirty="0"/>
+              <a:t>年齢</a:t>
+            </a:r>
+            <a:endParaRPr kumimoji="1" lang="ja-JP" altLang="en-US" sz="900" b="1" dirty="0" smtClean="0"/>
+          </a:p>
+        </p:txBody>
+      </p:sp>
     </p:spTree>
     <p:extLst>
       <p:ext uri="{BB962C8B-B14F-4D97-AF65-F5344CB8AC3E}">
-        <p14:creationId xmlns:p14="http://schemas.microsoft.com/office/powerpoint/2010/main" val="554710720"/>
+        <p14:creationId xmlns:p14="http://schemas.microsoft.com/office/powerpoint/2010/main" val="3341729065"/>
       </p:ext>
     </p:extLst>
   </p:cSld>
@@ -6292,32 +7157,12 @@
           <a:lstStyle/>
           <a:p>
             <a:r>
-              <a:rPr lang="ja-JP" altLang="en-US" dirty="0"/>
-              <a:t>新</a:t>
+              <a:rPr kumimoji="1" lang="en-US" altLang="ja-JP" dirty="0" smtClean="0"/>
+              <a:t>About</a:t>
             </a:r>
             <a:r>
               <a:rPr lang="ja-JP" altLang="en-US" dirty="0" smtClean="0"/>
-              <a:t>規</a:t>
-            </a:r>
-            <a:r>
-              <a:rPr lang="ja-JP" altLang="en-US" dirty="0"/>
-              <a:t>アカウン</a:t>
-            </a:r>
-            <a:r>
-              <a:rPr lang="ja-JP" altLang="en-US" dirty="0" smtClean="0"/>
-              <a:t>ト</a:t>
-            </a:r>
-            <a:r>
-              <a:rPr lang="ja-JP" altLang="en-US" dirty="0"/>
-              <a:t>登録</a:t>
-            </a:r>
-            <a:r>
-              <a:rPr kumimoji="1" lang="ja-JP" altLang="en-US" dirty="0" smtClean="0"/>
-              <a:t>画</a:t>
-            </a:r>
-            <a:r>
-              <a:rPr kumimoji="1" lang="ja-JP" altLang="en-US" dirty="0" smtClean="0"/>
-              <a:t>面</a:t>
+              <a:t>（説明ページ）</a:t>
             </a:r>
             <a:endParaRPr kumimoji="1" lang="ja-JP" altLang="en-US" dirty="0"/>
           </a:p>
@@ -6325,13 +7170,13 @@
       </p:sp>
       <p:sp>
         <p:nvSpPr>
-          <p:cNvPr id="10" name="正方形/長方形 9"/>
+          <p:cNvPr id="3" name="正方形/長方形 2"/>
           <p:cNvSpPr/>
           <p:nvPr/>
         </p:nvSpPr>
         <p:spPr>
           <a:xfrm>
-            <a:off x="863588" y="1628800"/>
+            <a:off x="827584" y="1628800"/>
             <a:ext cx="7488832" cy="4248472"/>
           </a:xfrm>
           <a:prstGeom prst="rect">
@@ -6377,7 +7222,7 @@
       </p:sp>
       <p:sp>
         <p:nvSpPr>
-          <p:cNvPr id="11" name="正方形/長方形 10"/>
+          <p:cNvPr id="4" name="正方形/長方形 3"/>
           <p:cNvSpPr/>
           <p:nvPr/>
         </p:nvSpPr>
@@ -6429,7 +7274,7 @@
       </p:sp>
       <p:sp>
         <p:nvSpPr>
-          <p:cNvPr id="12" name="テキスト ボックス 11"/>
+          <p:cNvPr id="5" name="テキスト ボックス 4"/>
           <p:cNvSpPr txBox="1"/>
           <p:nvPr/>
         </p:nvSpPr>
@@ -6471,7 +7316,7 @@
       </p:sp>
       <p:sp>
         <p:nvSpPr>
-          <p:cNvPr id="13" name="テキスト ボックス 12"/>
+          <p:cNvPr id="6" name="テキスト ボックス 5"/>
           <p:cNvSpPr txBox="1"/>
           <p:nvPr/>
         </p:nvSpPr>
@@ -6507,7 +7352,7 @@
       </p:sp>
       <p:sp>
         <p:nvSpPr>
-          <p:cNvPr id="15" name="正方形/長方形 14"/>
+          <p:cNvPr id="7" name="正方形/長方形 6"/>
           <p:cNvSpPr/>
           <p:nvPr/>
         </p:nvSpPr>
@@ -6546,7 +7391,7 @@
       </p:sp>
       <p:sp>
         <p:nvSpPr>
-          <p:cNvPr id="16" name="正方形/長方形 15"/>
+          <p:cNvPr id="8" name="正方形/長方形 7"/>
           <p:cNvSpPr/>
           <p:nvPr/>
         </p:nvSpPr>
@@ -6585,7 +7430,7 @@
       </p:sp>
       <p:sp>
         <p:nvSpPr>
-          <p:cNvPr id="20" name="正方形/長方形 19"/>
+          <p:cNvPr id="9" name="正方形/長方形 8"/>
           <p:cNvSpPr/>
           <p:nvPr/>
         </p:nvSpPr>
@@ -6634,15 +7479,45 @@
           </a:p>
         </p:txBody>
       </p:sp>
-      <p:sp>
-        <p:nvSpPr>
-          <p:cNvPr id="4" name="正方形/長方形 3"/>
+      <p:pic>
+        <p:nvPicPr>
+          <p:cNvPr id="13" name="図 12"/>
+          <p:cNvPicPr>
+            <a:picLocks noChangeAspect="1"/>
+          </p:cNvPicPr>
+          <p:nvPr/>
+        </p:nvPicPr>
+        <p:blipFill>
+          <a:blip r:embed="rId2" cstate="print">
+            <a:extLst>
+              <a:ext uri="{28A0092B-C50C-407E-A947-70E740481C1C}">
+                <a14:useLocalDpi xmlns:a14="http://schemas.microsoft.com/office/drawing/2010/main" val="0"/>
+              </a:ext>
+            </a:extLst>
+          </a:blip>
+          <a:stretch>
+            <a:fillRect/>
+          </a:stretch>
+        </p:blipFill>
+        <p:spPr>
+          <a:xfrm>
+            <a:off x="1563760" y="2521579"/>
+            <a:ext cx="5957908" cy="3038977"/>
+          </a:xfrm>
+          <a:prstGeom prst="rect">
+            <a:avLst/>
+          </a:prstGeom>
+        </p:spPr>
+      </p:pic>
+      <p:sp>
+        <p:nvSpPr>
+          <p:cNvPr id="14" name="正方形/長方形 13"/>
           <p:cNvSpPr/>
           <p:nvPr/>
         </p:nvSpPr>
         <p:spPr>
           <a:xfrm>
-            <a:off x="4355976" y="1732166"/>
+            <a:off x="4418420" y="1732166"/>
             <a:ext cx="742511" cy="369332"/>
           </a:xfrm>
           <a:prstGeom prst="rect">
@@ -6667,672 +7542,10 @@
           </a:p>
         </p:txBody>
       </p:sp>
-      <p:sp>
-        <p:nvSpPr>
-          <p:cNvPr id="5" name="正方形/長方形 4"/>
-          <p:cNvSpPr/>
-          <p:nvPr/>
-        </p:nvSpPr>
-        <p:spPr>
-          <a:xfrm>
-            <a:off x="1979712" y="2348880"/>
-            <a:ext cx="5256584" cy="3384376"/>
-          </a:xfrm>
-          <a:prstGeom prst="rect">
-            <a:avLst/>
-          </a:prstGeom>
-          <a:solidFill>
-            <a:schemeClr val="bg1"/>
-          </a:solidFill>
-          <a:ln w="9525">
-            <a:solidFill>
-              <a:schemeClr val="tx1"/>
-            </a:solidFill>
-          </a:ln>
-        </p:spPr>
-        <p:style>
-          <a:lnRef idx="2">
-            <a:schemeClr val="accent1">
-              <a:shade val="50000"/>
-            </a:schemeClr>
-          </a:lnRef>
-          <a:fillRef idx="1">
-            <a:schemeClr val="accent1"/>
-          </a:fillRef>
-          <a:effectRef idx="0">
-            <a:schemeClr val="accent1"/>
-          </a:effectRef>
-          <a:fontRef idx="minor">
-            <a:schemeClr val="lt1"/>
-          </a:fontRef>
-        </p:style>
-        <p:txBody>
-          <a:bodyPr rtlCol="0" anchor="ctr"/>
-          <a:lstStyle/>
-          <a:p>
-            <a:pPr algn="ctr"/>
-            <a:endParaRPr kumimoji="1" lang="ja-JP" altLang="en-US" sz="1400" dirty="0" smtClean="0">
-              <a:solidFill>
-                <a:schemeClr val="tx1"/>
-              </a:solidFill>
-            </a:endParaRPr>
-          </a:p>
-        </p:txBody>
-      </p:sp>
-      <p:sp>
-        <p:nvSpPr>
-          <p:cNvPr id="18" name="テキスト ボックス 17"/>
-          <p:cNvSpPr txBox="1"/>
-          <p:nvPr/>
-        </p:nvSpPr>
-        <p:spPr>
-          <a:xfrm>
-            <a:off x="4247964" y="2380238"/>
-            <a:ext cx="648072" cy="369332"/>
-          </a:xfrm>
-          <a:prstGeom prst="rect">
-            <a:avLst/>
-          </a:prstGeom>
-          <a:solidFill>
-            <a:schemeClr val="bg1"/>
-          </a:solidFill>
-          <a:ln>
-            <a:solidFill>
-              <a:schemeClr val="bg1"/>
-            </a:solidFill>
-          </a:ln>
-        </p:spPr>
-        <p:txBody>
-          <a:bodyPr wrap="square" rtlCol="0">
-            <a:spAutoFit/>
-          </a:bodyPr>
-          <a:lstStyle/>
-          <a:p>
-            <a:pPr algn="ctr"/>
-            <a:r>
-              <a:rPr kumimoji="1" lang="en-US" altLang="ja-JP" b="1" dirty="0" smtClean="0">
-                <a:latin typeface="OCRB" panose="020B0609020202020204" pitchFamily="49" charset="0"/>
-              </a:rPr>
-              <a:t>WLF</a:t>
-            </a:r>
-            <a:endParaRPr kumimoji="1" lang="ja-JP" altLang="en-US" b="1" dirty="0" smtClean="0">
-              <a:latin typeface="OCRB" panose="020B0609020202020204" pitchFamily="49" charset="0"/>
-            </a:endParaRPr>
-          </a:p>
-        </p:txBody>
-      </p:sp>
-      <p:sp>
-        <p:nvSpPr>
-          <p:cNvPr id="6" name="正方形/長方形 5"/>
-          <p:cNvSpPr/>
-          <p:nvPr/>
-        </p:nvSpPr>
-        <p:spPr>
-          <a:xfrm>
-            <a:off x="3093352" y="2850693"/>
-            <a:ext cx="3960440" cy="258917"/>
-          </a:xfrm>
-          <a:prstGeom prst="rect">
-            <a:avLst/>
-          </a:prstGeom>
-          <a:solidFill>
-            <a:schemeClr val="bg1"/>
-          </a:solidFill>
-          <a:ln w="9525">
-            <a:solidFill>
-              <a:schemeClr val="tx1"/>
-            </a:solidFill>
-          </a:ln>
-        </p:spPr>
-        <p:style>
-          <a:lnRef idx="2">
-            <a:schemeClr val="accent1">
-              <a:shade val="50000"/>
-            </a:schemeClr>
-          </a:lnRef>
-          <a:fillRef idx="1">
-            <a:schemeClr val="accent1"/>
-          </a:fillRef>
-          <a:effectRef idx="0">
-            <a:schemeClr val="accent1"/>
-          </a:effectRef>
-          <a:fontRef idx="minor">
-            <a:schemeClr val="lt1"/>
-          </a:fontRef>
-        </p:style>
-        <p:txBody>
-          <a:bodyPr rtlCol="0" anchor="ctr"/>
-          <a:lstStyle/>
-          <a:p>
-            <a:pPr algn="ctr"/>
-            <a:endParaRPr kumimoji="1" lang="ja-JP" altLang="en-US" sz="1400" dirty="0" smtClean="0">
-              <a:solidFill>
-                <a:schemeClr val="tx1"/>
-              </a:solidFill>
-            </a:endParaRPr>
-          </a:p>
-        </p:txBody>
-      </p:sp>
-      <p:sp>
-        <p:nvSpPr>
-          <p:cNvPr id="24" name="正方形/長方形 23"/>
-          <p:cNvSpPr/>
-          <p:nvPr/>
-        </p:nvSpPr>
-        <p:spPr>
-          <a:xfrm>
-            <a:off x="3093352" y="3275720"/>
-            <a:ext cx="3960440" cy="258917"/>
-          </a:xfrm>
-          <a:prstGeom prst="rect">
-            <a:avLst/>
-          </a:prstGeom>
-          <a:solidFill>
-            <a:schemeClr val="bg1"/>
-          </a:solidFill>
-          <a:ln w="9525">
-            <a:solidFill>
-              <a:schemeClr val="tx1"/>
-            </a:solidFill>
-          </a:ln>
-        </p:spPr>
-        <p:style>
-          <a:lnRef idx="2">
-            <a:schemeClr val="accent1">
-              <a:shade val="50000"/>
-            </a:schemeClr>
-          </a:lnRef>
-          <a:fillRef idx="1">
-            <a:schemeClr val="accent1"/>
-          </a:fillRef>
-          <a:effectRef idx="0">
-            <a:schemeClr val="accent1"/>
-          </a:effectRef>
-          <a:fontRef idx="minor">
-            <a:schemeClr val="lt1"/>
-          </a:fontRef>
-        </p:style>
-        <p:txBody>
-          <a:bodyPr rtlCol="0" anchor="ctr"/>
-          <a:lstStyle/>
-          <a:p>
-            <a:pPr algn="ctr"/>
-            <a:endParaRPr kumimoji="1" lang="ja-JP" altLang="en-US" sz="1400" dirty="0" smtClean="0">
-              <a:solidFill>
-                <a:schemeClr val="tx1"/>
-              </a:solidFill>
-            </a:endParaRPr>
-          </a:p>
-        </p:txBody>
-      </p:sp>
-      <p:sp>
-        <p:nvSpPr>
-          <p:cNvPr id="25" name="正方形/長方形 24"/>
-          <p:cNvSpPr/>
-          <p:nvPr/>
-        </p:nvSpPr>
-        <p:spPr>
-          <a:xfrm>
-            <a:off x="3093352" y="3700747"/>
-            <a:ext cx="3960440" cy="258917"/>
-          </a:xfrm>
-          <a:prstGeom prst="rect">
-            <a:avLst/>
-          </a:prstGeom>
-          <a:solidFill>
-            <a:schemeClr val="bg1"/>
-          </a:solidFill>
-          <a:ln w="9525">
-            <a:solidFill>
-              <a:schemeClr val="tx1"/>
-            </a:solidFill>
-          </a:ln>
-        </p:spPr>
-        <p:style>
-          <a:lnRef idx="2">
-            <a:schemeClr val="accent1">
-              <a:shade val="50000"/>
-            </a:schemeClr>
-          </a:lnRef>
-          <a:fillRef idx="1">
-            <a:schemeClr val="accent1"/>
-          </a:fillRef>
-          <a:effectRef idx="0">
-            <a:schemeClr val="accent1"/>
-          </a:effectRef>
-          <a:fontRef idx="minor">
-            <a:schemeClr val="lt1"/>
-          </a:fontRef>
-        </p:style>
-        <p:txBody>
-          <a:bodyPr rtlCol="0" anchor="ctr"/>
-          <a:lstStyle/>
-          <a:p>
-            <a:pPr algn="ctr"/>
-            <a:endParaRPr kumimoji="1" lang="ja-JP" altLang="en-US" sz="1400" dirty="0" smtClean="0">
-              <a:solidFill>
-                <a:schemeClr val="tx1"/>
-              </a:solidFill>
-            </a:endParaRPr>
-          </a:p>
-        </p:txBody>
-      </p:sp>
-      <p:sp>
-        <p:nvSpPr>
-          <p:cNvPr id="26" name="正方形/長方形 25"/>
-          <p:cNvSpPr/>
-          <p:nvPr/>
-        </p:nvSpPr>
-        <p:spPr>
-          <a:xfrm>
-            <a:off x="3093352" y="4103680"/>
-            <a:ext cx="3960440" cy="258917"/>
-          </a:xfrm>
-          <a:prstGeom prst="rect">
-            <a:avLst/>
-          </a:prstGeom>
-          <a:solidFill>
-            <a:schemeClr val="bg1"/>
-          </a:solidFill>
-          <a:ln w="9525">
-            <a:solidFill>
-              <a:schemeClr val="tx1"/>
-            </a:solidFill>
-          </a:ln>
-        </p:spPr>
-        <p:style>
-          <a:lnRef idx="2">
-            <a:schemeClr val="accent1">
-              <a:shade val="50000"/>
-            </a:schemeClr>
-          </a:lnRef>
-          <a:fillRef idx="1">
-            <a:schemeClr val="accent1"/>
-          </a:fillRef>
-          <a:effectRef idx="0">
-            <a:schemeClr val="accent1"/>
-          </a:effectRef>
-          <a:fontRef idx="minor">
-            <a:schemeClr val="lt1"/>
-          </a:fontRef>
-        </p:style>
-        <p:txBody>
-          <a:bodyPr rtlCol="0" anchor="ctr"/>
-          <a:lstStyle/>
-          <a:p>
-            <a:pPr algn="ctr"/>
-            <a:endParaRPr kumimoji="1" lang="ja-JP" altLang="en-US" sz="1400" dirty="0" smtClean="0">
-              <a:solidFill>
-                <a:schemeClr val="tx1"/>
-              </a:solidFill>
-            </a:endParaRPr>
-          </a:p>
-        </p:txBody>
-      </p:sp>
-      <p:sp>
-        <p:nvSpPr>
-          <p:cNvPr id="27" name="正方形/長方形 26"/>
-          <p:cNvSpPr/>
-          <p:nvPr/>
-        </p:nvSpPr>
-        <p:spPr>
-          <a:xfrm>
-            <a:off x="3093352" y="4506613"/>
-            <a:ext cx="3960440" cy="258917"/>
-          </a:xfrm>
-          <a:prstGeom prst="rect">
-            <a:avLst/>
-          </a:prstGeom>
-          <a:solidFill>
-            <a:schemeClr val="bg1"/>
-          </a:solidFill>
-          <a:ln w="9525">
-            <a:solidFill>
-              <a:schemeClr val="tx1"/>
-            </a:solidFill>
-          </a:ln>
-        </p:spPr>
-        <p:style>
-          <a:lnRef idx="2">
-            <a:schemeClr val="accent1">
-              <a:shade val="50000"/>
-            </a:schemeClr>
-          </a:lnRef>
-          <a:fillRef idx="1">
-            <a:schemeClr val="accent1"/>
-          </a:fillRef>
-          <a:effectRef idx="0">
-            <a:schemeClr val="accent1"/>
-          </a:effectRef>
-          <a:fontRef idx="minor">
-            <a:schemeClr val="lt1"/>
-          </a:fontRef>
-        </p:style>
-        <p:txBody>
-          <a:bodyPr rtlCol="0" anchor="ctr"/>
-          <a:lstStyle/>
-          <a:p>
-            <a:pPr algn="ctr"/>
-            <a:endParaRPr kumimoji="1" lang="ja-JP" altLang="en-US" sz="1400" dirty="0" smtClean="0">
-              <a:solidFill>
-                <a:schemeClr val="tx1"/>
-              </a:solidFill>
-            </a:endParaRPr>
-          </a:p>
-        </p:txBody>
-      </p:sp>
-      <p:sp>
-        <p:nvSpPr>
-          <p:cNvPr id="7" name="テキスト ボックス 6"/>
-          <p:cNvSpPr txBox="1"/>
-          <p:nvPr/>
-        </p:nvSpPr>
-        <p:spPr>
-          <a:xfrm>
-            <a:off x="2051720" y="2881768"/>
-            <a:ext cx="771591" cy="230832"/>
-          </a:xfrm>
-          <a:prstGeom prst="rect">
-            <a:avLst/>
-          </a:prstGeom>
-          <a:solidFill>
-            <a:schemeClr val="bg1"/>
-          </a:solidFill>
-        </p:spPr>
-        <p:txBody>
-          <a:bodyPr wrap="square" rtlCol="0">
-            <a:spAutoFit/>
-          </a:bodyPr>
-          <a:lstStyle/>
-          <a:p>
-            <a:r>
-              <a:rPr kumimoji="1" lang="ja-JP" altLang="en-US" sz="900" b="1" dirty="0" smtClean="0"/>
-              <a:t>ユーザー名</a:t>
-            </a:r>
-            <a:endParaRPr kumimoji="1" lang="ja-JP" altLang="en-US" sz="900" b="1" dirty="0" smtClean="0"/>
-          </a:p>
-        </p:txBody>
-      </p:sp>
-      <p:sp>
-        <p:nvSpPr>
-          <p:cNvPr id="28" name="テキスト ボックス 27"/>
-          <p:cNvSpPr txBox="1"/>
-          <p:nvPr/>
-        </p:nvSpPr>
-        <p:spPr>
-          <a:xfrm>
-            <a:off x="2033931" y="3296410"/>
-            <a:ext cx="876917" cy="230832"/>
-          </a:xfrm>
-          <a:prstGeom prst="rect">
-            <a:avLst/>
-          </a:prstGeom>
-          <a:solidFill>
-            <a:schemeClr val="bg1"/>
-          </a:solidFill>
-        </p:spPr>
-        <p:txBody>
-          <a:bodyPr wrap="square" rtlCol="0">
-            <a:spAutoFit/>
-          </a:bodyPr>
-          <a:lstStyle/>
-          <a:p>
-            <a:r>
-              <a:rPr lang="en-US" altLang="ja-JP" sz="900" b="1" dirty="0" smtClean="0"/>
-              <a:t>Email</a:t>
-            </a:r>
-            <a:r>
-              <a:rPr lang="ja-JP" altLang="en-US" sz="900" b="1" dirty="0" smtClean="0"/>
-              <a:t>アドレス</a:t>
-            </a:r>
-            <a:endParaRPr kumimoji="1" lang="ja-JP" altLang="en-US" sz="900" b="1" dirty="0" smtClean="0"/>
-          </a:p>
-        </p:txBody>
-      </p:sp>
-      <p:sp>
-        <p:nvSpPr>
-          <p:cNvPr id="29" name="テキスト ボックス 28"/>
-          <p:cNvSpPr txBox="1"/>
-          <p:nvPr/>
-        </p:nvSpPr>
-        <p:spPr>
-          <a:xfrm>
-            <a:off x="2097553" y="3720629"/>
-            <a:ext cx="771591" cy="230832"/>
-          </a:xfrm>
-          <a:prstGeom prst="rect">
-            <a:avLst/>
-          </a:prstGeom>
-          <a:solidFill>
-            <a:schemeClr val="bg1"/>
-          </a:solidFill>
-        </p:spPr>
-        <p:txBody>
-          <a:bodyPr wrap="square" rtlCol="0">
-            <a:spAutoFit/>
-          </a:bodyPr>
-          <a:lstStyle/>
-          <a:p>
-            <a:r>
-              <a:rPr lang="ja-JP" altLang="en-US" sz="900" b="1" dirty="0"/>
-              <a:t>パスワード</a:t>
-            </a:r>
-            <a:endParaRPr kumimoji="1" lang="ja-JP" altLang="en-US" sz="900" b="1" dirty="0" smtClean="0"/>
-          </a:p>
-        </p:txBody>
-      </p:sp>
-      <p:sp>
-        <p:nvSpPr>
-          <p:cNvPr id="30" name="テキスト ボックス 29"/>
-          <p:cNvSpPr txBox="1"/>
-          <p:nvPr/>
-        </p:nvSpPr>
-        <p:spPr>
-          <a:xfrm>
-            <a:off x="2251879" y="4142416"/>
-            <a:ext cx="462941" cy="230832"/>
-          </a:xfrm>
-          <a:prstGeom prst="rect">
-            <a:avLst/>
-          </a:prstGeom>
-          <a:solidFill>
-            <a:schemeClr val="bg1"/>
-          </a:solidFill>
-        </p:spPr>
-        <p:txBody>
-          <a:bodyPr wrap="square" rtlCol="0">
-            <a:spAutoFit/>
-          </a:bodyPr>
-          <a:lstStyle/>
-          <a:p>
-            <a:r>
-              <a:rPr lang="ja-JP" altLang="en-US" sz="900" b="1" dirty="0"/>
-              <a:t>確認</a:t>
-            </a:r>
-            <a:endParaRPr kumimoji="1" lang="ja-JP" altLang="en-US" sz="900" b="1" dirty="0" smtClean="0"/>
-          </a:p>
-        </p:txBody>
-      </p:sp>
-      <p:sp>
-        <p:nvSpPr>
-          <p:cNvPr id="31" name="テキスト ボックス 30"/>
-          <p:cNvSpPr txBox="1"/>
-          <p:nvPr/>
-        </p:nvSpPr>
-        <p:spPr>
-          <a:xfrm>
-            <a:off x="2239006" y="4552820"/>
-            <a:ext cx="466765" cy="230832"/>
-          </a:xfrm>
-          <a:prstGeom prst="rect">
-            <a:avLst/>
-          </a:prstGeom>
-          <a:solidFill>
-            <a:schemeClr val="bg1"/>
-          </a:solidFill>
-        </p:spPr>
-        <p:txBody>
-          <a:bodyPr wrap="square" rtlCol="0">
-            <a:spAutoFit/>
-          </a:bodyPr>
-          <a:lstStyle/>
-          <a:p>
-            <a:r>
-              <a:rPr lang="ja-JP" altLang="en-US" sz="900" b="1" dirty="0"/>
-              <a:t>身長</a:t>
-            </a:r>
-            <a:endParaRPr kumimoji="1" lang="ja-JP" altLang="en-US" sz="900" b="1" dirty="0" smtClean="0"/>
-          </a:p>
-        </p:txBody>
-      </p:sp>
-      <p:sp>
-        <p:nvSpPr>
-          <p:cNvPr id="8" name="角丸四角形 7"/>
-          <p:cNvSpPr/>
-          <p:nvPr/>
-        </p:nvSpPr>
-        <p:spPr>
-          <a:xfrm>
-            <a:off x="3093352" y="5318851"/>
-            <a:ext cx="3960440" cy="320553"/>
-          </a:xfrm>
-          <a:prstGeom prst="roundRect">
-            <a:avLst/>
-          </a:prstGeom>
-          <a:solidFill>
-            <a:schemeClr val="bg1"/>
-          </a:solidFill>
-          <a:ln w="9525">
-            <a:solidFill>
-              <a:schemeClr val="tx1"/>
-            </a:solidFill>
-          </a:ln>
-        </p:spPr>
-        <p:style>
-          <a:lnRef idx="2">
-            <a:schemeClr val="accent1">
-              <a:shade val="50000"/>
-            </a:schemeClr>
-          </a:lnRef>
-          <a:fillRef idx="1">
-            <a:schemeClr val="accent1"/>
-          </a:fillRef>
-          <a:effectRef idx="0">
-            <a:schemeClr val="accent1"/>
-          </a:effectRef>
-          <a:fontRef idx="minor">
-            <a:schemeClr val="lt1"/>
-          </a:fontRef>
-        </p:style>
-        <p:txBody>
-          <a:bodyPr rtlCol="0" anchor="ctr"/>
-          <a:lstStyle/>
-          <a:p>
-            <a:pPr algn="ctr"/>
-            <a:r>
-              <a:rPr kumimoji="1" lang="ja-JP" altLang="en-US" sz="1400" b="1" dirty="0" smtClean="0">
-                <a:solidFill>
-                  <a:schemeClr val="tx1"/>
-                </a:solidFill>
-              </a:rPr>
-              <a:t>新規登録</a:t>
-            </a:r>
-            <a:endParaRPr kumimoji="1" lang="ja-JP" altLang="en-US" sz="1400" b="1" dirty="0" smtClean="0">
-              <a:solidFill>
-                <a:schemeClr val="tx1"/>
-              </a:solidFill>
-            </a:endParaRPr>
-          </a:p>
-        </p:txBody>
-      </p:sp>
-      <p:sp>
-        <p:nvSpPr>
-          <p:cNvPr id="32" name="正方形/長方形 31"/>
-          <p:cNvSpPr/>
-          <p:nvPr/>
-        </p:nvSpPr>
-        <p:spPr>
-          <a:xfrm>
-            <a:off x="3093352" y="4930794"/>
-            <a:ext cx="3960440" cy="258917"/>
-          </a:xfrm>
-          <a:prstGeom prst="rect">
-            <a:avLst/>
-          </a:prstGeom>
-          <a:solidFill>
-            <a:schemeClr val="bg1"/>
-          </a:solidFill>
-          <a:ln w="9525">
-            <a:solidFill>
-              <a:schemeClr val="tx1"/>
-            </a:solidFill>
-          </a:ln>
-        </p:spPr>
-        <p:style>
-          <a:lnRef idx="2">
-            <a:schemeClr val="accent1">
-              <a:shade val="50000"/>
-            </a:schemeClr>
-          </a:lnRef>
-          <a:fillRef idx="1">
-            <a:schemeClr val="accent1"/>
-          </a:fillRef>
-          <a:effectRef idx="0">
-            <a:schemeClr val="accent1"/>
-          </a:effectRef>
-          <a:fontRef idx="minor">
-            <a:schemeClr val="lt1"/>
-          </a:fontRef>
-        </p:style>
-        <p:txBody>
-          <a:bodyPr rtlCol="0" anchor="ctr"/>
-          <a:lstStyle/>
-          <a:p>
-            <a:pPr algn="ctr"/>
-            <a:endParaRPr kumimoji="1" lang="ja-JP" altLang="en-US" sz="1400" dirty="0" smtClean="0">
-              <a:solidFill>
-                <a:schemeClr val="tx1"/>
-              </a:solidFill>
-            </a:endParaRPr>
-          </a:p>
-        </p:txBody>
-      </p:sp>
-      <p:sp>
-        <p:nvSpPr>
-          <p:cNvPr id="33" name="テキスト ボックス 32"/>
-          <p:cNvSpPr txBox="1"/>
-          <p:nvPr/>
-        </p:nvSpPr>
-        <p:spPr>
-          <a:xfrm>
-            <a:off x="2239006" y="4937836"/>
-            <a:ext cx="466765" cy="230832"/>
-          </a:xfrm>
-          <a:prstGeom prst="rect">
-            <a:avLst/>
-          </a:prstGeom>
-          <a:solidFill>
-            <a:schemeClr val="bg1"/>
-          </a:solidFill>
-        </p:spPr>
-        <p:txBody>
-          <a:bodyPr wrap="square" rtlCol="0">
-            <a:spAutoFit/>
-          </a:bodyPr>
-          <a:lstStyle/>
-          <a:p>
-            <a:r>
-              <a:rPr lang="ja-JP" altLang="en-US" sz="900" b="1" dirty="0"/>
-              <a:t>年齢</a:t>
-            </a:r>
-            <a:endParaRPr kumimoji="1" lang="ja-JP" altLang="en-US" sz="900" b="1" dirty="0" smtClean="0"/>
-          </a:p>
-        </p:txBody>
-      </p:sp>
     </p:spTree>
     <p:extLst>
       <p:ext uri="{BB962C8B-B14F-4D97-AF65-F5344CB8AC3E}">
-        <p14:creationId xmlns:p14="http://schemas.microsoft.com/office/powerpoint/2010/main" val="3341729065"/>
+        <p14:creationId xmlns:p14="http://schemas.microsoft.com/office/powerpoint/2010/main" val="859950377"/>
       </p:ext>
     </p:extLst>
   </p:cSld>
@@ -7368,34 +7581,7 @@
       </p:grpSpPr>
       <p:sp>
         <p:nvSpPr>
-          <p:cNvPr id="2" name="タイトル 1"/>
-          <p:cNvSpPr>
-            <a:spLocks noGrp="1"/>
-          </p:cNvSpPr>
-          <p:nvPr>
-            <p:ph type="title"/>
-          </p:nvPr>
-        </p:nvSpPr>
-        <p:spPr/>
-        <p:txBody>
-          <a:bodyPr/>
-          <a:lstStyle/>
-          <a:p>
-            <a:r>
-              <a:rPr kumimoji="1" lang="en-US" altLang="ja-JP" dirty="0" smtClean="0"/>
-              <a:t>About</a:t>
-            </a:r>
-            <a:r>
-              <a:rPr lang="ja-JP" altLang="en-US" dirty="0" smtClean="0"/>
-              <a:t>（説明ページ）</a:t>
-            </a:r>
-            <a:endParaRPr kumimoji="1" lang="ja-JP" altLang="en-US" dirty="0"/>
-          </a:p>
-        </p:txBody>
-      </p:sp>
-      <p:sp>
-        <p:nvSpPr>
-          <p:cNvPr id="3" name="正方形/長方形 2"/>
+          <p:cNvPr id="4" name="正方形/長方形 3"/>
           <p:cNvSpPr/>
           <p:nvPr/>
         </p:nvSpPr>
@@ -7447,7 +7633,7 @@
       </p:sp>
       <p:sp>
         <p:nvSpPr>
-          <p:cNvPr id="4" name="正方形/長方形 3"/>
+          <p:cNvPr id="5" name="正方形/長方形 4"/>
           <p:cNvSpPr/>
           <p:nvPr/>
         </p:nvSpPr>
@@ -7499,7 +7685,7 @@
       </p:sp>
       <p:sp>
         <p:nvSpPr>
-          <p:cNvPr id="5" name="テキスト ボックス 4"/>
+          <p:cNvPr id="6" name="テキスト ボックス 5"/>
           <p:cNvSpPr txBox="1"/>
           <p:nvPr/>
         </p:nvSpPr>
@@ -7541,7 +7727,7 @@
       </p:sp>
       <p:sp>
         <p:nvSpPr>
-          <p:cNvPr id="6" name="テキスト ボックス 5"/>
+          <p:cNvPr id="7" name="テキスト ボックス 6"/>
           <p:cNvSpPr txBox="1"/>
           <p:nvPr/>
         </p:nvSpPr>
@@ -7577,7 +7763,7 @@
       </p:sp>
       <p:sp>
         <p:nvSpPr>
-          <p:cNvPr id="7" name="正方形/長方形 6"/>
+          <p:cNvPr id="8" name="正方形/長方形 7"/>
           <p:cNvSpPr/>
           <p:nvPr/>
         </p:nvSpPr>
@@ -7616,7 +7802,7 @@
       </p:sp>
       <p:sp>
         <p:nvSpPr>
-          <p:cNvPr id="8" name="正方形/長方形 7"/>
+          <p:cNvPr id="9" name="正方形/長方形 8"/>
           <p:cNvSpPr/>
           <p:nvPr/>
         </p:nvSpPr>
@@ -7655,7 +7841,7 @@
       </p:sp>
       <p:sp>
         <p:nvSpPr>
-          <p:cNvPr id="9" name="正方形/長方形 8"/>
+          <p:cNvPr id="10" name="正方形/長方形 9"/>
           <p:cNvSpPr/>
           <p:nvPr/>
         </p:nvSpPr>
@@ -7704,39 +7890,9 @@
           </a:p>
         </p:txBody>
       </p:sp>
-      <p:pic>
-        <p:nvPicPr>
-          <p:cNvPr id="13" name="図 12"/>
-          <p:cNvPicPr>
-            <a:picLocks noChangeAspect="1"/>
-          </p:cNvPicPr>
-          <p:nvPr/>
-        </p:nvPicPr>
-        <p:blipFill>
-          <a:blip r:embed="rId2" cstate="print">
-            <a:extLst>
-              <a:ext uri="{28A0092B-C50C-407E-A947-70E740481C1C}">
-                <a14:useLocalDpi xmlns:a14="http://schemas.microsoft.com/office/drawing/2010/main" val="0"/>
-              </a:ext>
-            </a:extLst>
-          </a:blip>
-          <a:stretch>
-            <a:fillRect/>
-          </a:stretch>
-        </p:blipFill>
-        <p:spPr>
-          <a:xfrm>
-            <a:off x="1563760" y="2521579"/>
-            <a:ext cx="5957908" cy="3038977"/>
-          </a:xfrm>
-          <a:prstGeom prst="rect">
-            <a:avLst/>
-          </a:prstGeom>
-        </p:spPr>
-      </p:pic>
-      <p:sp>
-        <p:nvSpPr>
-          <p:cNvPr id="14" name="正方形/長方形 13"/>
+      <p:sp>
+        <p:nvSpPr>
+          <p:cNvPr id="11" name="正方形/長方形 10"/>
           <p:cNvSpPr/>
           <p:nvPr/>
         </p:nvSpPr>
@@ -7767,10 +7923,137 @@
           </a:p>
         </p:txBody>
       </p:sp>
+      <p:sp>
+        <p:nvSpPr>
+          <p:cNvPr id="2" name="タイトル 1"/>
+          <p:cNvSpPr>
+            <a:spLocks noGrp="1"/>
+          </p:cNvSpPr>
+          <p:nvPr>
+            <p:ph type="title"/>
+          </p:nvPr>
+        </p:nvSpPr>
+        <p:spPr/>
+        <p:txBody>
+          <a:bodyPr/>
+          <a:lstStyle/>
+          <a:p>
+            <a:r>
+              <a:rPr lang="en-US" altLang="ja-JP" smtClean="0"/>
+              <a:t>Contac</a:t>
+            </a:r>
+            <a:r>
+              <a:rPr lang="en-US" altLang="ja-JP"/>
+              <a:t>t</a:t>
+            </a:r>
+            <a:r>
+              <a:rPr lang="ja-JP" altLang="en-US" smtClean="0"/>
+              <a:t>（</a:t>
+            </a:r>
+            <a:r>
+              <a:rPr lang="ja-JP" altLang="en-US"/>
+              <a:t>意</a:t>
+            </a:r>
+            <a:r>
+              <a:rPr lang="ja-JP" altLang="en-US" smtClean="0"/>
+              <a:t>見</a:t>
+            </a:r>
+            <a:r>
+              <a:rPr lang="ja-JP" altLang="en-US"/>
+              <a:t>問い合</a:t>
+            </a:r>
+            <a:r>
+              <a:rPr lang="ja-JP" altLang="en-US" smtClean="0"/>
+              <a:t>わ</a:t>
+            </a:r>
+            <a:r>
+              <a:rPr lang="ja-JP" altLang="en-US"/>
+              <a:t>せ</a:t>
+            </a:r>
+            <a:r>
+              <a:rPr lang="ja-JP" altLang="en-US" smtClean="0"/>
+              <a:t>ペ</a:t>
+            </a:r>
+            <a:r>
+              <a:rPr lang="ja-JP" altLang="en-US" dirty="0" smtClean="0"/>
+              <a:t>ージ）</a:t>
+            </a:r>
+            <a:endParaRPr kumimoji="1" lang="ja-JP" altLang="en-US" dirty="0"/>
+          </a:p>
+        </p:txBody>
+      </p:sp>
+      <p:sp>
+        <p:nvSpPr>
+          <p:cNvPr id="12" name="正方形/長方形 11"/>
+          <p:cNvSpPr/>
+          <p:nvPr/>
+        </p:nvSpPr>
+        <p:spPr>
+          <a:xfrm>
+            <a:off x="2807804" y="2888940"/>
+            <a:ext cx="3528392" cy="1728192"/>
+          </a:xfrm>
+          <a:prstGeom prst="rect">
+            <a:avLst/>
+          </a:prstGeom>
+          <a:solidFill>
+            <a:schemeClr val="bg1"/>
+          </a:solidFill>
+          <a:ln w="9525">
+            <a:solidFill>
+              <a:schemeClr val="tx1"/>
+            </a:solidFill>
+          </a:ln>
+        </p:spPr>
+        <p:style>
+          <a:lnRef idx="2">
+            <a:schemeClr val="accent1">
+              <a:shade val="50000"/>
+            </a:schemeClr>
+          </a:lnRef>
+          <a:fillRef idx="1">
+            <a:schemeClr val="accent1"/>
+          </a:fillRef>
+          <a:effectRef idx="0">
+            <a:schemeClr val="accent1"/>
+          </a:effectRef>
+          <a:fontRef idx="minor">
+            <a:schemeClr val="lt1"/>
+          </a:fontRef>
+        </p:style>
+        <p:txBody>
+          <a:bodyPr rtlCol="0" anchor="ctr"/>
+          <a:lstStyle/>
+          <a:p>
+            <a:pPr algn="ctr"/>
+            <a:r>
+              <a:rPr kumimoji="1" lang="en-US" altLang="ja-JP" sz="1400" dirty="0" smtClean="0">
+                <a:solidFill>
+                  <a:schemeClr val="tx1"/>
+                </a:solidFill>
+              </a:rPr>
+              <a:t>Github</a:t>
+            </a:r>
+            <a:r>
+              <a:rPr kumimoji="1" lang="ja-JP" altLang="en-US" sz="1400" dirty="0" smtClean="0">
+                <a:solidFill>
+                  <a:schemeClr val="tx1"/>
+                </a:solidFill>
+              </a:rPr>
+              <a:t>のページに飛ばすようにしました</a:t>
+            </a:r>
+            <a:endParaRPr kumimoji="1" lang="ja-JP" altLang="en-US" sz="1400" dirty="0" smtClean="0">
+              <a:solidFill>
+                <a:schemeClr val="tx1"/>
+              </a:solidFill>
+            </a:endParaRPr>
+          </a:p>
+        </p:txBody>
+      </p:sp>
     </p:spTree>
     <p:extLst>
       <p:ext uri="{BB962C8B-B14F-4D97-AF65-F5344CB8AC3E}">
-        <p14:creationId xmlns:p14="http://schemas.microsoft.com/office/powerpoint/2010/main" val="859950377"/>
+        <p14:creationId xmlns:p14="http://schemas.microsoft.com/office/powerpoint/2010/main" val="1471113602"/>
       </p:ext>
     </p:extLst>
   </p:cSld>
@@ -7820,52 +8103,368 @@
           <a:lstStyle/>
           <a:p>
             <a:r>
-              <a:rPr lang="en-US" altLang="ja-JP" smtClean="0"/>
+              <a:rPr lang="en-US" altLang="ja-JP" dirty="0" smtClean="0"/>
+              <a:t>Hel</a:t>
+            </a:r>
+            <a:r>
+              <a:rPr lang="en-US" altLang="ja-JP" dirty="0"/>
+              <a:t>p</a:t>
+            </a:r>
+            <a:r>
+              <a:rPr kumimoji="1" lang="ja-JP" altLang="en-US" dirty="0" smtClean="0"/>
+              <a:t>画面</a:t>
+            </a:r>
+            <a:endParaRPr kumimoji="1" lang="ja-JP" altLang="en-US" dirty="0"/>
+          </a:p>
+        </p:txBody>
+      </p:sp>
+      <p:sp>
+        <p:nvSpPr>
+          <p:cNvPr id="10" name="正方形/長方形 9"/>
+          <p:cNvSpPr/>
+          <p:nvPr/>
+        </p:nvSpPr>
+        <p:spPr>
+          <a:xfrm>
+            <a:off x="827584" y="1628800"/>
+            <a:ext cx="7488832" cy="4248472"/>
+          </a:xfrm>
+          <a:prstGeom prst="rect">
+            <a:avLst/>
+          </a:prstGeom>
+          <a:solidFill>
+            <a:schemeClr val="bg1"/>
+          </a:solidFill>
+          <a:ln w="9525">
+            <a:solidFill>
+              <a:schemeClr val="tx1"/>
+            </a:solidFill>
+          </a:ln>
+        </p:spPr>
+        <p:style>
+          <a:lnRef idx="2">
+            <a:schemeClr val="accent1">
+              <a:shade val="50000"/>
+            </a:schemeClr>
+          </a:lnRef>
+          <a:fillRef idx="1">
+            <a:schemeClr val="accent1"/>
+          </a:fillRef>
+          <a:effectRef idx="0">
+            <a:schemeClr val="accent1"/>
+          </a:effectRef>
+          <a:fontRef idx="minor">
+            <a:schemeClr val="lt1"/>
+          </a:fontRef>
+        </p:style>
+        <p:txBody>
+          <a:bodyPr rtlCol="0" anchor="ctr"/>
+          <a:lstStyle/>
+          <a:p>
+            <a:pPr algn="ctr"/>
+            <a:endParaRPr kumimoji="1" lang="ja-JP" altLang="en-US" sz="1400" dirty="0" smtClean="0">
+              <a:solidFill>
+                <a:schemeClr val="tx1"/>
+              </a:solidFill>
+            </a:endParaRPr>
+          </a:p>
+        </p:txBody>
+      </p:sp>
+      <p:sp>
+        <p:nvSpPr>
+          <p:cNvPr id="11" name="正方形/長方形 10"/>
+          <p:cNvSpPr/>
+          <p:nvPr/>
+        </p:nvSpPr>
+        <p:spPr>
+          <a:xfrm>
+            <a:off x="827584" y="1628800"/>
+            <a:ext cx="7488832" cy="576064"/>
+          </a:xfrm>
+          <a:prstGeom prst="rect">
+            <a:avLst/>
+          </a:prstGeom>
+          <a:solidFill>
+            <a:schemeClr val="bg1"/>
+          </a:solidFill>
+          <a:ln w="9525">
+            <a:solidFill>
+              <a:schemeClr val="tx1"/>
+            </a:solidFill>
+          </a:ln>
+        </p:spPr>
+        <p:style>
+          <a:lnRef idx="2">
+            <a:schemeClr val="accent1">
+              <a:shade val="50000"/>
+            </a:schemeClr>
+          </a:lnRef>
+          <a:fillRef idx="1">
+            <a:schemeClr val="accent1"/>
+          </a:fillRef>
+          <a:effectRef idx="0">
+            <a:schemeClr val="accent1"/>
+          </a:effectRef>
+          <a:fontRef idx="minor">
+            <a:schemeClr val="lt1"/>
+          </a:fontRef>
+        </p:style>
+        <p:txBody>
+          <a:bodyPr rtlCol="0" anchor="ctr"/>
+          <a:lstStyle/>
+          <a:p>
+            <a:pPr algn="ctr"/>
+            <a:endParaRPr kumimoji="1" lang="ja-JP" altLang="en-US" sz="1400" dirty="0" smtClean="0">
+              <a:solidFill>
+                <a:schemeClr val="tx1"/>
+              </a:solidFill>
+            </a:endParaRPr>
+          </a:p>
+        </p:txBody>
+      </p:sp>
+      <p:sp>
+        <p:nvSpPr>
+          <p:cNvPr id="12" name="テキスト ボックス 11"/>
+          <p:cNvSpPr txBox="1"/>
+          <p:nvPr/>
+        </p:nvSpPr>
+        <p:spPr>
+          <a:xfrm>
+            <a:off x="873115" y="1732166"/>
+            <a:ext cx="648072" cy="369332"/>
+          </a:xfrm>
+          <a:prstGeom prst="rect">
+            <a:avLst/>
+          </a:prstGeom>
+          <a:solidFill>
+            <a:schemeClr val="bg1"/>
+          </a:solidFill>
+          <a:ln>
+            <a:solidFill>
+              <a:schemeClr val="bg1"/>
+            </a:solidFill>
+          </a:ln>
+        </p:spPr>
+        <p:txBody>
+          <a:bodyPr wrap="square" rtlCol="0">
+            <a:spAutoFit/>
+          </a:bodyPr>
+          <a:lstStyle/>
+          <a:p>
+            <a:pPr algn="ctr"/>
+            <a:r>
+              <a:rPr kumimoji="1" lang="en-US" altLang="ja-JP" b="1" dirty="0" smtClean="0">
+                <a:latin typeface="OCRB" panose="020B0609020202020204" pitchFamily="49" charset="0"/>
+              </a:rPr>
+              <a:t>WLF</a:t>
+            </a:r>
+            <a:endParaRPr kumimoji="1" lang="ja-JP" altLang="en-US" b="1" dirty="0" smtClean="0">
+              <a:latin typeface="OCRB" panose="020B0609020202020204" pitchFamily="49" charset="0"/>
+            </a:endParaRPr>
+          </a:p>
+        </p:txBody>
+      </p:sp>
+      <p:sp>
+        <p:nvSpPr>
+          <p:cNvPr id="13" name="テキスト ボックス 12"/>
+          <p:cNvSpPr txBox="1"/>
+          <p:nvPr/>
+        </p:nvSpPr>
+        <p:spPr>
+          <a:xfrm>
+            <a:off x="1563760" y="1732166"/>
+            <a:ext cx="775992" cy="369332"/>
+          </a:xfrm>
+          <a:prstGeom prst="rect">
+            <a:avLst/>
+          </a:prstGeom>
+          <a:solidFill>
+            <a:schemeClr val="bg1"/>
+          </a:solidFill>
+        </p:spPr>
+        <p:txBody>
+          <a:bodyPr wrap="square" rtlCol="0">
+            <a:spAutoFit/>
+          </a:bodyPr>
+          <a:lstStyle/>
+          <a:p>
+            <a:r>
+              <a:rPr kumimoji="1" lang="en-US" altLang="ja-JP" dirty="0" smtClean="0">
+                <a:latin typeface="OCRB" panose="020B0609020202020204" pitchFamily="49" charset="0"/>
+              </a:rPr>
+              <a:t>Work</a:t>
+            </a:r>
+            <a:endParaRPr kumimoji="1" lang="ja-JP" altLang="en-US" dirty="0" smtClean="0">
+              <a:latin typeface="OCRB" panose="020B0609020202020204" pitchFamily="49" charset="0"/>
+            </a:endParaRPr>
+          </a:p>
+        </p:txBody>
+      </p:sp>
+      <p:sp>
+        <p:nvSpPr>
+          <p:cNvPr id="15" name="正方形/長方形 14"/>
+          <p:cNvSpPr/>
+          <p:nvPr/>
+        </p:nvSpPr>
+        <p:spPr>
+          <a:xfrm>
+            <a:off x="2382325" y="1732710"/>
+            <a:ext cx="881973" cy="369332"/>
+          </a:xfrm>
+          <a:prstGeom prst="rect">
+            <a:avLst/>
+          </a:prstGeom>
+        </p:spPr>
+        <p:txBody>
+          <a:bodyPr wrap="none">
+            <a:spAutoFit/>
+          </a:bodyPr>
+          <a:lstStyle/>
+          <a:p>
+            <a:r>
+              <a:rPr lang="en-US" altLang="ja-JP" dirty="0" smtClean="0">
+                <a:latin typeface="OCRB" panose="020B0609020202020204" pitchFamily="49" charset="0"/>
+              </a:rPr>
+              <a:t>Abou</a:t>
+            </a:r>
+            <a:r>
+              <a:rPr lang="en-US" altLang="ja-JP" dirty="0">
+                <a:latin typeface="OCRB" panose="020B0609020202020204" pitchFamily="49" charset="0"/>
+              </a:rPr>
+              <a:t>t</a:t>
+            </a:r>
+            <a:endParaRPr lang="ja-JP" altLang="en-US" dirty="0">
+              <a:latin typeface="OCRB" panose="020B0609020202020204" pitchFamily="49" charset="0"/>
+            </a:endParaRPr>
+          </a:p>
+        </p:txBody>
+      </p:sp>
+      <p:sp>
+        <p:nvSpPr>
+          <p:cNvPr id="16" name="正方形/長方形 15"/>
+          <p:cNvSpPr/>
+          <p:nvPr/>
+        </p:nvSpPr>
+        <p:spPr>
+          <a:xfrm>
+            <a:off x="3304734" y="1732166"/>
+            <a:ext cx="1160895" cy="369332"/>
+          </a:xfrm>
+          <a:prstGeom prst="rect">
+            <a:avLst/>
+          </a:prstGeom>
+        </p:spPr>
+        <p:txBody>
+          <a:bodyPr wrap="none">
+            <a:spAutoFit/>
+          </a:bodyPr>
+          <a:lstStyle/>
+          <a:p>
+            <a:r>
+              <a:rPr lang="en-US" altLang="ja-JP" dirty="0" smtClean="0">
+                <a:latin typeface="OCRB" panose="020B0609020202020204" pitchFamily="49" charset="0"/>
+              </a:rPr>
               <a:t>Contac</a:t>
             </a:r>
             <a:r>
-              <a:rPr lang="en-US" altLang="ja-JP"/>
+              <a:rPr lang="en-US" altLang="ja-JP" dirty="0">
+                <a:latin typeface="OCRB" panose="020B0609020202020204" pitchFamily="49" charset="0"/>
+              </a:rPr>
               <a:t>t</a:t>
             </a:r>
-            <a:r>
-              <a:rPr lang="ja-JP" altLang="en-US" smtClean="0"/>
-              <a:t>（</a:t>
-            </a:r>
-            <a:r>
-              <a:rPr lang="ja-JP" altLang="en-US"/>
-              <a:t>意</a:t>
-            </a:r>
-            <a:r>
-              <a:rPr lang="ja-JP" altLang="en-US" smtClean="0"/>
-              <a:t>見</a:t>
-            </a:r>
-            <a:r>
-              <a:rPr lang="ja-JP" altLang="en-US"/>
-              <a:t>問い合</a:t>
-            </a:r>
-            <a:r>
-              <a:rPr lang="ja-JP" altLang="en-US" smtClean="0"/>
-              <a:t>わ</a:t>
-            </a:r>
-            <a:r>
-              <a:rPr lang="ja-JP" altLang="en-US"/>
-              <a:t>せ</a:t>
-            </a:r>
-            <a:r>
-              <a:rPr lang="ja-JP" altLang="en-US" smtClean="0"/>
-              <a:t>ペ</a:t>
-            </a:r>
-            <a:r>
-              <a:rPr lang="ja-JP" altLang="en-US" dirty="0" smtClean="0"/>
-              <a:t>ージ）</a:t>
-            </a:r>
-            <a:endParaRPr kumimoji="1" lang="ja-JP" altLang="en-US" dirty="0"/>
+            <a:endParaRPr lang="ja-JP" altLang="en-US" dirty="0">
+              <a:latin typeface="OCRB" panose="020B0609020202020204" pitchFamily="49" charset="0"/>
+            </a:endParaRPr>
+          </a:p>
+        </p:txBody>
+      </p:sp>
+      <p:sp>
+        <p:nvSpPr>
+          <p:cNvPr id="20" name="正方形/長方形 19"/>
+          <p:cNvSpPr/>
+          <p:nvPr/>
+        </p:nvSpPr>
+        <p:spPr>
+          <a:xfrm>
+            <a:off x="7057565" y="1732166"/>
+            <a:ext cx="1160895" cy="369332"/>
+          </a:xfrm>
+          <a:prstGeom prst="rect">
+            <a:avLst/>
+          </a:prstGeom>
+        </p:spPr>
+        <p:txBody>
+          <a:bodyPr wrap="none">
+            <a:spAutoFit/>
+          </a:bodyPr>
+          <a:lstStyle/>
+          <a:p>
+            <a:r>
+              <a:rPr lang="en-US" altLang="ja-JP" dirty="0" smtClean="0">
+                <a:latin typeface="OCRB" panose="020B0609020202020204" pitchFamily="49" charset="0"/>
+              </a:rPr>
+              <a:t>Sign</a:t>
+            </a:r>
+            <a:r>
+              <a:rPr lang="ja-JP" altLang="en-US" dirty="0">
+                <a:latin typeface="OCRB" panose="020B0609020202020204" pitchFamily="49" charset="0"/>
+              </a:rPr>
+              <a:t> </a:t>
+            </a:r>
+            <a:r>
+              <a:rPr lang="en-US" altLang="ja-JP" dirty="0" smtClean="0">
+                <a:latin typeface="OCRB" panose="020B0609020202020204" pitchFamily="49" charset="0"/>
+              </a:rPr>
+              <a:t>i</a:t>
+            </a:r>
+            <a:r>
+              <a:rPr lang="en-US" altLang="ja-JP" dirty="0">
+                <a:latin typeface="OCRB" panose="020B0609020202020204" pitchFamily="49" charset="0"/>
+              </a:rPr>
+              <a:t>n</a:t>
+            </a:r>
+            <a:endParaRPr lang="ja-JP" altLang="en-US" dirty="0">
+              <a:latin typeface="OCRB" panose="020B0609020202020204" pitchFamily="49" charset="0"/>
+            </a:endParaRPr>
+          </a:p>
+        </p:txBody>
+      </p:sp>
+      <p:sp>
+        <p:nvSpPr>
+          <p:cNvPr id="3" name="正方形/長方形 2"/>
+          <p:cNvSpPr/>
+          <p:nvPr/>
+        </p:nvSpPr>
+        <p:spPr>
+          <a:xfrm>
+            <a:off x="4418420" y="1732166"/>
+            <a:ext cx="742511" cy="369332"/>
+          </a:xfrm>
+          <a:prstGeom prst="rect">
+            <a:avLst/>
+          </a:prstGeom>
+        </p:spPr>
+        <p:txBody>
+          <a:bodyPr wrap="none">
+            <a:spAutoFit/>
+          </a:bodyPr>
+          <a:lstStyle/>
+          <a:p>
+            <a:r>
+              <a:rPr lang="en-US" altLang="ja-JP" dirty="0">
+                <a:latin typeface="OCRB" panose="020B0609020202020204" pitchFamily="49" charset="0"/>
+              </a:rPr>
+              <a:t>Help</a:t>
+            </a:r>
+            <a:endParaRPr lang="ja-JP" altLang="en-US" dirty="0">
+              <a:latin typeface="OCRB" panose="020B0609020202020204" pitchFamily="49" charset="0"/>
+            </a:endParaRPr>
           </a:p>
         </p:txBody>
       </p:sp>
       <p:pic>
         <p:nvPicPr>
-          <p:cNvPr id="3" name="図 2"/>
+          <p:cNvPr id="5" name="図 4"/>
           <p:cNvPicPr>
             <a:picLocks noChangeAspect="1"/>
           </p:cNvPicPr>
@@ -7885,8 +8484,8 @@
         </p:blipFill>
         <p:spPr>
           <a:xfrm>
-            <a:off x="2962050" y="1772816"/>
-            <a:ext cx="3219899" cy="4172532"/>
+            <a:off x="845772" y="2256547"/>
+            <a:ext cx="7470643" cy="3569042"/>
           </a:xfrm>
           <a:prstGeom prst="rect">
             <a:avLst/>
@@ -7896,7 +8495,7 @@
     </p:spTree>
     <p:extLst>
       <p:ext uri="{BB962C8B-B14F-4D97-AF65-F5344CB8AC3E}">
-        <p14:creationId xmlns:p14="http://schemas.microsoft.com/office/powerpoint/2010/main" val="1471113602"/>
+        <p14:creationId xmlns:p14="http://schemas.microsoft.com/office/powerpoint/2010/main" val="1457529735"/>
       </p:ext>
     </p:extLst>
   </p:cSld>
@@ -7946,20 +8545,424 @@
           <a:lstStyle/>
           <a:p>
             <a:r>
-              <a:rPr lang="en-US" altLang="ja-JP" dirty="0" smtClean="0"/>
-              <a:t>Profile</a:t>
+              <a:rPr lang="ja-JP" altLang="en-US" dirty="0"/>
+              <a:t>ログイ</a:t>
             </a:r>
             <a:r>
               <a:rPr lang="ja-JP" altLang="en-US" dirty="0" smtClean="0"/>
-              <a:t>（登録情報編集ページ）</a:t>
+              <a:t>ン後の</a:t>
+            </a:r>
+            <a:r>
+              <a:rPr kumimoji="1" lang="ja-JP" altLang="en-US" dirty="0" smtClean="0"/>
+              <a:t>画</a:t>
+            </a:r>
+            <a:r>
+              <a:rPr kumimoji="1" lang="ja-JP" altLang="en-US" dirty="0" smtClean="0"/>
+              <a:t>面①</a:t>
             </a:r>
             <a:endParaRPr kumimoji="1" lang="ja-JP" altLang="en-US" dirty="0"/>
+          </a:p>
+        </p:txBody>
+      </p:sp>
+      <p:sp>
+        <p:nvSpPr>
+          <p:cNvPr id="10" name="正方形/長方形 9"/>
+          <p:cNvSpPr/>
+          <p:nvPr/>
+        </p:nvSpPr>
+        <p:spPr>
+          <a:xfrm>
+            <a:off x="827584" y="1628800"/>
+            <a:ext cx="7488832" cy="4248472"/>
+          </a:xfrm>
+          <a:prstGeom prst="rect">
+            <a:avLst/>
+          </a:prstGeom>
+          <a:solidFill>
+            <a:schemeClr val="bg1"/>
+          </a:solidFill>
+          <a:ln w="9525">
+            <a:solidFill>
+              <a:schemeClr val="tx1"/>
+            </a:solidFill>
+          </a:ln>
+        </p:spPr>
+        <p:style>
+          <a:lnRef idx="2">
+            <a:schemeClr val="accent1">
+              <a:shade val="50000"/>
+            </a:schemeClr>
+          </a:lnRef>
+          <a:fillRef idx="1">
+            <a:schemeClr val="accent1"/>
+          </a:fillRef>
+          <a:effectRef idx="0">
+            <a:schemeClr val="accent1"/>
+          </a:effectRef>
+          <a:fontRef idx="minor">
+            <a:schemeClr val="lt1"/>
+          </a:fontRef>
+        </p:style>
+        <p:txBody>
+          <a:bodyPr rtlCol="0" anchor="ctr"/>
+          <a:lstStyle/>
+          <a:p>
+            <a:pPr algn="ctr"/>
+            <a:endParaRPr kumimoji="1" lang="ja-JP" altLang="en-US" sz="1400" dirty="0" smtClean="0">
+              <a:solidFill>
+                <a:schemeClr val="tx1"/>
+              </a:solidFill>
+            </a:endParaRPr>
+          </a:p>
+        </p:txBody>
+      </p:sp>
+      <p:sp>
+        <p:nvSpPr>
+          <p:cNvPr id="11" name="正方形/長方形 10"/>
+          <p:cNvSpPr/>
+          <p:nvPr/>
+        </p:nvSpPr>
+        <p:spPr>
+          <a:xfrm>
+            <a:off x="827584" y="1628800"/>
+            <a:ext cx="7488832" cy="576064"/>
+          </a:xfrm>
+          <a:prstGeom prst="rect">
+            <a:avLst/>
+          </a:prstGeom>
+          <a:solidFill>
+            <a:schemeClr val="bg1"/>
+          </a:solidFill>
+          <a:ln w="9525">
+            <a:solidFill>
+              <a:schemeClr val="tx1"/>
+            </a:solidFill>
+          </a:ln>
+        </p:spPr>
+        <p:style>
+          <a:lnRef idx="2">
+            <a:schemeClr val="accent1">
+              <a:shade val="50000"/>
+            </a:schemeClr>
+          </a:lnRef>
+          <a:fillRef idx="1">
+            <a:schemeClr val="accent1"/>
+          </a:fillRef>
+          <a:effectRef idx="0">
+            <a:schemeClr val="accent1"/>
+          </a:effectRef>
+          <a:fontRef idx="minor">
+            <a:schemeClr val="lt1"/>
+          </a:fontRef>
+        </p:style>
+        <p:txBody>
+          <a:bodyPr rtlCol="0" anchor="ctr"/>
+          <a:lstStyle/>
+          <a:p>
+            <a:pPr algn="ctr"/>
+            <a:endParaRPr kumimoji="1" lang="ja-JP" altLang="en-US" sz="1400" dirty="0" smtClean="0">
+              <a:solidFill>
+                <a:schemeClr val="tx1"/>
+              </a:solidFill>
+            </a:endParaRPr>
+          </a:p>
+        </p:txBody>
+      </p:sp>
+      <p:sp>
+        <p:nvSpPr>
+          <p:cNvPr id="12" name="テキスト ボックス 11"/>
+          <p:cNvSpPr txBox="1"/>
+          <p:nvPr/>
+        </p:nvSpPr>
+        <p:spPr>
+          <a:xfrm>
+            <a:off x="873115" y="1732166"/>
+            <a:ext cx="648072" cy="369332"/>
+          </a:xfrm>
+          <a:prstGeom prst="rect">
+            <a:avLst/>
+          </a:prstGeom>
+          <a:solidFill>
+            <a:schemeClr val="bg1"/>
+          </a:solidFill>
+          <a:ln>
+            <a:solidFill>
+              <a:schemeClr val="bg1"/>
+            </a:solidFill>
+          </a:ln>
+        </p:spPr>
+        <p:txBody>
+          <a:bodyPr wrap="square" rtlCol="0">
+            <a:spAutoFit/>
+          </a:bodyPr>
+          <a:lstStyle/>
+          <a:p>
+            <a:pPr algn="ctr"/>
+            <a:r>
+              <a:rPr kumimoji="1" lang="en-US" altLang="ja-JP" b="1" dirty="0" smtClean="0">
+                <a:latin typeface="OCRB" panose="020B0609020202020204" pitchFamily="49" charset="0"/>
+              </a:rPr>
+              <a:t>WLF</a:t>
+            </a:r>
+            <a:endParaRPr kumimoji="1" lang="ja-JP" altLang="en-US" b="1" dirty="0" smtClean="0">
+              <a:latin typeface="OCRB" panose="020B0609020202020204" pitchFamily="49" charset="0"/>
+            </a:endParaRPr>
+          </a:p>
+        </p:txBody>
+      </p:sp>
+      <p:sp>
+        <p:nvSpPr>
+          <p:cNvPr id="13" name="テキスト ボックス 12"/>
+          <p:cNvSpPr txBox="1"/>
+          <p:nvPr/>
+        </p:nvSpPr>
+        <p:spPr>
+          <a:xfrm>
+            <a:off x="1563760" y="1732166"/>
+            <a:ext cx="775992" cy="369332"/>
+          </a:xfrm>
+          <a:prstGeom prst="rect">
+            <a:avLst/>
+          </a:prstGeom>
+          <a:solidFill>
+            <a:schemeClr val="bg1"/>
+          </a:solidFill>
+        </p:spPr>
+        <p:txBody>
+          <a:bodyPr wrap="square" rtlCol="0">
+            <a:spAutoFit/>
+          </a:bodyPr>
+          <a:lstStyle/>
+          <a:p>
+            <a:r>
+              <a:rPr kumimoji="1" lang="en-US" altLang="ja-JP" dirty="0" smtClean="0">
+                <a:latin typeface="OCRB" panose="020B0609020202020204" pitchFamily="49" charset="0"/>
+              </a:rPr>
+              <a:t>Work</a:t>
+            </a:r>
+            <a:endParaRPr kumimoji="1" lang="ja-JP" altLang="en-US" dirty="0" smtClean="0">
+              <a:latin typeface="OCRB" panose="020B0609020202020204" pitchFamily="49" charset="0"/>
+            </a:endParaRPr>
+          </a:p>
+        </p:txBody>
+      </p:sp>
+      <p:sp>
+        <p:nvSpPr>
+          <p:cNvPr id="15" name="正方形/長方形 14"/>
+          <p:cNvSpPr/>
+          <p:nvPr/>
+        </p:nvSpPr>
+        <p:spPr>
+          <a:xfrm>
+            <a:off x="2382325" y="1732710"/>
+            <a:ext cx="881973" cy="369332"/>
+          </a:xfrm>
+          <a:prstGeom prst="rect">
+            <a:avLst/>
+          </a:prstGeom>
+        </p:spPr>
+        <p:txBody>
+          <a:bodyPr wrap="none">
+            <a:spAutoFit/>
+          </a:bodyPr>
+          <a:lstStyle/>
+          <a:p>
+            <a:r>
+              <a:rPr lang="en-US" altLang="ja-JP" dirty="0" smtClean="0">
+                <a:latin typeface="OCRB" panose="020B0609020202020204" pitchFamily="49" charset="0"/>
+              </a:rPr>
+              <a:t>Abou</a:t>
+            </a:r>
+            <a:r>
+              <a:rPr lang="en-US" altLang="ja-JP" dirty="0">
+                <a:latin typeface="OCRB" panose="020B0609020202020204" pitchFamily="49" charset="0"/>
+              </a:rPr>
+              <a:t>t</a:t>
+            </a:r>
+            <a:endParaRPr lang="ja-JP" altLang="en-US" dirty="0">
+              <a:latin typeface="OCRB" panose="020B0609020202020204" pitchFamily="49" charset="0"/>
+            </a:endParaRPr>
+          </a:p>
+        </p:txBody>
+      </p:sp>
+      <p:sp>
+        <p:nvSpPr>
+          <p:cNvPr id="16" name="正方形/長方形 15"/>
+          <p:cNvSpPr/>
+          <p:nvPr/>
+        </p:nvSpPr>
+        <p:spPr>
+          <a:xfrm>
+            <a:off x="3304734" y="1732166"/>
+            <a:ext cx="1160895" cy="369332"/>
+          </a:xfrm>
+          <a:prstGeom prst="rect">
+            <a:avLst/>
+          </a:prstGeom>
+        </p:spPr>
+        <p:txBody>
+          <a:bodyPr wrap="none">
+            <a:spAutoFit/>
+          </a:bodyPr>
+          <a:lstStyle/>
+          <a:p>
+            <a:r>
+              <a:rPr lang="en-US" altLang="ja-JP" dirty="0" smtClean="0">
+                <a:latin typeface="OCRB" panose="020B0609020202020204" pitchFamily="49" charset="0"/>
+              </a:rPr>
+              <a:t>Contac</a:t>
+            </a:r>
+            <a:r>
+              <a:rPr lang="en-US" altLang="ja-JP" dirty="0">
+                <a:latin typeface="OCRB" panose="020B0609020202020204" pitchFamily="49" charset="0"/>
+              </a:rPr>
+              <a:t>t</a:t>
+            </a:r>
+            <a:endParaRPr lang="ja-JP" altLang="en-US" dirty="0">
+              <a:latin typeface="OCRB" panose="020B0609020202020204" pitchFamily="49" charset="0"/>
+            </a:endParaRPr>
+          </a:p>
+        </p:txBody>
+      </p:sp>
+      <p:sp>
+        <p:nvSpPr>
+          <p:cNvPr id="20" name="正方形/長方形 19"/>
+          <p:cNvSpPr/>
+          <p:nvPr/>
+        </p:nvSpPr>
+        <p:spPr>
+          <a:xfrm>
+            <a:off x="7057565" y="1732166"/>
+            <a:ext cx="1160895" cy="369332"/>
+          </a:xfrm>
+          <a:prstGeom prst="rect">
+            <a:avLst/>
+          </a:prstGeom>
+        </p:spPr>
+        <p:txBody>
+          <a:bodyPr wrap="none">
+            <a:spAutoFit/>
+          </a:bodyPr>
+          <a:lstStyle/>
+          <a:p>
+            <a:r>
+              <a:rPr lang="en-US" altLang="ja-JP" dirty="0" smtClean="0">
+                <a:latin typeface="OCRB" panose="020B0609020202020204" pitchFamily="49" charset="0"/>
+              </a:rPr>
+              <a:t>Sign</a:t>
+            </a:r>
+            <a:r>
+              <a:rPr lang="ja-JP" altLang="en-US" dirty="0">
+                <a:latin typeface="OCRB" panose="020B0609020202020204" pitchFamily="49" charset="0"/>
+              </a:rPr>
+              <a:t> </a:t>
+            </a:r>
+            <a:r>
+              <a:rPr lang="en-US" altLang="ja-JP" dirty="0" smtClean="0">
+                <a:latin typeface="OCRB" panose="020B0609020202020204" pitchFamily="49" charset="0"/>
+              </a:rPr>
+              <a:t>i</a:t>
+            </a:r>
+            <a:r>
+              <a:rPr lang="en-US" altLang="ja-JP" dirty="0">
+                <a:latin typeface="OCRB" panose="020B0609020202020204" pitchFamily="49" charset="0"/>
+              </a:rPr>
+              <a:t>n</a:t>
+            </a:r>
+            <a:endParaRPr lang="ja-JP" altLang="en-US" dirty="0">
+              <a:latin typeface="OCRB" panose="020B0609020202020204" pitchFamily="49" charset="0"/>
+            </a:endParaRPr>
+          </a:p>
+        </p:txBody>
+      </p:sp>
+      <p:sp>
+        <p:nvSpPr>
+          <p:cNvPr id="4" name="正方形/長方形 3"/>
+          <p:cNvSpPr/>
+          <p:nvPr/>
+        </p:nvSpPr>
+        <p:spPr>
+          <a:xfrm>
+            <a:off x="4355976" y="1732166"/>
+            <a:ext cx="742511" cy="369332"/>
+          </a:xfrm>
+          <a:prstGeom prst="rect">
+            <a:avLst/>
+          </a:prstGeom>
+        </p:spPr>
+        <p:txBody>
+          <a:bodyPr wrap="none">
+            <a:spAutoFit/>
+          </a:bodyPr>
+          <a:lstStyle/>
+          <a:p>
+            <a:r>
+              <a:rPr lang="en-US" altLang="ja-JP" dirty="0">
+                <a:latin typeface="OCRB" panose="020B0609020202020204" pitchFamily="49" charset="0"/>
+              </a:rPr>
+              <a:t>Help</a:t>
+            </a:r>
+            <a:endParaRPr lang="ja-JP" altLang="en-US" dirty="0">
+              <a:latin typeface="OCRB" panose="020B0609020202020204" pitchFamily="49" charset="0"/>
+            </a:endParaRPr>
+          </a:p>
+        </p:txBody>
+      </p:sp>
+      <p:sp>
+        <p:nvSpPr>
+          <p:cNvPr id="8" name="角丸四角形 7"/>
+          <p:cNvSpPr/>
+          <p:nvPr/>
+        </p:nvSpPr>
+        <p:spPr>
+          <a:xfrm>
+            <a:off x="999280" y="2420888"/>
+            <a:ext cx="2160240" cy="3240360"/>
+          </a:xfrm>
+          <a:prstGeom prst="roundRect">
+            <a:avLst/>
+          </a:prstGeom>
+          <a:solidFill>
+            <a:schemeClr val="bg1"/>
+          </a:solidFill>
+          <a:ln w="9525">
+            <a:solidFill>
+              <a:schemeClr val="tx1"/>
+            </a:solidFill>
+          </a:ln>
+        </p:spPr>
+        <p:style>
+          <a:lnRef idx="2">
+            <a:schemeClr val="accent1">
+              <a:shade val="50000"/>
+            </a:schemeClr>
+          </a:lnRef>
+          <a:fillRef idx="1">
+            <a:schemeClr val="accent1"/>
+          </a:fillRef>
+          <a:effectRef idx="0">
+            <a:schemeClr val="accent1"/>
+          </a:effectRef>
+          <a:fontRef idx="minor">
+            <a:schemeClr val="lt1"/>
+          </a:fontRef>
+        </p:style>
+        <p:txBody>
+          <a:bodyPr rtlCol="0" anchor="ctr"/>
+          <a:lstStyle/>
+          <a:p>
+            <a:pPr algn="ctr"/>
+            <a:endParaRPr kumimoji="1" lang="ja-JP" altLang="en-US" sz="1400" dirty="0" smtClean="0">
+              <a:solidFill>
+                <a:schemeClr val="tx1"/>
+              </a:solidFill>
+            </a:endParaRPr>
           </a:p>
         </p:txBody>
       </p:sp>
       <p:pic>
         <p:nvPicPr>
-          <p:cNvPr id="4" name="図 3"/>
+          <p:cNvPr id="5" name="図 4"/>
           <p:cNvPicPr>
             <a:picLocks noChangeAspect="1"/>
           </p:cNvPicPr>
@@ -7979,18 +8982,340 @@
         </p:blipFill>
         <p:spPr>
           <a:xfrm>
-            <a:off x="2411760" y="1772816"/>
-            <a:ext cx="4320480" cy="3976352"/>
+            <a:off x="1339688" y="2607683"/>
+            <a:ext cx="1224136" cy="2866770"/>
           </a:xfrm>
           <a:prstGeom prst="rect">
             <a:avLst/>
           </a:prstGeom>
         </p:spPr>
       </p:pic>
+      <p:sp>
+        <p:nvSpPr>
+          <p:cNvPr id="18" name="角丸四角形 17"/>
+          <p:cNvSpPr/>
+          <p:nvPr/>
+        </p:nvSpPr>
+        <p:spPr>
+          <a:xfrm>
+            <a:off x="3491880" y="2420888"/>
+            <a:ext cx="2160240" cy="3240360"/>
+          </a:xfrm>
+          <a:prstGeom prst="roundRect">
+            <a:avLst/>
+          </a:prstGeom>
+          <a:solidFill>
+            <a:schemeClr val="bg1"/>
+          </a:solidFill>
+          <a:ln w="9525">
+            <a:solidFill>
+              <a:schemeClr val="tx1"/>
+            </a:solidFill>
+          </a:ln>
+        </p:spPr>
+        <p:style>
+          <a:lnRef idx="2">
+            <a:schemeClr val="accent1">
+              <a:shade val="50000"/>
+            </a:schemeClr>
+          </a:lnRef>
+          <a:fillRef idx="1">
+            <a:schemeClr val="accent1"/>
+          </a:fillRef>
+          <a:effectRef idx="0">
+            <a:schemeClr val="accent1"/>
+          </a:effectRef>
+          <a:fontRef idx="minor">
+            <a:schemeClr val="lt1"/>
+          </a:fontRef>
+        </p:style>
+        <p:txBody>
+          <a:bodyPr rtlCol="0" anchor="ctr"/>
+          <a:lstStyle/>
+          <a:p>
+            <a:pPr algn="ctr"/>
+            <a:endParaRPr kumimoji="1" lang="ja-JP" altLang="en-US" sz="1400" dirty="0" smtClean="0">
+              <a:solidFill>
+                <a:schemeClr val="tx1"/>
+              </a:solidFill>
+            </a:endParaRPr>
+          </a:p>
+        </p:txBody>
+      </p:sp>
+      <p:pic>
+        <p:nvPicPr>
+          <p:cNvPr id="6" name="図 5"/>
+          <p:cNvPicPr>
+            <a:picLocks noChangeAspect="1"/>
+          </p:cNvPicPr>
+          <p:nvPr/>
+        </p:nvPicPr>
+        <p:blipFill>
+          <a:blip r:embed="rId3">
+            <a:extLst>
+              <a:ext uri="{28A0092B-C50C-407E-A947-70E740481C1C}">
+                <a14:useLocalDpi xmlns:a14="http://schemas.microsoft.com/office/drawing/2010/main" val="0"/>
+              </a:ext>
+            </a:extLst>
+          </a:blip>
+          <a:stretch>
+            <a:fillRect/>
+          </a:stretch>
+        </p:blipFill>
+        <p:spPr>
+          <a:xfrm>
+            <a:off x="3623548" y="2523974"/>
+            <a:ext cx="1896904" cy="3034188"/>
+          </a:xfrm>
+          <a:prstGeom prst="rect">
+            <a:avLst/>
+          </a:prstGeom>
+        </p:spPr>
+      </p:pic>
+      <p:sp>
+        <p:nvSpPr>
+          <p:cNvPr id="19" name="角丸四角形 18"/>
+          <p:cNvSpPr/>
+          <p:nvPr/>
+        </p:nvSpPr>
+        <p:spPr>
+          <a:xfrm>
+            <a:off x="5984480" y="2420888"/>
+            <a:ext cx="2160240" cy="3240360"/>
+          </a:xfrm>
+          <a:prstGeom prst="roundRect">
+            <a:avLst/>
+          </a:prstGeom>
+          <a:solidFill>
+            <a:schemeClr val="bg1"/>
+          </a:solidFill>
+          <a:ln w="9525">
+            <a:solidFill>
+              <a:schemeClr val="tx1"/>
+            </a:solidFill>
+          </a:ln>
+        </p:spPr>
+        <p:style>
+          <a:lnRef idx="2">
+            <a:schemeClr val="accent1">
+              <a:shade val="50000"/>
+            </a:schemeClr>
+          </a:lnRef>
+          <a:fillRef idx="1">
+            <a:schemeClr val="accent1"/>
+          </a:fillRef>
+          <a:effectRef idx="0">
+            <a:schemeClr val="accent1"/>
+          </a:effectRef>
+          <a:fontRef idx="minor">
+            <a:schemeClr val="lt1"/>
+          </a:fontRef>
+        </p:style>
+        <p:txBody>
+          <a:bodyPr rtlCol="0" anchor="ctr"/>
+          <a:lstStyle/>
+          <a:p>
+            <a:pPr algn="ctr"/>
+            <a:endParaRPr kumimoji="1" lang="ja-JP" altLang="en-US" sz="1400" dirty="0" smtClean="0">
+              <a:solidFill>
+                <a:schemeClr val="tx1"/>
+              </a:solidFill>
+            </a:endParaRPr>
+          </a:p>
+        </p:txBody>
+      </p:sp>
+      <p:pic>
+        <p:nvPicPr>
+          <p:cNvPr id="7" name="図 6"/>
+          <p:cNvPicPr>
+            <a:picLocks noChangeAspect="1"/>
+          </p:cNvPicPr>
+          <p:nvPr/>
+        </p:nvPicPr>
+        <p:blipFill>
+          <a:blip r:embed="rId4">
+            <a:extLst>
+              <a:ext uri="{28A0092B-C50C-407E-A947-70E740481C1C}">
+                <a14:useLocalDpi xmlns:a14="http://schemas.microsoft.com/office/drawing/2010/main" val="0"/>
+              </a:ext>
+            </a:extLst>
+          </a:blip>
+          <a:stretch>
+            <a:fillRect/>
+          </a:stretch>
+        </p:blipFill>
+        <p:spPr>
+          <a:xfrm>
+            <a:off x="6580176" y="2536608"/>
+            <a:ext cx="1066949" cy="3008920"/>
+          </a:xfrm>
+          <a:prstGeom prst="rect">
+            <a:avLst/>
+          </a:prstGeom>
+        </p:spPr>
+      </p:pic>
+      <p:sp>
+        <p:nvSpPr>
+          <p:cNvPr id="9" name="四角形吹き出し 8"/>
+          <p:cNvSpPr/>
+          <p:nvPr/>
+        </p:nvSpPr>
+        <p:spPr>
+          <a:xfrm>
+            <a:off x="5098487" y="2307950"/>
+            <a:ext cx="1561745" cy="864096"/>
+          </a:xfrm>
+          <a:prstGeom prst="wedgeRectCallout">
+            <a:avLst>
+              <a:gd name="adj1" fmla="val 54045"/>
+              <a:gd name="adj2" fmla="val 76610"/>
+            </a:avLst>
+          </a:prstGeom>
+          <a:solidFill>
+            <a:schemeClr val="bg1"/>
+          </a:solidFill>
+          <a:ln w="9525">
+            <a:solidFill>
+              <a:schemeClr val="tx1"/>
+            </a:solidFill>
+          </a:ln>
+        </p:spPr>
+        <p:style>
+          <a:lnRef idx="2">
+            <a:schemeClr val="accent1">
+              <a:shade val="50000"/>
+            </a:schemeClr>
+          </a:lnRef>
+          <a:fillRef idx="1">
+            <a:schemeClr val="accent1"/>
+          </a:fillRef>
+          <a:effectRef idx="0">
+            <a:schemeClr val="accent1"/>
+          </a:effectRef>
+          <a:fontRef idx="minor">
+            <a:schemeClr val="lt1"/>
+          </a:fontRef>
+        </p:style>
+        <p:txBody>
+          <a:bodyPr rtlCol="0" anchor="ctr"/>
+          <a:lstStyle/>
+          <a:p>
+            <a:pPr algn="ctr"/>
+            <a:r>
+              <a:rPr kumimoji="1" lang="ja-JP" altLang="en-US" sz="1400" dirty="0" smtClean="0">
+                <a:solidFill>
+                  <a:schemeClr val="tx1"/>
+                </a:solidFill>
+              </a:rPr>
+              <a:t>スケジューラーをクリックで</a:t>
+            </a:r>
+            <a:endParaRPr kumimoji="1" lang="en-US" altLang="ja-JP" sz="1400" dirty="0" smtClean="0">
+              <a:solidFill>
+                <a:schemeClr val="tx1"/>
+              </a:solidFill>
+            </a:endParaRPr>
+          </a:p>
+          <a:p>
+            <a:pPr algn="ctr"/>
+            <a:r>
+              <a:rPr kumimoji="1" lang="ja-JP" altLang="en-US" sz="1400" dirty="0" smtClean="0">
+                <a:solidFill>
+                  <a:schemeClr val="tx1"/>
+                </a:solidFill>
+              </a:rPr>
+              <a:t>編集ページに飛ぶ</a:t>
+            </a:r>
+            <a:endParaRPr kumimoji="1" lang="ja-JP" altLang="en-US" sz="1400" dirty="0" smtClean="0">
+              <a:solidFill>
+                <a:schemeClr val="tx1"/>
+              </a:solidFill>
+            </a:endParaRPr>
+          </a:p>
+        </p:txBody>
+      </p:sp>
+      <p:sp>
+        <p:nvSpPr>
+          <p:cNvPr id="21" name="四角形吹き出し 20"/>
+          <p:cNvSpPr/>
+          <p:nvPr/>
+        </p:nvSpPr>
+        <p:spPr>
+          <a:xfrm>
+            <a:off x="251520" y="5474453"/>
+            <a:ext cx="2376264" cy="834867"/>
+          </a:xfrm>
+          <a:prstGeom prst="wedgeRectCallout">
+            <a:avLst>
+              <a:gd name="adj1" fmla="val 33348"/>
+              <a:gd name="adj2" fmla="val -82492"/>
+            </a:avLst>
+          </a:prstGeom>
+          <a:solidFill>
+            <a:schemeClr val="bg1"/>
+          </a:solidFill>
+          <a:ln w="9525">
+            <a:solidFill>
+              <a:schemeClr val="tx1"/>
+            </a:solidFill>
+          </a:ln>
+        </p:spPr>
+        <p:style>
+          <a:lnRef idx="2">
+            <a:schemeClr val="accent1">
+              <a:shade val="50000"/>
+            </a:schemeClr>
+          </a:lnRef>
+          <a:fillRef idx="1">
+            <a:schemeClr val="accent1"/>
+          </a:fillRef>
+          <a:effectRef idx="0">
+            <a:schemeClr val="accent1"/>
+          </a:effectRef>
+          <a:fontRef idx="minor">
+            <a:schemeClr val="lt1"/>
+          </a:fontRef>
+        </p:style>
+        <p:txBody>
+          <a:bodyPr rtlCol="0" anchor="ctr"/>
+          <a:lstStyle/>
+          <a:p>
+            <a:pPr algn="ctr"/>
+            <a:r>
+              <a:rPr kumimoji="1" lang="ja-JP" altLang="en-US" sz="1400" dirty="0" smtClean="0">
+                <a:solidFill>
+                  <a:schemeClr val="tx1"/>
+                </a:solidFill>
+              </a:rPr>
+              <a:t>ドラッグアンドドロップ</a:t>
+            </a:r>
+            <a:endParaRPr kumimoji="1" lang="en-US" altLang="ja-JP" sz="1400" dirty="0" smtClean="0">
+              <a:solidFill>
+                <a:schemeClr val="tx1"/>
+              </a:solidFill>
+            </a:endParaRPr>
+          </a:p>
+          <a:p>
+            <a:pPr algn="ctr"/>
+            <a:r>
+              <a:rPr lang="ja-JP" altLang="en-US" sz="1400" dirty="0" smtClean="0">
+                <a:solidFill>
+                  <a:schemeClr val="tx1"/>
+                </a:solidFill>
+              </a:rPr>
+              <a:t>で自由に配置を変更できる（予定）</a:t>
+            </a:r>
+            <a:endParaRPr kumimoji="1" lang="ja-JP" altLang="en-US" sz="1400" dirty="0" smtClean="0">
+              <a:solidFill>
+                <a:schemeClr val="tx1"/>
+              </a:solidFill>
+            </a:endParaRPr>
+          </a:p>
+        </p:txBody>
+      </p:sp>
     </p:spTree>
     <p:extLst>
       <p:ext uri="{BB962C8B-B14F-4D97-AF65-F5344CB8AC3E}">
-        <p14:creationId xmlns:p14="http://schemas.microsoft.com/office/powerpoint/2010/main" val="1427157456"/>
+        <p14:creationId xmlns:p14="http://schemas.microsoft.com/office/powerpoint/2010/main" val="2868452957"/>
       </p:ext>
     </p:extLst>
   </p:cSld>
@@ -8040,16 +9365,16 @@
           <a:lstStyle/>
           <a:p>
             <a:r>
-              <a:rPr lang="en-US" altLang="ja-JP" dirty="0" smtClean="0"/>
-              <a:t>Hel</a:t>
-            </a:r>
-            <a:r>
-              <a:rPr lang="en-US" altLang="ja-JP" dirty="0"/>
-              <a:t>p</a:t>
+              <a:rPr lang="ja-JP" altLang="en-US" dirty="0"/>
+              <a:t>ログイ</a:t>
+            </a:r>
+            <a:r>
+              <a:rPr lang="ja-JP" altLang="en-US" dirty="0" smtClean="0"/>
+              <a:t>ン後の</a:t>
             </a:r>
             <a:r>
               <a:rPr kumimoji="1" lang="ja-JP" altLang="en-US" dirty="0" smtClean="0"/>
-              <a:t>画面</a:t>
+              <a:t>画面②</a:t>
             </a:r>
             <a:endParaRPr kumimoji="1" lang="ja-JP" altLang="en-US" dirty="0"/>
           </a:p>
@@ -8368,13 +9693,13 @@
       </p:sp>
       <p:sp>
         <p:nvSpPr>
-          <p:cNvPr id="3" name="正方形/長方形 2"/>
+          <p:cNvPr id="7" name="正方形/長方形 6"/>
           <p:cNvSpPr/>
           <p:nvPr/>
         </p:nvSpPr>
         <p:spPr>
           <a:xfrm>
-            <a:off x="4418420" y="1732166"/>
+            <a:off x="4351240" y="1727520"/>
             <a:ext cx="742511" cy="369332"/>
           </a:xfrm>
           <a:prstGeom prst="rect">
@@ -8388,10 +9713,16 @@
           <a:lstStyle/>
           <a:p>
             <a:r>
+              <a:rPr lang="en-US" altLang="ja-JP" dirty="0" smtClean="0">
+                <a:latin typeface="OCRB" panose="020B0609020202020204" pitchFamily="49" charset="0"/>
+              </a:rPr>
+              <a:t>Hel</a:t>
+            </a:r>
+            <a:r>
               <a:rPr lang="en-US" altLang="ja-JP" dirty="0">
                 <a:latin typeface="OCRB" panose="020B0609020202020204" pitchFamily="49" charset="0"/>
               </a:rPr>
-              <a:t>Help</a:t>
+              <a:t>p</a:t>
             </a:r>
             <a:endParaRPr lang="ja-JP" altLang="en-US" dirty="0">
               <a:latin typeface="OCRB" panose="020B0609020202020204" pitchFamily="49" charset="0"/>
@@ -8399,19 +9730,52 @@
           </a:p>
         </p:txBody>
       </p:sp>
-      <p:sp>
-        <p:nvSpPr>
-          <p:cNvPr id="4" name="角丸四角形 3"/>
+      <p:pic>
+        <p:nvPicPr>
+          <p:cNvPr id="3" name="図 2"/>
+          <p:cNvPicPr>
+            <a:picLocks noChangeAspect="1"/>
+          </p:cNvPicPr>
+          <p:nvPr/>
+        </p:nvPicPr>
+        <p:blipFill>
+          <a:blip r:embed="rId2">
+            <a:extLst>
+              <a:ext uri="{28A0092B-C50C-407E-A947-70E740481C1C}">
+                <a14:useLocalDpi xmlns:a14="http://schemas.microsoft.com/office/drawing/2010/main" val="0"/>
+              </a:ext>
+            </a:extLst>
+          </a:blip>
+          <a:stretch>
+            <a:fillRect/>
+          </a:stretch>
+        </p:blipFill>
+        <p:spPr>
+          <a:xfrm>
+            <a:off x="2540155" y="2313753"/>
+            <a:ext cx="4063689" cy="3379238"/>
+          </a:xfrm>
+          <a:prstGeom prst="rect">
+            <a:avLst/>
+          </a:prstGeom>
+        </p:spPr>
+      </p:pic>
+      <p:sp>
+        <p:nvSpPr>
+          <p:cNvPr id="4" name="四角形吹き出し 3"/>
           <p:cNvSpPr/>
           <p:nvPr/>
         </p:nvSpPr>
         <p:spPr>
           <a:xfrm>
-            <a:off x="971600" y="2276872"/>
-            <a:ext cx="7246860" cy="1368152"/>
-          </a:xfrm>
-          <a:prstGeom prst="roundRect">
-            <a:avLst/>
+            <a:off x="1197151" y="3753036"/>
+            <a:ext cx="2107583" cy="1116124"/>
+          </a:xfrm>
+          <a:prstGeom prst="wedgeRectCallout">
+            <a:avLst>
+              <a:gd name="adj1" fmla="val 76269"/>
+              <a:gd name="adj2" fmla="val 42994"/>
+            </a:avLst>
           </a:prstGeom>
           <a:solidFill>
             <a:schemeClr val="bg1"/>
@@ -8444,178 +9808,47 @@
           <a:p>
             <a:pPr algn="ctr"/>
             <a:r>
-              <a:rPr kumimoji="1" lang="ja-JP" altLang="en-US" sz="1400" dirty="0" smtClean="0">
-                <a:solidFill>
-                  <a:schemeClr val="tx1"/>
-                </a:solidFill>
-              </a:rPr>
-              <a:t>機能の説明</a:t>
-            </a:r>
-            <a:r>
               <a:rPr kumimoji="1" lang="en-US" altLang="ja-JP" sz="1400" dirty="0" smtClean="0">
                 <a:solidFill>
                   <a:schemeClr val="tx1"/>
                 </a:solidFill>
               </a:rPr>
-              <a:t>/</a:t>
-            </a:r>
-            <a:r>
-              <a:rPr kumimoji="1" lang="ja-JP" altLang="en-US" sz="1400" dirty="0" smtClean="0">
-                <a:solidFill>
-                  <a:schemeClr val="tx1"/>
-                </a:solidFill>
-              </a:rPr>
-              <a:t>見方の説明</a:t>
-            </a:r>
-          </a:p>
-        </p:txBody>
-      </p:sp>
-      <p:sp>
-        <p:nvSpPr>
-          <p:cNvPr id="14" name="角丸四角形 13"/>
-          <p:cNvSpPr/>
-          <p:nvPr/>
-        </p:nvSpPr>
-        <p:spPr>
-          <a:xfrm>
-            <a:off x="948570" y="3728763"/>
-            <a:ext cx="7246860" cy="1368152"/>
-          </a:xfrm>
-          <a:prstGeom prst="roundRect">
-            <a:avLst/>
-          </a:prstGeom>
-          <a:solidFill>
-            <a:schemeClr val="bg1"/>
-          </a:solidFill>
-          <a:ln w="9525">
-            <a:solidFill>
-              <a:schemeClr val="tx1"/>
-            </a:solidFill>
-          </a:ln>
-        </p:spPr>
-        <p:style>
-          <a:lnRef idx="2">
-            <a:schemeClr val="accent1">
-              <a:shade val="50000"/>
-            </a:schemeClr>
-          </a:lnRef>
-          <a:fillRef idx="1">
-            <a:schemeClr val="accent1"/>
-          </a:fillRef>
-          <a:effectRef idx="0">
-            <a:schemeClr val="accent1"/>
-          </a:effectRef>
-          <a:fontRef idx="minor">
-            <a:schemeClr val="lt1"/>
-          </a:fontRef>
-        </p:style>
-        <p:txBody>
-          <a:bodyPr rtlCol="0" anchor="ctr"/>
-          <a:lstStyle/>
+              <a:t>Jquery-weekcalendar</a:t>
+            </a:r>
+          </a:p>
           <a:p>
             <a:pPr algn="ctr"/>
-            <a:r>
-              <a:rPr kumimoji="1" lang="ja-JP" altLang="en-US" sz="1400" dirty="0" smtClean="0">
-                <a:solidFill>
-                  <a:schemeClr val="tx1"/>
-                </a:solidFill>
-              </a:rPr>
-              <a:t>機能の説明</a:t>
-            </a:r>
-            <a:r>
-              <a:rPr kumimoji="1" lang="en-US" altLang="ja-JP" sz="1400" dirty="0" smtClean="0">
-                <a:solidFill>
-                  <a:schemeClr val="tx1"/>
-                </a:solidFill>
-              </a:rPr>
-              <a:t>/</a:t>
-            </a:r>
-            <a:r>
-              <a:rPr kumimoji="1" lang="ja-JP" altLang="en-US" sz="1400" dirty="0" smtClean="0">
-                <a:solidFill>
-                  <a:schemeClr val="tx1"/>
-                </a:solidFill>
-              </a:rPr>
-              <a:t>見方の説明</a:t>
-            </a:r>
-          </a:p>
-        </p:txBody>
-      </p:sp>
-      <p:sp>
-        <p:nvSpPr>
-          <p:cNvPr id="17" name="角丸四角形 16"/>
-          <p:cNvSpPr/>
-          <p:nvPr/>
-        </p:nvSpPr>
-        <p:spPr>
-          <a:xfrm>
-            <a:off x="939861" y="5193196"/>
-            <a:ext cx="7246860" cy="684076"/>
-          </a:xfrm>
-          <a:prstGeom prst="roundRect">
-            <a:avLst/>
-          </a:prstGeom>
-          <a:solidFill>
-            <a:schemeClr val="bg1"/>
-          </a:solidFill>
-          <a:ln w="9525">
-            <a:solidFill>
-              <a:schemeClr val="tx1"/>
-            </a:solidFill>
-          </a:ln>
-        </p:spPr>
-        <p:style>
-          <a:lnRef idx="2">
-            <a:schemeClr val="accent1">
-              <a:shade val="50000"/>
-            </a:schemeClr>
-          </a:lnRef>
-          <a:fillRef idx="1">
-            <a:schemeClr val="accent1"/>
-          </a:fillRef>
-          <a:effectRef idx="0">
-            <a:schemeClr val="accent1"/>
-          </a:effectRef>
-          <a:fontRef idx="minor">
-            <a:schemeClr val="lt1"/>
-          </a:fontRef>
-        </p:style>
-        <p:txBody>
-          <a:bodyPr rtlCol="0" anchor="ctr"/>
-          <a:lstStyle/>
-          <a:p>
-            <a:pPr algn="ctr"/>
-            <a:r>
-              <a:rPr lang="ja-JP" altLang="en-US" sz="1400" dirty="0">
-                <a:solidFill>
-                  <a:schemeClr val="tx1"/>
-                </a:solidFill>
-              </a:rPr>
-              <a:t>量</a:t>
-            </a:r>
             <a:r>
               <a:rPr lang="ja-JP" altLang="en-US" sz="1400" dirty="0" smtClean="0">
                 <a:solidFill>
                   <a:schemeClr val="tx1"/>
                 </a:solidFill>
               </a:rPr>
-              <a:t>によ</a:t>
-            </a:r>
-            <a:r>
-              <a:rPr lang="ja-JP" altLang="en-US" sz="1400" dirty="0">
-                <a:solidFill>
-                  <a:schemeClr val="tx1"/>
-                </a:solidFill>
-              </a:rPr>
-              <a:t>っ</a:t>
-            </a:r>
+              <a:t>を用いたスケジューラー</a:t>
+            </a:r>
+            <a:endParaRPr lang="en-US" altLang="ja-JP" sz="1400" dirty="0" smtClean="0">
+              <a:solidFill>
+                <a:schemeClr val="tx1"/>
+              </a:solidFill>
+            </a:endParaRPr>
+          </a:p>
+          <a:p>
+            <a:pPr algn="ctr"/>
+            <a:endParaRPr kumimoji="1" lang="en-US" altLang="ja-JP" sz="1400" dirty="0">
+              <a:solidFill>
+                <a:schemeClr val="tx1"/>
+              </a:solidFill>
+            </a:endParaRPr>
+          </a:p>
+          <a:p>
+            <a:pPr algn="ctr"/>
             <a:r>
               <a:rPr lang="ja-JP" altLang="en-US" sz="1400" dirty="0" smtClean="0">
                 <a:solidFill>
                   <a:schemeClr val="tx1"/>
                 </a:solidFill>
               </a:rPr>
-              <a:t>ては下にスクロール</a:t>
+              <a:t>ここで予定を編集できる</a:t>
             </a:r>
             <a:endParaRPr kumimoji="1" lang="ja-JP" altLang="en-US" sz="1400" dirty="0" smtClean="0">
               <a:solidFill>
@@ -8628,7 +9861,7 @@
     </p:spTree>
     <p:extLst>
       <p:ext uri="{BB962C8B-B14F-4D97-AF65-F5344CB8AC3E}">
-        <p14:creationId xmlns:p14="http://schemas.microsoft.com/office/powerpoint/2010/main" val="1457529735"/>
+        <p14:creationId xmlns:p14="http://schemas.microsoft.com/office/powerpoint/2010/main" val="785209243"/>
       </p:ext>
     </p:extLst>
   </p:cSld>

--- a/screen_image/04.画面設計.pptx
+++ b/screen_image/04.画面設計.pptx
@@ -13,9 +13,8 @@
     <p:sldId id="261" r:id="rId7"/>
     <p:sldId id="263" r:id="rId8"/>
     <p:sldId id="262" r:id="rId9"/>
-    <p:sldId id="266" r:id="rId10"/>
-    <p:sldId id="267" r:id="rId11"/>
-    <p:sldId id="264" r:id="rId12"/>
+    <p:sldId id="267" r:id="rId10"/>
+    <p:sldId id="264" r:id="rId11"/>
   </p:sldIdLst>
   <p:sldSz cx="9144000" cy="6858000" type="screen4x3"/>
   <p:notesSz cx="6858000" cy="9144000"/>
@@ -5022,86 +5021,6 @@
             </a:r>
             <a:r>
               <a:rPr lang="ja-JP" altLang="en-US" dirty="0" smtClean="0"/>
-              <a:t>（登録情</a:t>
-            </a:r>
-            <a:r>
-              <a:rPr lang="ja-JP" altLang="en-US" dirty="0" smtClean="0"/>
-              <a:t>報</a:t>
-            </a:r>
-            <a:r>
-              <a:rPr lang="ja-JP" altLang="en-US" dirty="0"/>
-              <a:t>閲覧</a:t>
-            </a:r>
-            <a:r>
-              <a:rPr lang="ja-JP" altLang="en-US" dirty="0" smtClean="0"/>
-              <a:t>ペ</a:t>
-            </a:r>
-            <a:r>
-              <a:rPr lang="ja-JP" altLang="en-US" dirty="0" smtClean="0"/>
-              <a:t>ージ）</a:t>
-            </a:r>
-            <a:endParaRPr kumimoji="1" lang="ja-JP" altLang="en-US" dirty="0"/>
-          </a:p>
-        </p:txBody>
-      </p:sp>
-    </p:spTree>
-    <p:extLst>
-      <p:ext uri="{BB962C8B-B14F-4D97-AF65-F5344CB8AC3E}">
-        <p14:creationId xmlns:p14="http://schemas.microsoft.com/office/powerpoint/2010/main" val="3742971240"/>
-      </p:ext>
-    </p:extLst>
-  </p:cSld>
-  <p:clrMapOvr>
-    <a:masterClrMapping/>
-  </p:clrMapOvr>
-  <p:timing>
-    <p:tnLst>
-      <p:par>
-        <p:cTn id="1" dur="indefinite" restart="never" nodeType="tmRoot"/>
-      </p:par>
-    </p:tnLst>
-  </p:timing>
-</p:sld>
-</file>
-
-<file path=ppt/slides/slide11.xml><?xml version="1.0" encoding="utf-8"?>
-<p:sld xmlns:a="http://schemas.openxmlformats.org/drawingml/2006/main" xmlns:r="http://schemas.openxmlformats.org/officeDocument/2006/relationships" xmlns:p="http://schemas.openxmlformats.org/presentationml/2006/main">
-  <p:cSld>
-    <p:spTree>
-      <p:nvGrpSpPr>
-        <p:cNvPr id="1" name=""/>
-        <p:cNvGrpSpPr/>
-        <p:nvPr/>
-      </p:nvGrpSpPr>
-      <p:grpSpPr>
-        <a:xfrm>
-          <a:off x="0" y="0"/>
-          <a:ext cx="0" cy="0"/>
-          <a:chOff x="0" y="0"/>
-          <a:chExt cx="0" cy="0"/>
-        </a:xfrm>
-      </p:grpSpPr>
-      <p:sp>
-        <p:nvSpPr>
-          <p:cNvPr id="2" name="タイトル 1"/>
-          <p:cNvSpPr>
-            <a:spLocks noGrp="1"/>
-          </p:cNvSpPr>
-          <p:nvPr>
-            <p:ph type="title"/>
-          </p:nvPr>
-        </p:nvSpPr>
-        <p:spPr/>
-        <p:txBody>
-          <a:bodyPr/>
-          <a:lstStyle/>
-          <a:p>
-            <a:r>
-              <a:rPr lang="en-US" altLang="ja-JP" dirty="0" smtClean="0"/>
-              <a:t>Profile</a:t>
-            </a:r>
-            <a:r>
-              <a:rPr lang="ja-JP" altLang="en-US" dirty="0" smtClean="0"/>
               <a:t>（登録情報編集ページ）</a:t>
             </a:r>
             <a:endParaRPr kumimoji="1" lang="ja-JP" altLang="en-US" dirty="0"/>
@@ -5110,7 +5029,7 @@
       </p:sp>
       <p:pic>
         <p:nvPicPr>
-          <p:cNvPr id="4" name="図 3"/>
+          <p:cNvPr id="13" name="図 12"/>
           <p:cNvPicPr>
             <a:picLocks noChangeAspect="1"/>
           </p:cNvPicPr>
@@ -5130,8 +5049,8 @@
         </p:blipFill>
         <p:spPr>
           <a:xfrm>
-            <a:off x="2411760" y="1772816"/>
-            <a:ext cx="4320480" cy="3976352"/>
+            <a:off x="244662" y="1700807"/>
+            <a:ext cx="8686336" cy="4372651"/>
           </a:xfrm>
           <a:prstGeom prst="rect">
             <a:avLst/>
@@ -5202,366 +5121,16 @@
           </a:p>
         </p:txBody>
       </p:sp>
-      <p:sp>
-        <p:nvSpPr>
-          <p:cNvPr id="10" name="正方形/長方形 9"/>
-          <p:cNvSpPr/>
-          <p:nvPr/>
-        </p:nvSpPr>
-        <p:spPr>
-          <a:xfrm>
-            <a:off x="827584" y="1628800"/>
-            <a:ext cx="7488832" cy="4248472"/>
-          </a:xfrm>
-          <a:prstGeom prst="rect">
-            <a:avLst/>
-          </a:prstGeom>
-          <a:solidFill>
-            <a:schemeClr val="bg1"/>
-          </a:solidFill>
-          <a:ln w="9525">
-            <a:solidFill>
-              <a:schemeClr val="tx1"/>
-            </a:solidFill>
-          </a:ln>
-        </p:spPr>
-        <p:style>
-          <a:lnRef idx="2">
-            <a:schemeClr val="accent1">
-              <a:shade val="50000"/>
-            </a:schemeClr>
-          </a:lnRef>
-          <a:fillRef idx="1">
-            <a:schemeClr val="accent1"/>
-          </a:fillRef>
-          <a:effectRef idx="0">
-            <a:schemeClr val="accent1"/>
-          </a:effectRef>
-          <a:fontRef idx="minor">
-            <a:schemeClr val="lt1"/>
-          </a:fontRef>
-        </p:style>
-        <p:txBody>
-          <a:bodyPr rtlCol="0" anchor="ctr"/>
-          <a:lstStyle/>
-          <a:p>
-            <a:pPr algn="ctr"/>
-            <a:endParaRPr kumimoji="1" lang="ja-JP" altLang="en-US" sz="1400" dirty="0" smtClean="0">
-              <a:solidFill>
-                <a:schemeClr val="tx1"/>
-              </a:solidFill>
-            </a:endParaRPr>
-          </a:p>
-        </p:txBody>
-      </p:sp>
-      <p:sp>
-        <p:nvSpPr>
-          <p:cNvPr id="11" name="正方形/長方形 10"/>
-          <p:cNvSpPr/>
-          <p:nvPr/>
-        </p:nvSpPr>
-        <p:spPr>
-          <a:xfrm>
-            <a:off x="827584" y="1628800"/>
-            <a:ext cx="7488832" cy="576064"/>
-          </a:xfrm>
-          <a:prstGeom prst="rect">
-            <a:avLst/>
-          </a:prstGeom>
-          <a:solidFill>
-            <a:schemeClr val="bg1"/>
-          </a:solidFill>
-          <a:ln w="9525">
-            <a:solidFill>
-              <a:schemeClr val="tx1"/>
-            </a:solidFill>
-          </a:ln>
-        </p:spPr>
-        <p:style>
-          <a:lnRef idx="2">
-            <a:schemeClr val="accent1">
-              <a:shade val="50000"/>
-            </a:schemeClr>
-          </a:lnRef>
-          <a:fillRef idx="1">
-            <a:schemeClr val="accent1"/>
-          </a:fillRef>
-          <a:effectRef idx="0">
-            <a:schemeClr val="accent1"/>
-          </a:effectRef>
-          <a:fontRef idx="minor">
-            <a:schemeClr val="lt1"/>
-          </a:fontRef>
-        </p:style>
-        <p:txBody>
-          <a:bodyPr rtlCol="0" anchor="ctr"/>
-          <a:lstStyle/>
-          <a:p>
-            <a:pPr algn="ctr"/>
-            <a:endParaRPr kumimoji="1" lang="ja-JP" altLang="en-US" sz="1400" dirty="0" smtClean="0">
-              <a:solidFill>
-                <a:schemeClr val="tx1"/>
-              </a:solidFill>
-            </a:endParaRPr>
-          </a:p>
-        </p:txBody>
-      </p:sp>
-      <p:sp>
-        <p:nvSpPr>
-          <p:cNvPr id="12" name="テキスト ボックス 11"/>
-          <p:cNvSpPr txBox="1"/>
-          <p:nvPr/>
-        </p:nvSpPr>
-        <p:spPr>
-          <a:xfrm>
-            <a:off x="873115" y="1732166"/>
-            <a:ext cx="648072" cy="369332"/>
-          </a:xfrm>
-          <a:prstGeom prst="rect">
-            <a:avLst/>
-          </a:prstGeom>
-          <a:solidFill>
-            <a:schemeClr val="bg1"/>
-          </a:solidFill>
-          <a:ln>
-            <a:solidFill>
-              <a:schemeClr val="bg1"/>
-            </a:solidFill>
-          </a:ln>
-        </p:spPr>
-        <p:txBody>
-          <a:bodyPr wrap="square" rtlCol="0">
-            <a:spAutoFit/>
-          </a:bodyPr>
-          <a:lstStyle/>
-          <a:p>
-            <a:pPr algn="ctr"/>
-            <a:r>
-              <a:rPr kumimoji="1" lang="en-US" altLang="ja-JP" b="1" dirty="0" smtClean="0">
-                <a:latin typeface="OCRB" panose="020B0609020202020204" pitchFamily="49" charset="0"/>
-              </a:rPr>
-              <a:t>WLF</a:t>
-            </a:r>
-            <a:endParaRPr kumimoji="1" lang="ja-JP" altLang="en-US" b="1" dirty="0" smtClean="0">
-              <a:latin typeface="OCRB" panose="020B0609020202020204" pitchFamily="49" charset="0"/>
-            </a:endParaRPr>
-          </a:p>
-        </p:txBody>
-      </p:sp>
-      <p:sp>
-        <p:nvSpPr>
-          <p:cNvPr id="13" name="テキスト ボックス 12"/>
-          <p:cNvSpPr txBox="1"/>
-          <p:nvPr/>
-        </p:nvSpPr>
-        <p:spPr>
-          <a:xfrm>
-            <a:off x="1563760" y="1732166"/>
-            <a:ext cx="775992" cy="369332"/>
-          </a:xfrm>
-          <a:prstGeom prst="rect">
-            <a:avLst/>
-          </a:prstGeom>
-          <a:solidFill>
-            <a:schemeClr val="bg1"/>
-          </a:solidFill>
-        </p:spPr>
-        <p:txBody>
-          <a:bodyPr wrap="square" rtlCol="0">
-            <a:spAutoFit/>
-          </a:bodyPr>
-          <a:lstStyle/>
-          <a:p>
-            <a:r>
-              <a:rPr kumimoji="1" lang="en-US" altLang="ja-JP" dirty="0" smtClean="0">
-                <a:latin typeface="OCRB" panose="020B0609020202020204" pitchFamily="49" charset="0"/>
-              </a:rPr>
-              <a:t>Work</a:t>
-            </a:r>
-            <a:endParaRPr kumimoji="1" lang="ja-JP" altLang="en-US" dirty="0" smtClean="0">
-              <a:latin typeface="OCRB" panose="020B0609020202020204" pitchFamily="49" charset="0"/>
-            </a:endParaRPr>
-          </a:p>
-        </p:txBody>
-      </p:sp>
-      <p:sp>
-        <p:nvSpPr>
-          <p:cNvPr id="15" name="正方形/長方形 14"/>
-          <p:cNvSpPr/>
-          <p:nvPr/>
-        </p:nvSpPr>
-        <p:spPr>
-          <a:xfrm>
-            <a:off x="2382325" y="1732710"/>
-            <a:ext cx="881973" cy="369332"/>
-          </a:xfrm>
-          <a:prstGeom prst="rect">
-            <a:avLst/>
-          </a:prstGeom>
-        </p:spPr>
-        <p:txBody>
-          <a:bodyPr wrap="none">
-            <a:spAutoFit/>
-          </a:bodyPr>
-          <a:lstStyle/>
-          <a:p>
-            <a:r>
-              <a:rPr lang="en-US" altLang="ja-JP" dirty="0" smtClean="0">
-                <a:latin typeface="OCRB" panose="020B0609020202020204" pitchFamily="49" charset="0"/>
-              </a:rPr>
-              <a:t>Abou</a:t>
-            </a:r>
-            <a:r>
-              <a:rPr lang="en-US" altLang="ja-JP" dirty="0">
-                <a:latin typeface="OCRB" panose="020B0609020202020204" pitchFamily="49" charset="0"/>
-              </a:rPr>
-              <a:t>t</a:t>
-            </a:r>
-            <a:endParaRPr lang="ja-JP" altLang="en-US" dirty="0">
-              <a:latin typeface="OCRB" panose="020B0609020202020204" pitchFamily="49" charset="0"/>
-            </a:endParaRPr>
-          </a:p>
-        </p:txBody>
-      </p:sp>
-      <p:sp>
-        <p:nvSpPr>
-          <p:cNvPr id="16" name="正方形/長方形 15"/>
-          <p:cNvSpPr/>
-          <p:nvPr/>
-        </p:nvSpPr>
-        <p:spPr>
-          <a:xfrm>
-            <a:off x="3304734" y="1732166"/>
-            <a:ext cx="1160895" cy="369332"/>
-          </a:xfrm>
-          <a:prstGeom prst="rect">
-            <a:avLst/>
-          </a:prstGeom>
-        </p:spPr>
-        <p:txBody>
-          <a:bodyPr wrap="none">
-            <a:spAutoFit/>
-          </a:bodyPr>
-          <a:lstStyle/>
-          <a:p>
-            <a:r>
-              <a:rPr lang="en-US" altLang="ja-JP" dirty="0" smtClean="0">
-                <a:latin typeface="OCRB" panose="020B0609020202020204" pitchFamily="49" charset="0"/>
-              </a:rPr>
-              <a:t>Contac</a:t>
-            </a:r>
-            <a:r>
-              <a:rPr lang="en-US" altLang="ja-JP" dirty="0">
-                <a:latin typeface="OCRB" panose="020B0609020202020204" pitchFamily="49" charset="0"/>
-              </a:rPr>
-              <a:t>t</a:t>
-            </a:r>
-            <a:endParaRPr lang="ja-JP" altLang="en-US" dirty="0">
-              <a:latin typeface="OCRB" panose="020B0609020202020204" pitchFamily="49" charset="0"/>
-            </a:endParaRPr>
-          </a:p>
-        </p:txBody>
-      </p:sp>
-      <p:sp>
-        <p:nvSpPr>
-          <p:cNvPr id="20" name="正方形/長方形 19"/>
-          <p:cNvSpPr/>
-          <p:nvPr/>
-        </p:nvSpPr>
-        <p:spPr>
-          <a:xfrm>
-            <a:off x="7057565" y="1732166"/>
-            <a:ext cx="1160895" cy="369332"/>
-          </a:xfrm>
-          <a:prstGeom prst="rect">
-            <a:avLst/>
-          </a:prstGeom>
-        </p:spPr>
-        <p:txBody>
-          <a:bodyPr wrap="none">
-            <a:spAutoFit/>
-          </a:bodyPr>
-          <a:lstStyle/>
-          <a:p>
-            <a:r>
-              <a:rPr lang="en-US" altLang="ja-JP" dirty="0" smtClean="0">
-                <a:latin typeface="OCRB" panose="020B0609020202020204" pitchFamily="49" charset="0"/>
-              </a:rPr>
-              <a:t>Sign</a:t>
-            </a:r>
-            <a:r>
-              <a:rPr lang="ja-JP" altLang="en-US" dirty="0">
-                <a:latin typeface="OCRB" panose="020B0609020202020204" pitchFamily="49" charset="0"/>
-              </a:rPr>
-              <a:t> </a:t>
-            </a:r>
-            <a:r>
-              <a:rPr lang="en-US" altLang="ja-JP" dirty="0" smtClean="0">
-                <a:latin typeface="OCRB" panose="020B0609020202020204" pitchFamily="49" charset="0"/>
-              </a:rPr>
-              <a:t>i</a:t>
-            </a:r>
-            <a:r>
-              <a:rPr lang="en-US" altLang="ja-JP" dirty="0">
-                <a:latin typeface="OCRB" panose="020B0609020202020204" pitchFamily="49" charset="0"/>
-              </a:rPr>
-              <a:t>n</a:t>
-            </a:r>
-            <a:endParaRPr lang="ja-JP" altLang="en-US" dirty="0">
-              <a:latin typeface="OCRB" panose="020B0609020202020204" pitchFamily="49" charset="0"/>
-            </a:endParaRPr>
-          </a:p>
-        </p:txBody>
-      </p:sp>
-      <p:sp>
-        <p:nvSpPr>
-          <p:cNvPr id="7" name="正方形/長方形 6"/>
-          <p:cNvSpPr/>
-          <p:nvPr/>
-        </p:nvSpPr>
-        <p:spPr>
-          <a:xfrm>
-            <a:off x="4351240" y="1727520"/>
-            <a:ext cx="742511" cy="369332"/>
-          </a:xfrm>
-          <a:prstGeom prst="rect">
-            <a:avLst/>
-          </a:prstGeom>
-        </p:spPr>
-        <p:txBody>
-          <a:bodyPr wrap="none">
-            <a:spAutoFit/>
-          </a:bodyPr>
-          <a:lstStyle/>
-          <a:p>
-            <a:r>
-              <a:rPr lang="en-US" altLang="ja-JP" dirty="0" smtClean="0">
-                <a:latin typeface="OCRB" panose="020B0609020202020204" pitchFamily="49" charset="0"/>
-              </a:rPr>
-              <a:t>Hel</a:t>
-            </a:r>
-            <a:r>
-              <a:rPr lang="en-US" altLang="ja-JP" dirty="0">
-                <a:latin typeface="OCRB" panose="020B0609020202020204" pitchFamily="49" charset="0"/>
-              </a:rPr>
-              <a:t>p</a:t>
-            </a:r>
-            <a:endParaRPr lang="ja-JP" altLang="en-US" dirty="0">
-              <a:latin typeface="OCRB" panose="020B0609020202020204" pitchFamily="49" charset="0"/>
-            </a:endParaRPr>
-          </a:p>
-        </p:txBody>
-      </p:sp>
       <p:pic>
         <p:nvPicPr>
-          <p:cNvPr id="3" name="図 2"/>
+          <p:cNvPr id="5" name="図 4"/>
           <p:cNvPicPr>
             <a:picLocks noChangeAspect="1"/>
           </p:cNvPicPr>
           <p:nvPr/>
         </p:nvPicPr>
         <p:blipFill>
-          <a:blip r:embed="rId2" cstate="print">
+          <a:blip r:embed="rId2">
             <a:extLst>
               <a:ext uri="{28A0092B-C50C-407E-A947-70E740481C1C}">
                 <a14:useLocalDpi xmlns:a14="http://schemas.microsoft.com/office/drawing/2010/main" val="0"/>
@@ -5574,8 +5143,8 @@
         </p:blipFill>
         <p:spPr>
           <a:xfrm>
-            <a:off x="899327" y="2254224"/>
-            <a:ext cx="7345346" cy="3573688"/>
+            <a:off x="259251" y="1700808"/>
+            <a:ext cx="8625497" cy="4392488"/>
           </a:xfrm>
           <a:prstGeom prst="rect">
             <a:avLst/>
@@ -5621,350 +5190,6 @@
       </p:grpSpPr>
       <p:sp>
         <p:nvSpPr>
-          <p:cNvPr id="13" name="正方形/長方形 12"/>
-          <p:cNvSpPr/>
-          <p:nvPr/>
-        </p:nvSpPr>
-        <p:spPr>
-          <a:xfrm>
-            <a:off x="827584" y="1628800"/>
-            <a:ext cx="7488832" cy="4248472"/>
-          </a:xfrm>
-          <a:prstGeom prst="rect">
-            <a:avLst/>
-          </a:prstGeom>
-          <a:solidFill>
-            <a:schemeClr val="bg1"/>
-          </a:solidFill>
-          <a:ln w="9525">
-            <a:solidFill>
-              <a:schemeClr val="tx1"/>
-            </a:solidFill>
-          </a:ln>
-        </p:spPr>
-        <p:style>
-          <a:lnRef idx="2">
-            <a:schemeClr val="accent1">
-              <a:shade val="50000"/>
-            </a:schemeClr>
-          </a:lnRef>
-          <a:fillRef idx="1">
-            <a:schemeClr val="accent1"/>
-          </a:fillRef>
-          <a:effectRef idx="0">
-            <a:schemeClr val="accent1"/>
-          </a:effectRef>
-          <a:fontRef idx="minor">
-            <a:schemeClr val="lt1"/>
-          </a:fontRef>
-        </p:style>
-        <p:txBody>
-          <a:bodyPr rtlCol="0" anchor="ctr"/>
-          <a:lstStyle/>
-          <a:p>
-            <a:pPr algn="ctr"/>
-            <a:endParaRPr kumimoji="1" lang="ja-JP" altLang="en-US" sz="1400" dirty="0" smtClean="0">
-              <a:solidFill>
-                <a:schemeClr val="tx1"/>
-              </a:solidFill>
-            </a:endParaRPr>
-          </a:p>
-        </p:txBody>
-      </p:sp>
-      <p:sp>
-        <p:nvSpPr>
-          <p:cNvPr id="14" name="正方形/長方形 13"/>
-          <p:cNvSpPr/>
-          <p:nvPr/>
-        </p:nvSpPr>
-        <p:spPr>
-          <a:xfrm>
-            <a:off x="827584" y="1628800"/>
-            <a:ext cx="7488832" cy="576064"/>
-          </a:xfrm>
-          <a:prstGeom prst="rect">
-            <a:avLst/>
-          </a:prstGeom>
-          <a:solidFill>
-            <a:schemeClr val="bg1"/>
-          </a:solidFill>
-          <a:ln w="9525">
-            <a:solidFill>
-              <a:schemeClr val="tx1"/>
-            </a:solidFill>
-          </a:ln>
-        </p:spPr>
-        <p:style>
-          <a:lnRef idx="2">
-            <a:schemeClr val="accent1">
-              <a:shade val="50000"/>
-            </a:schemeClr>
-          </a:lnRef>
-          <a:fillRef idx="1">
-            <a:schemeClr val="accent1"/>
-          </a:fillRef>
-          <a:effectRef idx="0">
-            <a:schemeClr val="accent1"/>
-          </a:effectRef>
-          <a:fontRef idx="minor">
-            <a:schemeClr val="lt1"/>
-          </a:fontRef>
-        </p:style>
-        <p:txBody>
-          <a:bodyPr rtlCol="0" anchor="ctr"/>
-          <a:lstStyle/>
-          <a:p>
-            <a:pPr algn="ctr"/>
-            <a:endParaRPr kumimoji="1" lang="ja-JP" altLang="en-US" sz="1400" dirty="0" smtClean="0">
-              <a:solidFill>
-                <a:schemeClr val="tx1"/>
-              </a:solidFill>
-            </a:endParaRPr>
-          </a:p>
-        </p:txBody>
-      </p:sp>
-      <p:sp>
-        <p:nvSpPr>
-          <p:cNvPr id="15" name="テキスト ボックス 14"/>
-          <p:cNvSpPr txBox="1"/>
-          <p:nvPr/>
-        </p:nvSpPr>
-        <p:spPr>
-          <a:xfrm>
-            <a:off x="873115" y="1732166"/>
-            <a:ext cx="648072" cy="369332"/>
-          </a:xfrm>
-          <a:prstGeom prst="rect">
-            <a:avLst/>
-          </a:prstGeom>
-          <a:solidFill>
-            <a:schemeClr val="bg1"/>
-          </a:solidFill>
-          <a:ln>
-            <a:solidFill>
-              <a:schemeClr val="bg1"/>
-            </a:solidFill>
-          </a:ln>
-        </p:spPr>
-        <p:txBody>
-          <a:bodyPr wrap="square" rtlCol="0">
-            <a:spAutoFit/>
-          </a:bodyPr>
-          <a:lstStyle/>
-          <a:p>
-            <a:pPr algn="ctr"/>
-            <a:r>
-              <a:rPr kumimoji="1" lang="en-US" altLang="ja-JP" b="1" dirty="0" smtClean="0">
-                <a:latin typeface="OCRB" panose="020B0609020202020204" pitchFamily="49" charset="0"/>
-              </a:rPr>
-              <a:t>WLF</a:t>
-            </a:r>
-            <a:endParaRPr kumimoji="1" lang="ja-JP" altLang="en-US" b="1" dirty="0" smtClean="0">
-              <a:latin typeface="OCRB" panose="020B0609020202020204" pitchFamily="49" charset="0"/>
-            </a:endParaRPr>
-          </a:p>
-        </p:txBody>
-      </p:sp>
-      <p:sp>
-        <p:nvSpPr>
-          <p:cNvPr id="16" name="テキスト ボックス 15"/>
-          <p:cNvSpPr txBox="1"/>
-          <p:nvPr/>
-        </p:nvSpPr>
-        <p:spPr>
-          <a:xfrm>
-            <a:off x="1563760" y="1732166"/>
-            <a:ext cx="775992" cy="369332"/>
-          </a:xfrm>
-          <a:prstGeom prst="rect">
-            <a:avLst/>
-          </a:prstGeom>
-          <a:solidFill>
-            <a:schemeClr val="bg1"/>
-          </a:solidFill>
-        </p:spPr>
-        <p:txBody>
-          <a:bodyPr wrap="square" rtlCol="0">
-            <a:spAutoFit/>
-          </a:bodyPr>
-          <a:lstStyle/>
-          <a:p>
-            <a:r>
-              <a:rPr kumimoji="1" lang="en-US" altLang="ja-JP" dirty="0" smtClean="0">
-                <a:latin typeface="OCRB" panose="020B0609020202020204" pitchFamily="49" charset="0"/>
-              </a:rPr>
-              <a:t>Work</a:t>
-            </a:r>
-            <a:endParaRPr kumimoji="1" lang="ja-JP" altLang="en-US" dirty="0" smtClean="0">
-              <a:latin typeface="OCRB" panose="020B0609020202020204" pitchFamily="49" charset="0"/>
-            </a:endParaRPr>
-          </a:p>
-        </p:txBody>
-      </p:sp>
-      <p:sp>
-        <p:nvSpPr>
-          <p:cNvPr id="17" name="正方形/長方形 16"/>
-          <p:cNvSpPr/>
-          <p:nvPr/>
-        </p:nvSpPr>
-        <p:spPr>
-          <a:xfrm>
-            <a:off x="2382325" y="1732710"/>
-            <a:ext cx="881973" cy="369332"/>
-          </a:xfrm>
-          <a:prstGeom prst="rect">
-            <a:avLst/>
-          </a:prstGeom>
-        </p:spPr>
-        <p:txBody>
-          <a:bodyPr wrap="none">
-            <a:spAutoFit/>
-          </a:bodyPr>
-          <a:lstStyle/>
-          <a:p>
-            <a:r>
-              <a:rPr lang="en-US" altLang="ja-JP" dirty="0" smtClean="0">
-                <a:latin typeface="OCRB" panose="020B0609020202020204" pitchFamily="49" charset="0"/>
-              </a:rPr>
-              <a:t>Abou</a:t>
-            </a:r>
-            <a:r>
-              <a:rPr lang="en-US" altLang="ja-JP" dirty="0">
-                <a:latin typeface="OCRB" panose="020B0609020202020204" pitchFamily="49" charset="0"/>
-              </a:rPr>
-              <a:t>t</a:t>
-            </a:r>
-            <a:endParaRPr lang="ja-JP" altLang="en-US" dirty="0">
-              <a:latin typeface="OCRB" panose="020B0609020202020204" pitchFamily="49" charset="0"/>
-            </a:endParaRPr>
-          </a:p>
-        </p:txBody>
-      </p:sp>
-      <p:sp>
-        <p:nvSpPr>
-          <p:cNvPr id="18" name="正方形/長方形 17"/>
-          <p:cNvSpPr/>
-          <p:nvPr/>
-        </p:nvSpPr>
-        <p:spPr>
-          <a:xfrm>
-            <a:off x="3304734" y="1732166"/>
-            <a:ext cx="1160895" cy="369332"/>
-          </a:xfrm>
-          <a:prstGeom prst="rect">
-            <a:avLst/>
-          </a:prstGeom>
-        </p:spPr>
-        <p:txBody>
-          <a:bodyPr wrap="none">
-            <a:spAutoFit/>
-          </a:bodyPr>
-          <a:lstStyle/>
-          <a:p>
-            <a:r>
-              <a:rPr lang="en-US" altLang="ja-JP" dirty="0" smtClean="0">
-                <a:latin typeface="OCRB" panose="020B0609020202020204" pitchFamily="49" charset="0"/>
-              </a:rPr>
-              <a:t>Contac</a:t>
-            </a:r>
-            <a:r>
-              <a:rPr lang="en-US" altLang="ja-JP" dirty="0">
-                <a:latin typeface="OCRB" panose="020B0609020202020204" pitchFamily="49" charset="0"/>
-              </a:rPr>
-              <a:t>t</a:t>
-            </a:r>
-            <a:endParaRPr lang="ja-JP" altLang="en-US" dirty="0">
-              <a:latin typeface="OCRB" panose="020B0609020202020204" pitchFamily="49" charset="0"/>
-            </a:endParaRPr>
-          </a:p>
-        </p:txBody>
-      </p:sp>
-      <p:sp>
-        <p:nvSpPr>
-          <p:cNvPr id="19" name="正方形/長方形 18"/>
-          <p:cNvSpPr/>
-          <p:nvPr/>
-        </p:nvSpPr>
-        <p:spPr>
-          <a:xfrm>
-            <a:off x="7057565" y="1732166"/>
-            <a:ext cx="1160895" cy="369332"/>
-          </a:xfrm>
-          <a:prstGeom prst="rect">
-            <a:avLst/>
-          </a:prstGeom>
-        </p:spPr>
-        <p:txBody>
-          <a:bodyPr wrap="none">
-            <a:spAutoFit/>
-          </a:bodyPr>
-          <a:lstStyle/>
-          <a:p>
-            <a:r>
-              <a:rPr lang="en-US" altLang="ja-JP" dirty="0" smtClean="0">
-                <a:latin typeface="OCRB" panose="020B0609020202020204" pitchFamily="49" charset="0"/>
-              </a:rPr>
-              <a:t>Sign</a:t>
-            </a:r>
-            <a:r>
-              <a:rPr lang="ja-JP" altLang="en-US" dirty="0">
-                <a:latin typeface="OCRB" panose="020B0609020202020204" pitchFamily="49" charset="0"/>
-              </a:rPr>
-              <a:t> </a:t>
-            </a:r>
-            <a:r>
-              <a:rPr lang="en-US" altLang="ja-JP" dirty="0" smtClean="0">
-                <a:latin typeface="OCRB" panose="020B0609020202020204" pitchFamily="49" charset="0"/>
-              </a:rPr>
-              <a:t>i</a:t>
-            </a:r>
-            <a:r>
-              <a:rPr lang="en-US" altLang="ja-JP" dirty="0">
-                <a:latin typeface="OCRB" panose="020B0609020202020204" pitchFamily="49" charset="0"/>
-              </a:rPr>
-              <a:t>n</a:t>
-            </a:r>
-            <a:endParaRPr lang="ja-JP" altLang="en-US" dirty="0">
-              <a:latin typeface="OCRB" panose="020B0609020202020204" pitchFamily="49" charset="0"/>
-            </a:endParaRPr>
-          </a:p>
-        </p:txBody>
-      </p:sp>
-      <p:sp>
-        <p:nvSpPr>
-          <p:cNvPr id="20" name="正方形/長方形 19"/>
-          <p:cNvSpPr/>
-          <p:nvPr/>
-        </p:nvSpPr>
-        <p:spPr>
-          <a:xfrm>
-            <a:off x="4418420" y="1732166"/>
-            <a:ext cx="742511" cy="369332"/>
-          </a:xfrm>
-          <a:prstGeom prst="rect">
-            <a:avLst/>
-          </a:prstGeom>
-        </p:spPr>
-        <p:txBody>
-          <a:bodyPr wrap="none">
-            <a:spAutoFit/>
-          </a:bodyPr>
-          <a:lstStyle/>
-          <a:p>
-            <a:r>
-              <a:rPr lang="en-US" altLang="ja-JP" dirty="0">
-                <a:latin typeface="OCRB" panose="020B0609020202020204" pitchFamily="49" charset="0"/>
-              </a:rPr>
-              <a:t>Help</a:t>
-            </a:r>
-            <a:endParaRPr lang="ja-JP" altLang="en-US" dirty="0">
-              <a:latin typeface="OCRB" panose="020B0609020202020204" pitchFamily="49" charset="0"/>
-            </a:endParaRPr>
-          </a:p>
-        </p:txBody>
-      </p:sp>
-      <p:sp>
-        <p:nvSpPr>
           <p:cNvPr id="2" name="タイトル 1"/>
           <p:cNvSpPr>
             <a:spLocks noGrp="1"/>
@@ -5996,7 +5221,7 @@
       </p:sp>
       <p:pic>
         <p:nvPicPr>
-          <p:cNvPr id="21" name="図 20"/>
+          <p:cNvPr id="22" name="図 21"/>
           <p:cNvPicPr>
             <a:picLocks noChangeAspect="1"/>
           </p:cNvPicPr>
@@ -6016,8 +5241,8 @@
         </p:blipFill>
         <p:spPr>
           <a:xfrm>
-            <a:off x="1329981" y="2344630"/>
-            <a:ext cx="6484038" cy="3392876"/>
+            <a:off x="259251" y="1700808"/>
+            <a:ext cx="8625497" cy="4403831"/>
           </a:xfrm>
           <a:prstGeom prst="rect">
             <a:avLst/>
@@ -6104,1006 +5329,36 @@
           </a:p>
         </p:txBody>
       </p:sp>
-      <p:sp>
-        <p:nvSpPr>
-          <p:cNvPr id="10" name="正方形/長方形 9"/>
-          <p:cNvSpPr/>
+      <p:pic>
+        <p:nvPicPr>
+          <p:cNvPr id="34" name="図 33"/>
+          <p:cNvPicPr>
+            <a:picLocks noChangeAspect="1"/>
+          </p:cNvPicPr>
           <p:nvPr/>
-        </p:nvSpPr>
+        </p:nvPicPr>
+        <p:blipFill>
+          <a:blip r:embed="rId2">
+            <a:extLst>
+              <a:ext uri="{28A0092B-C50C-407E-A947-70E740481C1C}">
+                <a14:useLocalDpi xmlns:a14="http://schemas.microsoft.com/office/drawing/2010/main" val="0"/>
+              </a:ext>
+            </a:extLst>
+          </a:blip>
+          <a:stretch>
+            <a:fillRect/>
+          </a:stretch>
+        </p:blipFill>
         <p:spPr>
           <a:xfrm>
-            <a:off x="863588" y="1628800"/>
-            <a:ext cx="7488832" cy="4248472"/>
+            <a:off x="241185" y="1700808"/>
+            <a:ext cx="8661629" cy="4403831"/>
           </a:xfrm>
           <a:prstGeom prst="rect">
             <a:avLst/>
           </a:prstGeom>
-          <a:solidFill>
-            <a:schemeClr val="bg1"/>
-          </a:solidFill>
-          <a:ln w="9525">
-            <a:solidFill>
-              <a:schemeClr val="tx1"/>
-            </a:solidFill>
-          </a:ln>
-        </p:spPr>
-        <p:style>
-          <a:lnRef idx="2">
-            <a:schemeClr val="accent1">
-              <a:shade val="50000"/>
-            </a:schemeClr>
-          </a:lnRef>
-          <a:fillRef idx="1">
-            <a:schemeClr val="accent1"/>
-          </a:fillRef>
-          <a:effectRef idx="0">
-            <a:schemeClr val="accent1"/>
-          </a:effectRef>
-          <a:fontRef idx="minor">
-            <a:schemeClr val="lt1"/>
-          </a:fontRef>
-        </p:style>
-        <p:txBody>
-          <a:bodyPr rtlCol="0" anchor="ctr"/>
-          <a:lstStyle/>
-          <a:p>
-            <a:pPr algn="ctr"/>
-            <a:endParaRPr kumimoji="1" lang="ja-JP" altLang="en-US" sz="1400" dirty="0" smtClean="0">
-              <a:solidFill>
-                <a:schemeClr val="tx1"/>
-              </a:solidFill>
-            </a:endParaRPr>
-          </a:p>
-        </p:txBody>
-      </p:sp>
-      <p:sp>
-        <p:nvSpPr>
-          <p:cNvPr id="11" name="正方形/長方形 10"/>
-          <p:cNvSpPr/>
-          <p:nvPr/>
-        </p:nvSpPr>
-        <p:spPr>
-          <a:xfrm>
-            <a:off x="827584" y="1628800"/>
-            <a:ext cx="7488832" cy="576064"/>
-          </a:xfrm>
-          <a:prstGeom prst="rect">
-            <a:avLst/>
-          </a:prstGeom>
-          <a:solidFill>
-            <a:schemeClr val="bg1"/>
-          </a:solidFill>
-          <a:ln w="9525">
-            <a:solidFill>
-              <a:schemeClr val="tx1"/>
-            </a:solidFill>
-          </a:ln>
-        </p:spPr>
-        <p:style>
-          <a:lnRef idx="2">
-            <a:schemeClr val="accent1">
-              <a:shade val="50000"/>
-            </a:schemeClr>
-          </a:lnRef>
-          <a:fillRef idx="1">
-            <a:schemeClr val="accent1"/>
-          </a:fillRef>
-          <a:effectRef idx="0">
-            <a:schemeClr val="accent1"/>
-          </a:effectRef>
-          <a:fontRef idx="minor">
-            <a:schemeClr val="lt1"/>
-          </a:fontRef>
-        </p:style>
-        <p:txBody>
-          <a:bodyPr rtlCol="0" anchor="ctr"/>
-          <a:lstStyle/>
-          <a:p>
-            <a:pPr algn="ctr"/>
-            <a:endParaRPr kumimoji="1" lang="ja-JP" altLang="en-US" sz="1400" dirty="0" smtClean="0">
-              <a:solidFill>
-                <a:schemeClr val="tx1"/>
-              </a:solidFill>
-            </a:endParaRPr>
-          </a:p>
-        </p:txBody>
-      </p:sp>
-      <p:sp>
-        <p:nvSpPr>
-          <p:cNvPr id="12" name="テキスト ボックス 11"/>
-          <p:cNvSpPr txBox="1"/>
-          <p:nvPr/>
-        </p:nvSpPr>
-        <p:spPr>
-          <a:xfrm>
-            <a:off x="873115" y="1732166"/>
-            <a:ext cx="648072" cy="369332"/>
-          </a:xfrm>
-          <a:prstGeom prst="rect">
-            <a:avLst/>
-          </a:prstGeom>
-          <a:solidFill>
-            <a:schemeClr val="bg1"/>
-          </a:solidFill>
-          <a:ln>
-            <a:solidFill>
-              <a:schemeClr val="bg1"/>
-            </a:solidFill>
-          </a:ln>
-        </p:spPr>
-        <p:txBody>
-          <a:bodyPr wrap="square" rtlCol="0">
-            <a:spAutoFit/>
-          </a:bodyPr>
-          <a:lstStyle/>
-          <a:p>
-            <a:pPr algn="ctr"/>
-            <a:r>
-              <a:rPr kumimoji="1" lang="en-US" altLang="ja-JP" b="1" dirty="0" smtClean="0">
-                <a:latin typeface="OCRB" panose="020B0609020202020204" pitchFamily="49" charset="0"/>
-              </a:rPr>
-              <a:t>WLF</a:t>
-            </a:r>
-            <a:endParaRPr kumimoji="1" lang="ja-JP" altLang="en-US" b="1" dirty="0" smtClean="0">
-              <a:latin typeface="OCRB" panose="020B0609020202020204" pitchFamily="49" charset="0"/>
-            </a:endParaRPr>
-          </a:p>
-        </p:txBody>
-      </p:sp>
-      <p:sp>
-        <p:nvSpPr>
-          <p:cNvPr id="13" name="テキスト ボックス 12"/>
-          <p:cNvSpPr txBox="1"/>
-          <p:nvPr/>
-        </p:nvSpPr>
-        <p:spPr>
-          <a:xfrm>
-            <a:off x="1563760" y="1732166"/>
-            <a:ext cx="775992" cy="369332"/>
-          </a:xfrm>
-          <a:prstGeom prst="rect">
-            <a:avLst/>
-          </a:prstGeom>
-          <a:solidFill>
-            <a:schemeClr val="bg1"/>
-          </a:solidFill>
-        </p:spPr>
-        <p:txBody>
-          <a:bodyPr wrap="square" rtlCol="0">
-            <a:spAutoFit/>
-          </a:bodyPr>
-          <a:lstStyle/>
-          <a:p>
-            <a:r>
-              <a:rPr kumimoji="1" lang="en-US" altLang="ja-JP" dirty="0" smtClean="0">
-                <a:latin typeface="OCRB" panose="020B0609020202020204" pitchFamily="49" charset="0"/>
-              </a:rPr>
-              <a:t>Work</a:t>
-            </a:r>
-            <a:endParaRPr kumimoji="1" lang="ja-JP" altLang="en-US" dirty="0" smtClean="0">
-              <a:latin typeface="OCRB" panose="020B0609020202020204" pitchFamily="49" charset="0"/>
-            </a:endParaRPr>
-          </a:p>
-        </p:txBody>
-      </p:sp>
-      <p:sp>
-        <p:nvSpPr>
-          <p:cNvPr id="15" name="正方形/長方形 14"/>
-          <p:cNvSpPr/>
-          <p:nvPr/>
-        </p:nvSpPr>
-        <p:spPr>
-          <a:xfrm>
-            <a:off x="2382325" y="1732710"/>
-            <a:ext cx="881973" cy="369332"/>
-          </a:xfrm>
-          <a:prstGeom prst="rect">
-            <a:avLst/>
-          </a:prstGeom>
-        </p:spPr>
-        <p:txBody>
-          <a:bodyPr wrap="none">
-            <a:spAutoFit/>
-          </a:bodyPr>
-          <a:lstStyle/>
-          <a:p>
-            <a:r>
-              <a:rPr lang="en-US" altLang="ja-JP" dirty="0" smtClean="0">
-                <a:latin typeface="OCRB" panose="020B0609020202020204" pitchFamily="49" charset="0"/>
-              </a:rPr>
-              <a:t>Abou</a:t>
-            </a:r>
-            <a:r>
-              <a:rPr lang="en-US" altLang="ja-JP" dirty="0">
-                <a:latin typeface="OCRB" panose="020B0609020202020204" pitchFamily="49" charset="0"/>
-              </a:rPr>
-              <a:t>t</a:t>
-            </a:r>
-            <a:endParaRPr lang="ja-JP" altLang="en-US" dirty="0">
-              <a:latin typeface="OCRB" panose="020B0609020202020204" pitchFamily="49" charset="0"/>
-            </a:endParaRPr>
-          </a:p>
-        </p:txBody>
-      </p:sp>
-      <p:sp>
-        <p:nvSpPr>
-          <p:cNvPr id="16" name="正方形/長方形 15"/>
-          <p:cNvSpPr/>
-          <p:nvPr/>
-        </p:nvSpPr>
-        <p:spPr>
-          <a:xfrm>
-            <a:off x="3304734" y="1732166"/>
-            <a:ext cx="1160895" cy="369332"/>
-          </a:xfrm>
-          <a:prstGeom prst="rect">
-            <a:avLst/>
-          </a:prstGeom>
-        </p:spPr>
-        <p:txBody>
-          <a:bodyPr wrap="none">
-            <a:spAutoFit/>
-          </a:bodyPr>
-          <a:lstStyle/>
-          <a:p>
-            <a:r>
-              <a:rPr lang="en-US" altLang="ja-JP" dirty="0" smtClean="0">
-                <a:latin typeface="OCRB" panose="020B0609020202020204" pitchFamily="49" charset="0"/>
-              </a:rPr>
-              <a:t>Contac</a:t>
-            </a:r>
-            <a:r>
-              <a:rPr lang="en-US" altLang="ja-JP" dirty="0">
-                <a:latin typeface="OCRB" panose="020B0609020202020204" pitchFamily="49" charset="0"/>
-              </a:rPr>
-              <a:t>t</a:t>
-            </a:r>
-            <a:endParaRPr lang="ja-JP" altLang="en-US" dirty="0">
-              <a:latin typeface="OCRB" panose="020B0609020202020204" pitchFamily="49" charset="0"/>
-            </a:endParaRPr>
-          </a:p>
-        </p:txBody>
-      </p:sp>
-      <p:sp>
-        <p:nvSpPr>
-          <p:cNvPr id="20" name="正方形/長方形 19"/>
-          <p:cNvSpPr/>
-          <p:nvPr/>
-        </p:nvSpPr>
-        <p:spPr>
-          <a:xfrm>
-            <a:off x="7057565" y="1732166"/>
-            <a:ext cx="1160895" cy="369332"/>
-          </a:xfrm>
-          <a:prstGeom prst="rect">
-            <a:avLst/>
-          </a:prstGeom>
-        </p:spPr>
-        <p:txBody>
-          <a:bodyPr wrap="none">
-            <a:spAutoFit/>
-          </a:bodyPr>
-          <a:lstStyle/>
-          <a:p>
-            <a:r>
-              <a:rPr lang="en-US" altLang="ja-JP" dirty="0" smtClean="0">
-                <a:latin typeface="OCRB" panose="020B0609020202020204" pitchFamily="49" charset="0"/>
-              </a:rPr>
-              <a:t>Sign</a:t>
-            </a:r>
-            <a:r>
-              <a:rPr lang="ja-JP" altLang="en-US" dirty="0">
-                <a:latin typeface="OCRB" panose="020B0609020202020204" pitchFamily="49" charset="0"/>
-              </a:rPr>
-              <a:t> </a:t>
-            </a:r>
-            <a:r>
-              <a:rPr lang="en-US" altLang="ja-JP" dirty="0" smtClean="0">
-                <a:latin typeface="OCRB" panose="020B0609020202020204" pitchFamily="49" charset="0"/>
-              </a:rPr>
-              <a:t>i</a:t>
-            </a:r>
-            <a:r>
-              <a:rPr lang="en-US" altLang="ja-JP" dirty="0">
-                <a:latin typeface="OCRB" panose="020B0609020202020204" pitchFamily="49" charset="0"/>
-              </a:rPr>
-              <a:t>n</a:t>
-            </a:r>
-            <a:endParaRPr lang="ja-JP" altLang="en-US" dirty="0">
-              <a:latin typeface="OCRB" panose="020B0609020202020204" pitchFamily="49" charset="0"/>
-            </a:endParaRPr>
-          </a:p>
-        </p:txBody>
-      </p:sp>
-      <p:sp>
-        <p:nvSpPr>
-          <p:cNvPr id="4" name="正方形/長方形 3"/>
-          <p:cNvSpPr/>
-          <p:nvPr/>
-        </p:nvSpPr>
-        <p:spPr>
-          <a:xfrm>
-            <a:off x="4355976" y="1732166"/>
-            <a:ext cx="742511" cy="369332"/>
-          </a:xfrm>
-          <a:prstGeom prst="rect">
-            <a:avLst/>
-          </a:prstGeom>
-        </p:spPr>
-        <p:txBody>
-          <a:bodyPr wrap="none">
-            <a:spAutoFit/>
-          </a:bodyPr>
-          <a:lstStyle/>
-          <a:p>
-            <a:r>
-              <a:rPr lang="en-US" altLang="ja-JP" dirty="0">
-                <a:latin typeface="OCRB" panose="020B0609020202020204" pitchFamily="49" charset="0"/>
-              </a:rPr>
-              <a:t>Help</a:t>
-            </a:r>
-            <a:endParaRPr lang="ja-JP" altLang="en-US" dirty="0">
-              <a:latin typeface="OCRB" panose="020B0609020202020204" pitchFamily="49" charset="0"/>
-            </a:endParaRPr>
-          </a:p>
-        </p:txBody>
-      </p:sp>
-      <p:sp>
-        <p:nvSpPr>
-          <p:cNvPr id="5" name="正方形/長方形 4"/>
-          <p:cNvSpPr/>
-          <p:nvPr/>
-        </p:nvSpPr>
-        <p:spPr>
-          <a:xfrm>
-            <a:off x="1979712" y="2348880"/>
-            <a:ext cx="5256584" cy="3384376"/>
-          </a:xfrm>
-          <a:prstGeom prst="rect">
-            <a:avLst/>
-          </a:prstGeom>
-          <a:solidFill>
-            <a:schemeClr val="bg1"/>
-          </a:solidFill>
-          <a:ln w="9525">
-            <a:solidFill>
-              <a:schemeClr val="tx1"/>
-            </a:solidFill>
-          </a:ln>
-        </p:spPr>
-        <p:style>
-          <a:lnRef idx="2">
-            <a:schemeClr val="accent1">
-              <a:shade val="50000"/>
-            </a:schemeClr>
-          </a:lnRef>
-          <a:fillRef idx="1">
-            <a:schemeClr val="accent1"/>
-          </a:fillRef>
-          <a:effectRef idx="0">
-            <a:schemeClr val="accent1"/>
-          </a:effectRef>
-          <a:fontRef idx="minor">
-            <a:schemeClr val="lt1"/>
-          </a:fontRef>
-        </p:style>
-        <p:txBody>
-          <a:bodyPr rtlCol="0" anchor="ctr"/>
-          <a:lstStyle/>
-          <a:p>
-            <a:pPr algn="ctr"/>
-            <a:endParaRPr kumimoji="1" lang="ja-JP" altLang="en-US" sz="1400" dirty="0" smtClean="0">
-              <a:solidFill>
-                <a:schemeClr val="tx1"/>
-              </a:solidFill>
-            </a:endParaRPr>
-          </a:p>
-        </p:txBody>
-      </p:sp>
-      <p:sp>
-        <p:nvSpPr>
-          <p:cNvPr id="18" name="テキスト ボックス 17"/>
-          <p:cNvSpPr txBox="1"/>
-          <p:nvPr/>
-        </p:nvSpPr>
-        <p:spPr>
-          <a:xfrm>
-            <a:off x="4247964" y="2380238"/>
-            <a:ext cx="648072" cy="369332"/>
-          </a:xfrm>
-          <a:prstGeom prst="rect">
-            <a:avLst/>
-          </a:prstGeom>
-          <a:solidFill>
-            <a:schemeClr val="bg1"/>
-          </a:solidFill>
-          <a:ln>
-            <a:solidFill>
-              <a:schemeClr val="bg1"/>
-            </a:solidFill>
-          </a:ln>
-        </p:spPr>
-        <p:txBody>
-          <a:bodyPr wrap="square" rtlCol="0">
-            <a:spAutoFit/>
-          </a:bodyPr>
-          <a:lstStyle/>
-          <a:p>
-            <a:pPr algn="ctr"/>
-            <a:r>
-              <a:rPr kumimoji="1" lang="en-US" altLang="ja-JP" b="1" dirty="0" smtClean="0">
-                <a:latin typeface="OCRB" panose="020B0609020202020204" pitchFamily="49" charset="0"/>
-              </a:rPr>
-              <a:t>WLF</a:t>
-            </a:r>
-            <a:endParaRPr kumimoji="1" lang="ja-JP" altLang="en-US" b="1" dirty="0" smtClean="0">
-              <a:latin typeface="OCRB" panose="020B0609020202020204" pitchFamily="49" charset="0"/>
-            </a:endParaRPr>
-          </a:p>
-        </p:txBody>
-      </p:sp>
-      <p:sp>
-        <p:nvSpPr>
-          <p:cNvPr id="6" name="正方形/長方形 5"/>
-          <p:cNvSpPr/>
-          <p:nvPr/>
-        </p:nvSpPr>
-        <p:spPr>
-          <a:xfrm>
-            <a:off x="3093352" y="2850693"/>
-            <a:ext cx="3960440" cy="258917"/>
-          </a:xfrm>
-          <a:prstGeom prst="rect">
-            <a:avLst/>
-          </a:prstGeom>
-          <a:solidFill>
-            <a:schemeClr val="bg1"/>
-          </a:solidFill>
-          <a:ln w="9525">
-            <a:solidFill>
-              <a:schemeClr val="tx1"/>
-            </a:solidFill>
-          </a:ln>
-        </p:spPr>
-        <p:style>
-          <a:lnRef idx="2">
-            <a:schemeClr val="accent1">
-              <a:shade val="50000"/>
-            </a:schemeClr>
-          </a:lnRef>
-          <a:fillRef idx="1">
-            <a:schemeClr val="accent1"/>
-          </a:fillRef>
-          <a:effectRef idx="0">
-            <a:schemeClr val="accent1"/>
-          </a:effectRef>
-          <a:fontRef idx="minor">
-            <a:schemeClr val="lt1"/>
-          </a:fontRef>
-        </p:style>
-        <p:txBody>
-          <a:bodyPr rtlCol="0" anchor="ctr"/>
-          <a:lstStyle/>
-          <a:p>
-            <a:pPr algn="ctr"/>
-            <a:endParaRPr kumimoji="1" lang="ja-JP" altLang="en-US" sz="1400" dirty="0" smtClean="0">
-              <a:solidFill>
-                <a:schemeClr val="tx1"/>
-              </a:solidFill>
-            </a:endParaRPr>
-          </a:p>
-        </p:txBody>
-      </p:sp>
-      <p:sp>
-        <p:nvSpPr>
-          <p:cNvPr id="24" name="正方形/長方形 23"/>
-          <p:cNvSpPr/>
-          <p:nvPr/>
-        </p:nvSpPr>
-        <p:spPr>
-          <a:xfrm>
-            <a:off x="3093352" y="3275720"/>
-            <a:ext cx="3960440" cy="258917"/>
-          </a:xfrm>
-          <a:prstGeom prst="rect">
-            <a:avLst/>
-          </a:prstGeom>
-          <a:solidFill>
-            <a:schemeClr val="bg1"/>
-          </a:solidFill>
-          <a:ln w="9525">
-            <a:solidFill>
-              <a:schemeClr val="tx1"/>
-            </a:solidFill>
-          </a:ln>
-        </p:spPr>
-        <p:style>
-          <a:lnRef idx="2">
-            <a:schemeClr val="accent1">
-              <a:shade val="50000"/>
-            </a:schemeClr>
-          </a:lnRef>
-          <a:fillRef idx="1">
-            <a:schemeClr val="accent1"/>
-          </a:fillRef>
-          <a:effectRef idx="0">
-            <a:schemeClr val="accent1"/>
-          </a:effectRef>
-          <a:fontRef idx="minor">
-            <a:schemeClr val="lt1"/>
-          </a:fontRef>
-        </p:style>
-        <p:txBody>
-          <a:bodyPr rtlCol="0" anchor="ctr"/>
-          <a:lstStyle/>
-          <a:p>
-            <a:pPr algn="ctr"/>
-            <a:endParaRPr kumimoji="1" lang="ja-JP" altLang="en-US" sz="1400" dirty="0" smtClean="0">
-              <a:solidFill>
-                <a:schemeClr val="tx1"/>
-              </a:solidFill>
-            </a:endParaRPr>
-          </a:p>
-        </p:txBody>
-      </p:sp>
-      <p:sp>
-        <p:nvSpPr>
-          <p:cNvPr id="25" name="正方形/長方形 24"/>
-          <p:cNvSpPr/>
-          <p:nvPr/>
-        </p:nvSpPr>
-        <p:spPr>
-          <a:xfrm>
-            <a:off x="3093352" y="3700747"/>
-            <a:ext cx="3960440" cy="258917"/>
-          </a:xfrm>
-          <a:prstGeom prst="rect">
-            <a:avLst/>
-          </a:prstGeom>
-          <a:solidFill>
-            <a:schemeClr val="bg1"/>
-          </a:solidFill>
-          <a:ln w="9525">
-            <a:solidFill>
-              <a:schemeClr val="tx1"/>
-            </a:solidFill>
-          </a:ln>
-        </p:spPr>
-        <p:style>
-          <a:lnRef idx="2">
-            <a:schemeClr val="accent1">
-              <a:shade val="50000"/>
-            </a:schemeClr>
-          </a:lnRef>
-          <a:fillRef idx="1">
-            <a:schemeClr val="accent1"/>
-          </a:fillRef>
-          <a:effectRef idx="0">
-            <a:schemeClr val="accent1"/>
-          </a:effectRef>
-          <a:fontRef idx="minor">
-            <a:schemeClr val="lt1"/>
-          </a:fontRef>
-        </p:style>
-        <p:txBody>
-          <a:bodyPr rtlCol="0" anchor="ctr"/>
-          <a:lstStyle/>
-          <a:p>
-            <a:pPr algn="ctr"/>
-            <a:endParaRPr kumimoji="1" lang="ja-JP" altLang="en-US" sz="1400" dirty="0" smtClean="0">
-              <a:solidFill>
-                <a:schemeClr val="tx1"/>
-              </a:solidFill>
-            </a:endParaRPr>
-          </a:p>
-        </p:txBody>
-      </p:sp>
-      <p:sp>
-        <p:nvSpPr>
-          <p:cNvPr id="26" name="正方形/長方形 25"/>
-          <p:cNvSpPr/>
-          <p:nvPr/>
-        </p:nvSpPr>
-        <p:spPr>
-          <a:xfrm>
-            <a:off x="3093352" y="4103680"/>
-            <a:ext cx="3960440" cy="258917"/>
-          </a:xfrm>
-          <a:prstGeom prst="rect">
-            <a:avLst/>
-          </a:prstGeom>
-          <a:solidFill>
-            <a:schemeClr val="bg1"/>
-          </a:solidFill>
-          <a:ln w="9525">
-            <a:solidFill>
-              <a:schemeClr val="tx1"/>
-            </a:solidFill>
-          </a:ln>
-        </p:spPr>
-        <p:style>
-          <a:lnRef idx="2">
-            <a:schemeClr val="accent1">
-              <a:shade val="50000"/>
-            </a:schemeClr>
-          </a:lnRef>
-          <a:fillRef idx="1">
-            <a:schemeClr val="accent1"/>
-          </a:fillRef>
-          <a:effectRef idx="0">
-            <a:schemeClr val="accent1"/>
-          </a:effectRef>
-          <a:fontRef idx="minor">
-            <a:schemeClr val="lt1"/>
-          </a:fontRef>
-        </p:style>
-        <p:txBody>
-          <a:bodyPr rtlCol="0" anchor="ctr"/>
-          <a:lstStyle/>
-          <a:p>
-            <a:pPr algn="ctr"/>
-            <a:endParaRPr kumimoji="1" lang="ja-JP" altLang="en-US" sz="1400" dirty="0" smtClean="0">
-              <a:solidFill>
-                <a:schemeClr val="tx1"/>
-              </a:solidFill>
-            </a:endParaRPr>
-          </a:p>
-        </p:txBody>
-      </p:sp>
-      <p:sp>
-        <p:nvSpPr>
-          <p:cNvPr id="27" name="正方形/長方形 26"/>
-          <p:cNvSpPr/>
-          <p:nvPr/>
-        </p:nvSpPr>
-        <p:spPr>
-          <a:xfrm>
-            <a:off x="3093352" y="4506613"/>
-            <a:ext cx="3960440" cy="258917"/>
-          </a:xfrm>
-          <a:prstGeom prst="rect">
-            <a:avLst/>
-          </a:prstGeom>
-          <a:solidFill>
-            <a:schemeClr val="bg1"/>
-          </a:solidFill>
-          <a:ln w="9525">
-            <a:solidFill>
-              <a:schemeClr val="tx1"/>
-            </a:solidFill>
-          </a:ln>
-        </p:spPr>
-        <p:style>
-          <a:lnRef idx="2">
-            <a:schemeClr val="accent1">
-              <a:shade val="50000"/>
-            </a:schemeClr>
-          </a:lnRef>
-          <a:fillRef idx="1">
-            <a:schemeClr val="accent1"/>
-          </a:fillRef>
-          <a:effectRef idx="0">
-            <a:schemeClr val="accent1"/>
-          </a:effectRef>
-          <a:fontRef idx="minor">
-            <a:schemeClr val="lt1"/>
-          </a:fontRef>
-        </p:style>
-        <p:txBody>
-          <a:bodyPr rtlCol="0" anchor="ctr"/>
-          <a:lstStyle/>
-          <a:p>
-            <a:pPr algn="ctr"/>
-            <a:endParaRPr kumimoji="1" lang="ja-JP" altLang="en-US" sz="1400" dirty="0" smtClean="0">
-              <a:solidFill>
-                <a:schemeClr val="tx1"/>
-              </a:solidFill>
-            </a:endParaRPr>
-          </a:p>
-        </p:txBody>
-      </p:sp>
-      <p:sp>
-        <p:nvSpPr>
-          <p:cNvPr id="7" name="テキスト ボックス 6"/>
-          <p:cNvSpPr txBox="1"/>
-          <p:nvPr/>
-        </p:nvSpPr>
-        <p:spPr>
-          <a:xfrm>
-            <a:off x="2051720" y="2881768"/>
-            <a:ext cx="771591" cy="230832"/>
-          </a:xfrm>
-          <a:prstGeom prst="rect">
-            <a:avLst/>
-          </a:prstGeom>
-          <a:solidFill>
-            <a:schemeClr val="bg1"/>
-          </a:solidFill>
-        </p:spPr>
-        <p:txBody>
-          <a:bodyPr wrap="square" rtlCol="0">
-            <a:spAutoFit/>
-          </a:bodyPr>
-          <a:lstStyle/>
-          <a:p>
-            <a:r>
-              <a:rPr kumimoji="1" lang="ja-JP" altLang="en-US" sz="900" b="1" dirty="0" smtClean="0"/>
-              <a:t>ユーザー名</a:t>
-            </a:r>
-          </a:p>
-        </p:txBody>
-      </p:sp>
-      <p:sp>
-        <p:nvSpPr>
-          <p:cNvPr id="28" name="テキスト ボックス 27"/>
-          <p:cNvSpPr txBox="1"/>
-          <p:nvPr/>
-        </p:nvSpPr>
-        <p:spPr>
-          <a:xfrm>
-            <a:off x="2033931" y="3296410"/>
-            <a:ext cx="876917" cy="230832"/>
-          </a:xfrm>
-          <a:prstGeom prst="rect">
-            <a:avLst/>
-          </a:prstGeom>
-          <a:solidFill>
-            <a:schemeClr val="bg1"/>
-          </a:solidFill>
-        </p:spPr>
-        <p:txBody>
-          <a:bodyPr wrap="square" rtlCol="0">
-            <a:spAutoFit/>
-          </a:bodyPr>
-          <a:lstStyle/>
-          <a:p>
-            <a:r>
-              <a:rPr lang="en-US" altLang="ja-JP" sz="900" b="1" dirty="0" smtClean="0"/>
-              <a:t>Email</a:t>
-            </a:r>
-            <a:r>
-              <a:rPr lang="ja-JP" altLang="en-US" sz="900" b="1" dirty="0" smtClean="0"/>
-              <a:t>アドレス</a:t>
-            </a:r>
-            <a:endParaRPr kumimoji="1" lang="ja-JP" altLang="en-US" sz="900" b="1" dirty="0" smtClean="0"/>
-          </a:p>
-        </p:txBody>
-      </p:sp>
-      <p:sp>
-        <p:nvSpPr>
-          <p:cNvPr id="29" name="テキスト ボックス 28"/>
-          <p:cNvSpPr txBox="1"/>
-          <p:nvPr/>
-        </p:nvSpPr>
-        <p:spPr>
-          <a:xfrm>
-            <a:off x="2097553" y="3720629"/>
-            <a:ext cx="771591" cy="230832"/>
-          </a:xfrm>
-          <a:prstGeom prst="rect">
-            <a:avLst/>
-          </a:prstGeom>
-          <a:solidFill>
-            <a:schemeClr val="bg1"/>
-          </a:solidFill>
-        </p:spPr>
-        <p:txBody>
-          <a:bodyPr wrap="square" rtlCol="0">
-            <a:spAutoFit/>
-          </a:bodyPr>
-          <a:lstStyle/>
-          <a:p>
-            <a:r>
-              <a:rPr lang="ja-JP" altLang="en-US" sz="900" b="1" dirty="0"/>
-              <a:t>パスワード</a:t>
-            </a:r>
-            <a:endParaRPr kumimoji="1" lang="ja-JP" altLang="en-US" sz="900" b="1" dirty="0" smtClean="0"/>
-          </a:p>
-        </p:txBody>
-      </p:sp>
-      <p:sp>
-        <p:nvSpPr>
-          <p:cNvPr id="30" name="テキスト ボックス 29"/>
-          <p:cNvSpPr txBox="1"/>
-          <p:nvPr/>
-        </p:nvSpPr>
-        <p:spPr>
-          <a:xfrm>
-            <a:off x="2251879" y="4142416"/>
-            <a:ext cx="462941" cy="230832"/>
-          </a:xfrm>
-          <a:prstGeom prst="rect">
-            <a:avLst/>
-          </a:prstGeom>
-          <a:solidFill>
-            <a:schemeClr val="bg1"/>
-          </a:solidFill>
-        </p:spPr>
-        <p:txBody>
-          <a:bodyPr wrap="square" rtlCol="0">
-            <a:spAutoFit/>
-          </a:bodyPr>
-          <a:lstStyle/>
-          <a:p>
-            <a:r>
-              <a:rPr lang="ja-JP" altLang="en-US" sz="900" b="1" dirty="0"/>
-              <a:t>確認</a:t>
-            </a:r>
-            <a:endParaRPr kumimoji="1" lang="ja-JP" altLang="en-US" sz="900" b="1" dirty="0" smtClean="0"/>
-          </a:p>
-        </p:txBody>
-      </p:sp>
-      <p:sp>
-        <p:nvSpPr>
-          <p:cNvPr id="31" name="テキスト ボックス 30"/>
-          <p:cNvSpPr txBox="1"/>
-          <p:nvPr/>
-        </p:nvSpPr>
-        <p:spPr>
-          <a:xfrm>
-            <a:off x="2239006" y="4552820"/>
-            <a:ext cx="466765" cy="230832"/>
-          </a:xfrm>
-          <a:prstGeom prst="rect">
-            <a:avLst/>
-          </a:prstGeom>
-          <a:solidFill>
-            <a:schemeClr val="bg1"/>
-          </a:solidFill>
-        </p:spPr>
-        <p:txBody>
-          <a:bodyPr wrap="square" rtlCol="0">
-            <a:spAutoFit/>
-          </a:bodyPr>
-          <a:lstStyle/>
-          <a:p>
-            <a:r>
-              <a:rPr lang="ja-JP" altLang="en-US" sz="900" b="1" dirty="0"/>
-              <a:t>身長</a:t>
-            </a:r>
-            <a:endParaRPr kumimoji="1" lang="ja-JP" altLang="en-US" sz="900" b="1" dirty="0" smtClean="0"/>
-          </a:p>
-        </p:txBody>
-      </p:sp>
-      <p:sp>
-        <p:nvSpPr>
-          <p:cNvPr id="8" name="角丸四角形 7"/>
-          <p:cNvSpPr/>
-          <p:nvPr/>
-        </p:nvSpPr>
-        <p:spPr>
-          <a:xfrm>
-            <a:off x="3093352" y="5318851"/>
-            <a:ext cx="3960440" cy="320553"/>
-          </a:xfrm>
-          <a:prstGeom prst="roundRect">
-            <a:avLst/>
-          </a:prstGeom>
-          <a:solidFill>
-            <a:schemeClr val="bg1"/>
-          </a:solidFill>
-          <a:ln w="9525">
-            <a:solidFill>
-              <a:schemeClr val="tx1"/>
-            </a:solidFill>
-          </a:ln>
-        </p:spPr>
-        <p:style>
-          <a:lnRef idx="2">
-            <a:schemeClr val="accent1">
-              <a:shade val="50000"/>
-            </a:schemeClr>
-          </a:lnRef>
-          <a:fillRef idx="1">
-            <a:schemeClr val="accent1"/>
-          </a:fillRef>
-          <a:effectRef idx="0">
-            <a:schemeClr val="accent1"/>
-          </a:effectRef>
-          <a:fontRef idx="minor">
-            <a:schemeClr val="lt1"/>
-          </a:fontRef>
-        </p:style>
-        <p:txBody>
-          <a:bodyPr rtlCol="0" anchor="ctr"/>
-          <a:lstStyle/>
-          <a:p>
-            <a:pPr algn="ctr"/>
-            <a:r>
-              <a:rPr kumimoji="1" lang="ja-JP" altLang="en-US" sz="1400" b="1" dirty="0" smtClean="0">
-                <a:solidFill>
-                  <a:schemeClr val="tx1"/>
-                </a:solidFill>
-              </a:rPr>
-              <a:t>新規登録</a:t>
-            </a:r>
-          </a:p>
-        </p:txBody>
-      </p:sp>
-      <p:sp>
-        <p:nvSpPr>
-          <p:cNvPr id="32" name="正方形/長方形 31"/>
-          <p:cNvSpPr/>
-          <p:nvPr/>
-        </p:nvSpPr>
-        <p:spPr>
-          <a:xfrm>
-            <a:off x="3093352" y="4930794"/>
-            <a:ext cx="3960440" cy="258917"/>
-          </a:xfrm>
-          <a:prstGeom prst="rect">
-            <a:avLst/>
-          </a:prstGeom>
-          <a:solidFill>
-            <a:schemeClr val="bg1"/>
-          </a:solidFill>
-          <a:ln w="9525">
-            <a:solidFill>
-              <a:schemeClr val="tx1"/>
-            </a:solidFill>
-          </a:ln>
-        </p:spPr>
-        <p:style>
-          <a:lnRef idx="2">
-            <a:schemeClr val="accent1">
-              <a:shade val="50000"/>
-            </a:schemeClr>
-          </a:lnRef>
-          <a:fillRef idx="1">
-            <a:schemeClr val="accent1"/>
-          </a:fillRef>
-          <a:effectRef idx="0">
-            <a:schemeClr val="accent1"/>
-          </a:effectRef>
-          <a:fontRef idx="minor">
-            <a:schemeClr val="lt1"/>
-          </a:fontRef>
-        </p:style>
-        <p:txBody>
-          <a:bodyPr rtlCol="0" anchor="ctr"/>
-          <a:lstStyle/>
-          <a:p>
-            <a:pPr algn="ctr"/>
-            <a:endParaRPr kumimoji="1" lang="ja-JP" altLang="en-US" sz="1400" dirty="0" smtClean="0">
-              <a:solidFill>
-                <a:schemeClr val="tx1"/>
-              </a:solidFill>
-            </a:endParaRPr>
-          </a:p>
-        </p:txBody>
-      </p:sp>
-      <p:sp>
-        <p:nvSpPr>
-          <p:cNvPr id="33" name="テキスト ボックス 32"/>
-          <p:cNvSpPr txBox="1"/>
-          <p:nvPr/>
-        </p:nvSpPr>
-        <p:spPr>
-          <a:xfrm>
-            <a:off x="2239006" y="4937836"/>
-            <a:ext cx="466765" cy="230832"/>
-          </a:xfrm>
-          <a:prstGeom prst="rect">
-            <a:avLst/>
-          </a:prstGeom>
-          <a:solidFill>
-            <a:schemeClr val="bg1"/>
-          </a:solidFill>
-        </p:spPr>
-        <p:txBody>
-          <a:bodyPr wrap="square" rtlCol="0">
-            <a:spAutoFit/>
-          </a:bodyPr>
-          <a:lstStyle/>
-          <a:p>
-            <a:r>
-              <a:rPr lang="ja-JP" altLang="en-US" sz="900" b="1" dirty="0"/>
-              <a:t>年齢</a:t>
-            </a:r>
-            <a:endParaRPr kumimoji="1" lang="ja-JP" altLang="en-US" sz="900" b="1" dirty="0" smtClean="0"/>
-          </a:p>
-        </p:txBody>
-      </p:sp>
+        </p:spPr>
+      </p:pic>
     </p:spTree>
     <p:extLst>
       <p:ext uri="{BB962C8B-B14F-4D97-AF65-F5344CB8AC3E}">
@@ -7168,327 +5423,16 @@
           </a:p>
         </p:txBody>
       </p:sp>
-      <p:sp>
-        <p:nvSpPr>
-          <p:cNvPr id="3" name="正方形/長方形 2"/>
-          <p:cNvSpPr/>
-          <p:nvPr/>
-        </p:nvSpPr>
-        <p:spPr>
-          <a:xfrm>
-            <a:off x="827584" y="1628800"/>
-            <a:ext cx="7488832" cy="4248472"/>
-          </a:xfrm>
-          <a:prstGeom prst="rect">
-            <a:avLst/>
-          </a:prstGeom>
-          <a:solidFill>
-            <a:schemeClr val="bg1"/>
-          </a:solidFill>
-          <a:ln w="9525">
-            <a:solidFill>
-              <a:schemeClr val="tx1"/>
-            </a:solidFill>
-          </a:ln>
-        </p:spPr>
-        <p:style>
-          <a:lnRef idx="2">
-            <a:schemeClr val="accent1">
-              <a:shade val="50000"/>
-            </a:schemeClr>
-          </a:lnRef>
-          <a:fillRef idx="1">
-            <a:schemeClr val="accent1"/>
-          </a:fillRef>
-          <a:effectRef idx="0">
-            <a:schemeClr val="accent1"/>
-          </a:effectRef>
-          <a:fontRef idx="minor">
-            <a:schemeClr val="lt1"/>
-          </a:fontRef>
-        </p:style>
-        <p:txBody>
-          <a:bodyPr rtlCol="0" anchor="ctr"/>
-          <a:lstStyle/>
-          <a:p>
-            <a:pPr algn="ctr"/>
-            <a:endParaRPr kumimoji="1" lang="ja-JP" altLang="en-US" sz="1400" dirty="0" smtClean="0">
-              <a:solidFill>
-                <a:schemeClr val="tx1"/>
-              </a:solidFill>
-            </a:endParaRPr>
-          </a:p>
-        </p:txBody>
-      </p:sp>
-      <p:sp>
-        <p:nvSpPr>
-          <p:cNvPr id="4" name="正方形/長方形 3"/>
-          <p:cNvSpPr/>
-          <p:nvPr/>
-        </p:nvSpPr>
-        <p:spPr>
-          <a:xfrm>
-            <a:off x="827584" y="1628800"/>
-            <a:ext cx="7488832" cy="576064"/>
-          </a:xfrm>
-          <a:prstGeom prst="rect">
-            <a:avLst/>
-          </a:prstGeom>
-          <a:solidFill>
-            <a:schemeClr val="bg1"/>
-          </a:solidFill>
-          <a:ln w="9525">
-            <a:solidFill>
-              <a:schemeClr val="tx1"/>
-            </a:solidFill>
-          </a:ln>
-        </p:spPr>
-        <p:style>
-          <a:lnRef idx="2">
-            <a:schemeClr val="accent1">
-              <a:shade val="50000"/>
-            </a:schemeClr>
-          </a:lnRef>
-          <a:fillRef idx="1">
-            <a:schemeClr val="accent1"/>
-          </a:fillRef>
-          <a:effectRef idx="0">
-            <a:schemeClr val="accent1"/>
-          </a:effectRef>
-          <a:fontRef idx="minor">
-            <a:schemeClr val="lt1"/>
-          </a:fontRef>
-        </p:style>
-        <p:txBody>
-          <a:bodyPr rtlCol="0" anchor="ctr"/>
-          <a:lstStyle/>
-          <a:p>
-            <a:pPr algn="ctr"/>
-            <a:endParaRPr kumimoji="1" lang="ja-JP" altLang="en-US" sz="1400" dirty="0" smtClean="0">
-              <a:solidFill>
-                <a:schemeClr val="tx1"/>
-              </a:solidFill>
-            </a:endParaRPr>
-          </a:p>
-        </p:txBody>
-      </p:sp>
-      <p:sp>
-        <p:nvSpPr>
-          <p:cNvPr id="5" name="テキスト ボックス 4"/>
-          <p:cNvSpPr txBox="1"/>
-          <p:nvPr/>
-        </p:nvSpPr>
-        <p:spPr>
-          <a:xfrm>
-            <a:off x="873115" y="1732166"/>
-            <a:ext cx="648072" cy="369332"/>
-          </a:xfrm>
-          <a:prstGeom prst="rect">
-            <a:avLst/>
-          </a:prstGeom>
-          <a:solidFill>
-            <a:schemeClr val="bg1"/>
-          </a:solidFill>
-          <a:ln>
-            <a:solidFill>
-              <a:schemeClr val="bg1"/>
-            </a:solidFill>
-          </a:ln>
-        </p:spPr>
-        <p:txBody>
-          <a:bodyPr wrap="square" rtlCol="0">
-            <a:spAutoFit/>
-          </a:bodyPr>
-          <a:lstStyle/>
-          <a:p>
-            <a:pPr algn="ctr"/>
-            <a:r>
-              <a:rPr kumimoji="1" lang="en-US" altLang="ja-JP" b="1" dirty="0" smtClean="0">
-                <a:latin typeface="OCRB" panose="020B0609020202020204" pitchFamily="49" charset="0"/>
-              </a:rPr>
-              <a:t>WLF</a:t>
-            </a:r>
-            <a:endParaRPr kumimoji="1" lang="ja-JP" altLang="en-US" b="1" dirty="0" smtClean="0">
-              <a:latin typeface="OCRB" panose="020B0609020202020204" pitchFamily="49" charset="0"/>
-            </a:endParaRPr>
-          </a:p>
-        </p:txBody>
-      </p:sp>
-      <p:sp>
-        <p:nvSpPr>
-          <p:cNvPr id="6" name="テキスト ボックス 5"/>
-          <p:cNvSpPr txBox="1"/>
-          <p:nvPr/>
-        </p:nvSpPr>
-        <p:spPr>
-          <a:xfrm>
-            <a:off x="1563760" y="1732166"/>
-            <a:ext cx="775992" cy="369332"/>
-          </a:xfrm>
-          <a:prstGeom prst="rect">
-            <a:avLst/>
-          </a:prstGeom>
-          <a:solidFill>
-            <a:schemeClr val="bg1"/>
-          </a:solidFill>
-        </p:spPr>
-        <p:txBody>
-          <a:bodyPr wrap="square" rtlCol="0">
-            <a:spAutoFit/>
-          </a:bodyPr>
-          <a:lstStyle/>
-          <a:p>
-            <a:r>
-              <a:rPr kumimoji="1" lang="en-US" altLang="ja-JP" dirty="0" smtClean="0">
-                <a:latin typeface="OCRB" panose="020B0609020202020204" pitchFamily="49" charset="0"/>
-              </a:rPr>
-              <a:t>Work</a:t>
-            </a:r>
-            <a:endParaRPr kumimoji="1" lang="ja-JP" altLang="en-US" dirty="0" smtClean="0">
-              <a:latin typeface="OCRB" panose="020B0609020202020204" pitchFamily="49" charset="0"/>
-            </a:endParaRPr>
-          </a:p>
-        </p:txBody>
-      </p:sp>
-      <p:sp>
-        <p:nvSpPr>
-          <p:cNvPr id="7" name="正方形/長方形 6"/>
-          <p:cNvSpPr/>
-          <p:nvPr/>
-        </p:nvSpPr>
-        <p:spPr>
-          <a:xfrm>
-            <a:off x="2382325" y="1732710"/>
-            <a:ext cx="881973" cy="369332"/>
-          </a:xfrm>
-          <a:prstGeom prst="rect">
-            <a:avLst/>
-          </a:prstGeom>
-        </p:spPr>
-        <p:txBody>
-          <a:bodyPr wrap="none">
-            <a:spAutoFit/>
-          </a:bodyPr>
-          <a:lstStyle/>
-          <a:p>
-            <a:r>
-              <a:rPr lang="en-US" altLang="ja-JP" dirty="0" smtClean="0">
-                <a:latin typeface="OCRB" panose="020B0609020202020204" pitchFamily="49" charset="0"/>
-              </a:rPr>
-              <a:t>Abou</a:t>
-            </a:r>
-            <a:r>
-              <a:rPr lang="en-US" altLang="ja-JP" dirty="0">
-                <a:latin typeface="OCRB" panose="020B0609020202020204" pitchFamily="49" charset="0"/>
-              </a:rPr>
-              <a:t>t</a:t>
-            </a:r>
-            <a:endParaRPr lang="ja-JP" altLang="en-US" dirty="0">
-              <a:latin typeface="OCRB" panose="020B0609020202020204" pitchFamily="49" charset="0"/>
-            </a:endParaRPr>
-          </a:p>
-        </p:txBody>
-      </p:sp>
-      <p:sp>
-        <p:nvSpPr>
-          <p:cNvPr id="8" name="正方形/長方形 7"/>
-          <p:cNvSpPr/>
-          <p:nvPr/>
-        </p:nvSpPr>
-        <p:spPr>
-          <a:xfrm>
-            <a:off x="3304734" y="1732166"/>
-            <a:ext cx="1160895" cy="369332"/>
-          </a:xfrm>
-          <a:prstGeom prst="rect">
-            <a:avLst/>
-          </a:prstGeom>
-        </p:spPr>
-        <p:txBody>
-          <a:bodyPr wrap="none">
-            <a:spAutoFit/>
-          </a:bodyPr>
-          <a:lstStyle/>
-          <a:p>
-            <a:r>
-              <a:rPr lang="en-US" altLang="ja-JP" dirty="0" smtClean="0">
-                <a:latin typeface="OCRB" panose="020B0609020202020204" pitchFamily="49" charset="0"/>
-              </a:rPr>
-              <a:t>Contac</a:t>
-            </a:r>
-            <a:r>
-              <a:rPr lang="en-US" altLang="ja-JP" dirty="0">
-                <a:latin typeface="OCRB" panose="020B0609020202020204" pitchFamily="49" charset="0"/>
-              </a:rPr>
-              <a:t>t</a:t>
-            </a:r>
-            <a:endParaRPr lang="ja-JP" altLang="en-US" dirty="0">
-              <a:latin typeface="OCRB" panose="020B0609020202020204" pitchFamily="49" charset="0"/>
-            </a:endParaRPr>
-          </a:p>
-        </p:txBody>
-      </p:sp>
-      <p:sp>
-        <p:nvSpPr>
-          <p:cNvPr id="9" name="正方形/長方形 8"/>
-          <p:cNvSpPr/>
-          <p:nvPr/>
-        </p:nvSpPr>
-        <p:spPr>
-          <a:xfrm>
-            <a:off x="7057565" y="1732166"/>
-            <a:ext cx="1160895" cy="369332"/>
-          </a:xfrm>
-          <a:prstGeom prst="rect">
-            <a:avLst/>
-          </a:prstGeom>
-        </p:spPr>
-        <p:txBody>
-          <a:bodyPr wrap="none">
-            <a:spAutoFit/>
-          </a:bodyPr>
-          <a:lstStyle/>
-          <a:p>
-            <a:r>
-              <a:rPr lang="en-US" altLang="ja-JP" dirty="0" smtClean="0">
-                <a:latin typeface="OCRB" panose="020B0609020202020204" pitchFamily="49" charset="0"/>
-              </a:rPr>
-              <a:t>Sign</a:t>
-            </a:r>
-            <a:r>
-              <a:rPr lang="ja-JP" altLang="en-US" dirty="0">
-                <a:latin typeface="OCRB" panose="020B0609020202020204" pitchFamily="49" charset="0"/>
-              </a:rPr>
-              <a:t> </a:t>
-            </a:r>
-            <a:r>
-              <a:rPr lang="en-US" altLang="ja-JP" dirty="0" smtClean="0">
-                <a:latin typeface="OCRB" panose="020B0609020202020204" pitchFamily="49" charset="0"/>
-              </a:rPr>
-              <a:t>i</a:t>
-            </a:r>
-            <a:r>
-              <a:rPr lang="en-US" altLang="ja-JP" dirty="0">
-                <a:latin typeface="OCRB" panose="020B0609020202020204" pitchFamily="49" charset="0"/>
-              </a:rPr>
-              <a:t>n</a:t>
-            </a:r>
-            <a:endParaRPr lang="ja-JP" altLang="en-US" dirty="0">
-              <a:latin typeface="OCRB" panose="020B0609020202020204" pitchFamily="49" charset="0"/>
-            </a:endParaRPr>
-          </a:p>
-        </p:txBody>
-      </p:sp>
       <p:pic>
         <p:nvPicPr>
-          <p:cNvPr id="13" name="図 12"/>
+          <p:cNvPr id="15" name="図 14"/>
           <p:cNvPicPr>
             <a:picLocks noChangeAspect="1"/>
           </p:cNvPicPr>
           <p:nvPr/>
         </p:nvPicPr>
         <p:blipFill>
-          <a:blip r:embed="rId2" cstate="print">
+          <a:blip r:embed="rId2">
             <a:extLst>
               <a:ext uri="{28A0092B-C50C-407E-A947-70E740481C1C}">
                 <a14:useLocalDpi xmlns:a14="http://schemas.microsoft.com/office/drawing/2010/main" val="0"/>
@@ -7501,47 +5445,14 @@
         </p:blipFill>
         <p:spPr>
           <a:xfrm>
-            <a:off x="1563760" y="2521579"/>
-            <a:ext cx="5957908" cy="3038977"/>
+            <a:off x="244662" y="1700808"/>
+            <a:ext cx="8654676" cy="4320480"/>
           </a:xfrm>
           <a:prstGeom prst="rect">
             <a:avLst/>
           </a:prstGeom>
         </p:spPr>
       </p:pic>
-      <p:sp>
-        <p:nvSpPr>
-          <p:cNvPr id="14" name="正方形/長方形 13"/>
-          <p:cNvSpPr/>
-          <p:nvPr/>
-        </p:nvSpPr>
-        <p:spPr>
-          <a:xfrm>
-            <a:off x="4418420" y="1732166"/>
-            <a:ext cx="742511" cy="369332"/>
-          </a:xfrm>
-          <a:prstGeom prst="rect">
-            <a:avLst/>
-          </a:prstGeom>
-        </p:spPr>
-        <p:txBody>
-          <a:bodyPr wrap="none">
-            <a:spAutoFit/>
-          </a:bodyPr>
-          <a:lstStyle/>
-          <a:p>
-            <a:r>
-              <a:rPr lang="en-US" altLang="ja-JP" dirty="0">
-                <a:latin typeface="OCRB" panose="020B0609020202020204" pitchFamily="49" charset="0"/>
-              </a:rPr>
-              <a:t>Help</a:t>
-            </a:r>
-            <a:endParaRPr lang="ja-JP" altLang="en-US" dirty="0">
-              <a:latin typeface="OCRB" panose="020B0609020202020204" pitchFamily="49" charset="0"/>
-            </a:endParaRPr>
-          </a:p>
-        </p:txBody>
-      </p:sp>
     </p:spTree>
     <p:extLst>
       <p:ext uri="{BB962C8B-B14F-4D97-AF65-F5344CB8AC3E}">
@@ -8042,11 +5953,6 @@
               </a:rPr>
               <a:t>のページに飛ばすようにしました</a:t>
             </a:r>
-            <a:endParaRPr kumimoji="1" lang="ja-JP" altLang="en-US" sz="1400" dirty="0" smtClean="0">
-              <a:solidFill>
-                <a:schemeClr val="tx1"/>
-              </a:solidFill>
-            </a:endParaRPr>
           </a:p>
         </p:txBody>
       </p:sp>
@@ -8422,39 +6328,6 @@
                 <a:latin typeface="OCRB" panose="020B0609020202020204" pitchFamily="49" charset="0"/>
               </a:rPr>
               <a:t>n</a:t>
-            </a:r>
-            <a:endParaRPr lang="ja-JP" altLang="en-US" dirty="0">
-              <a:latin typeface="OCRB" panose="020B0609020202020204" pitchFamily="49" charset="0"/>
-            </a:endParaRPr>
-          </a:p>
-        </p:txBody>
-      </p:sp>
-      <p:sp>
-        <p:nvSpPr>
-          <p:cNvPr id="3" name="正方形/長方形 2"/>
-          <p:cNvSpPr/>
-          <p:nvPr/>
-        </p:nvSpPr>
-        <p:spPr>
-          <a:xfrm>
-            <a:off x="4418420" y="1732166"/>
-            <a:ext cx="742511" cy="369332"/>
-          </a:xfrm>
-          <a:prstGeom prst="rect">
-            <a:avLst/>
-          </a:prstGeom>
-        </p:spPr>
-        <p:txBody>
-          <a:bodyPr wrap="none">
-            <a:spAutoFit/>
-          </a:bodyPr>
-          <a:lstStyle/>
-          <a:p>
-            <a:r>
-              <a:rPr lang="en-US" altLang="ja-JP" dirty="0">
-                <a:latin typeface="OCRB" panose="020B0609020202020204" pitchFamily="49" charset="0"/>
-              </a:rPr>
-              <a:t>Help</a:t>
             </a:r>
             <a:endParaRPr lang="ja-JP" altLang="en-US" dirty="0">
               <a:latin typeface="OCRB" panose="020B0609020202020204" pitchFamily="49" charset="0"/>
@@ -8554,11 +6427,7 @@
             </a:r>
             <a:r>
               <a:rPr kumimoji="1" lang="ja-JP" altLang="en-US" dirty="0" smtClean="0"/>
-              <a:t>画</a:t>
-            </a:r>
-            <a:r>
-              <a:rPr kumimoji="1" lang="ja-JP" altLang="en-US" dirty="0" smtClean="0"/>
-              <a:t>面①</a:t>
+              <a:t>画面①</a:t>
             </a:r>
             <a:endParaRPr kumimoji="1" lang="ja-JP" altLang="en-US" dirty="0"/>
           </a:p>
@@ -8868,39 +6737,6 @@
                 <a:latin typeface="OCRB" panose="020B0609020202020204" pitchFamily="49" charset="0"/>
               </a:rPr>
               <a:t>n</a:t>
-            </a:r>
-            <a:endParaRPr lang="ja-JP" altLang="en-US" dirty="0">
-              <a:latin typeface="OCRB" panose="020B0609020202020204" pitchFamily="49" charset="0"/>
-            </a:endParaRPr>
-          </a:p>
-        </p:txBody>
-      </p:sp>
-      <p:sp>
-        <p:nvSpPr>
-          <p:cNvPr id="4" name="正方形/長方形 3"/>
-          <p:cNvSpPr/>
-          <p:nvPr/>
-        </p:nvSpPr>
-        <p:spPr>
-          <a:xfrm>
-            <a:off x="4355976" y="1732166"/>
-            <a:ext cx="742511" cy="369332"/>
-          </a:xfrm>
-          <a:prstGeom prst="rect">
-            <a:avLst/>
-          </a:prstGeom>
-        </p:spPr>
-        <p:txBody>
-          <a:bodyPr wrap="none">
-            <a:spAutoFit/>
-          </a:bodyPr>
-          <a:lstStyle/>
-          <a:p>
-            <a:r>
-              <a:rPr lang="en-US" altLang="ja-JP" dirty="0">
-                <a:latin typeface="OCRB" panose="020B0609020202020204" pitchFamily="49" charset="0"/>
-              </a:rPr>
-              <a:t>Help</a:t>
             </a:r>
             <a:endParaRPr lang="ja-JP" altLang="en-US" dirty="0">
               <a:latin typeface="OCRB" panose="020B0609020202020204" pitchFamily="49" charset="0"/>
@@ -9225,11 +7061,6 @@
               </a:rPr>
               <a:t>編集ページに飛ぶ</a:t>
             </a:r>
-            <a:endParaRPr kumimoji="1" lang="ja-JP" altLang="en-US" sz="1400" dirty="0" smtClean="0">
-              <a:solidFill>
-                <a:schemeClr val="tx1"/>
-              </a:solidFill>
-            </a:endParaRPr>
           </a:p>
         </p:txBody>
       </p:sp>
@@ -9365,374 +7196,28 @@
           <a:lstStyle/>
           <a:p>
             <a:r>
+              <a:rPr lang="en-US" altLang="ja-JP" dirty="0" smtClean="0"/>
+              <a:t>Profile</a:t>
+            </a:r>
+            <a:r>
+              <a:rPr lang="ja-JP" altLang="en-US" dirty="0" smtClean="0"/>
+              <a:t>（登録情報</a:t>
+            </a:r>
+            <a:r>
               <a:rPr lang="ja-JP" altLang="en-US" dirty="0"/>
-              <a:t>ログイ</a:t>
+              <a:t>閲覧</a:t>
             </a:r>
             <a:r>
               <a:rPr lang="ja-JP" altLang="en-US" dirty="0" smtClean="0"/>
-              <a:t>ン後の</a:t>
-            </a:r>
-            <a:r>
-              <a:rPr kumimoji="1" lang="ja-JP" altLang="en-US" dirty="0" smtClean="0"/>
-              <a:t>画面②</a:t>
+              <a:t>ページ）</a:t>
             </a:r>
             <a:endParaRPr kumimoji="1" lang="ja-JP" altLang="en-US" dirty="0"/>
-          </a:p>
-        </p:txBody>
-      </p:sp>
-      <p:sp>
-        <p:nvSpPr>
-          <p:cNvPr id="10" name="正方形/長方形 9"/>
-          <p:cNvSpPr/>
-          <p:nvPr/>
-        </p:nvSpPr>
-        <p:spPr>
-          <a:xfrm>
-            <a:off x="827584" y="1628800"/>
-            <a:ext cx="7488832" cy="4248472"/>
-          </a:xfrm>
-          <a:prstGeom prst="rect">
-            <a:avLst/>
-          </a:prstGeom>
-          <a:solidFill>
-            <a:schemeClr val="bg1"/>
-          </a:solidFill>
-          <a:ln w="9525">
-            <a:solidFill>
-              <a:schemeClr val="tx1"/>
-            </a:solidFill>
-          </a:ln>
-        </p:spPr>
-        <p:style>
-          <a:lnRef idx="2">
-            <a:schemeClr val="accent1">
-              <a:shade val="50000"/>
-            </a:schemeClr>
-          </a:lnRef>
-          <a:fillRef idx="1">
-            <a:schemeClr val="accent1"/>
-          </a:fillRef>
-          <a:effectRef idx="0">
-            <a:schemeClr val="accent1"/>
-          </a:effectRef>
-          <a:fontRef idx="minor">
-            <a:schemeClr val="lt1"/>
-          </a:fontRef>
-        </p:style>
-        <p:txBody>
-          <a:bodyPr rtlCol="0" anchor="ctr"/>
-          <a:lstStyle/>
-          <a:p>
-            <a:pPr algn="ctr"/>
-            <a:endParaRPr kumimoji="1" lang="ja-JP" altLang="en-US" sz="1400" dirty="0" smtClean="0">
-              <a:solidFill>
-                <a:schemeClr val="tx1"/>
-              </a:solidFill>
-            </a:endParaRPr>
-          </a:p>
-        </p:txBody>
-      </p:sp>
-      <p:sp>
-        <p:nvSpPr>
-          <p:cNvPr id="11" name="正方形/長方形 10"/>
-          <p:cNvSpPr/>
-          <p:nvPr/>
-        </p:nvSpPr>
-        <p:spPr>
-          <a:xfrm>
-            <a:off x="827584" y="1628800"/>
-            <a:ext cx="7488832" cy="576064"/>
-          </a:xfrm>
-          <a:prstGeom prst="rect">
-            <a:avLst/>
-          </a:prstGeom>
-          <a:solidFill>
-            <a:schemeClr val="bg1"/>
-          </a:solidFill>
-          <a:ln w="9525">
-            <a:solidFill>
-              <a:schemeClr val="tx1"/>
-            </a:solidFill>
-          </a:ln>
-        </p:spPr>
-        <p:style>
-          <a:lnRef idx="2">
-            <a:schemeClr val="accent1">
-              <a:shade val="50000"/>
-            </a:schemeClr>
-          </a:lnRef>
-          <a:fillRef idx="1">
-            <a:schemeClr val="accent1"/>
-          </a:fillRef>
-          <a:effectRef idx="0">
-            <a:schemeClr val="accent1"/>
-          </a:effectRef>
-          <a:fontRef idx="minor">
-            <a:schemeClr val="lt1"/>
-          </a:fontRef>
-        </p:style>
-        <p:txBody>
-          <a:bodyPr rtlCol="0" anchor="ctr"/>
-          <a:lstStyle/>
-          <a:p>
-            <a:pPr algn="ctr"/>
-            <a:endParaRPr kumimoji="1" lang="ja-JP" altLang="en-US" sz="1400" dirty="0" smtClean="0">
-              <a:solidFill>
-                <a:schemeClr val="tx1"/>
-              </a:solidFill>
-            </a:endParaRPr>
-          </a:p>
-        </p:txBody>
-      </p:sp>
-      <p:sp>
-        <p:nvSpPr>
-          <p:cNvPr id="12" name="テキスト ボックス 11"/>
-          <p:cNvSpPr txBox="1"/>
-          <p:nvPr/>
-        </p:nvSpPr>
-        <p:spPr>
-          <a:xfrm>
-            <a:off x="873115" y="1732166"/>
-            <a:ext cx="648072" cy="369332"/>
-          </a:xfrm>
-          <a:prstGeom prst="rect">
-            <a:avLst/>
-          </a:prstGeom>
-          <a:solidFill>
-            <a:schemeClr val="bg1"/>
-          </a:solidFill>
-          <a:ln>
-            <a:solidFill>
-              <a:schemeClr val="bg1"/>
-            </a:solidFill>
-          </a:ln>
-        </p:spPr>
-        <p:txBody>
-          <a:bodyPr wrap="square" rtlCol="0">
-            <a:spAutoFit/>
-          </a:bodyPr>
-          <a:lstStyle/>
-          <a:p>
-            <a:pPr algn="ctr"/>
-            <a:r>
-              <a:rPr kumimoji="1" lang="en-US" altLang="ja-JP" b="1" dirty="0" smtClean="0">
-                <a:latin typeface="OCRB" panose="020B0609020202020204" pitchFamily="49" charset="0"/>
-              </a:rPr>
-              <a:t>WLF</a:t>
-            </a:r>
-            <a:endParaRPr kumimoji="1" lang="ja-JP" altLang="en-US" b="1" dirty="0" smtClean="0">
-              <a:latin typeface="OCRB" panose="020B0609020202020204" pitchFamily="49" charset="0"/>
-            </a:endParaRPr>
-          </a:p>
-        </p:txBody>
-      </p:sp>
-      <p:sp>
-        <p:nvSpPr>
-          <p:cNvPr id="13" name="テキスト ボックス 12"/>
-          <p:cNvSpPr txBox="1"/>
-          <p:nvPr/>
-        </p:nvSpPr>
-        <p:spPr>
-          <a:xfrm>
-            <a:off x="1563760" y="1732166"/>
-            <a:ext cx="775992" cy="369332"/>
-          </a:xfrm>
-          <a:prstGeom prst="rect">
-            <a:avLst/>
-          </a:prstGeom>
-          <a:solidFill>
-            <a:schemeClr val="bg1"/>
-          </a:solidFill>
-        </p:spPr>
-        <p:txBody>
-          <a:bodyPr wrap="square" rtlCol="0">
-            <a:spAutoFit/>
-          </a:bodyPr>
-          <a:lstStyle/>
-          <a:p>
-            <a:r>
-              <a:rPr kumimoji="1" lang="en-US" altLang="ja-JP" dirty="0" smtClean="0">
-                <a:latin typeface="OCRB" panose="020B0609020202020204" pitchFamily="49" charset="0"/>
-              </a:rPr>
-              <a:t>Work</a:t>
-            </a:r>
-            <a:endParaRPr kumimoji="1" lang="ja-JP" altLang="en-US" dirty="0" smtClean="0">
-              <a:latin typeface="OCRB" panose="020B0609020202020204" pitchFamily="49" charset="0"/>
-            </a:endParaRPr>
-          </a:p>
-        </p:txBody>
-      </p:sp>
-      <p:sp>
-        <p:nvSpPr>
-          <p:cNvPr id="15" name="正方形/長方形 14"/>
-          <p:cNvSpPr/>
-          <p:nvPr/>
-        </p:nvSpPr>
-        <p:spPr>
-          <a:xfrm>
-            <a:off x="2382325" y="1732710"/>
-            <a:ext cx="881973" cy="369332"/>
-          </a:xfrm>
-          <a:prstGeom prst="rect">
-            <a:avLst/>
-          </a:prstGeom>
-        </p:spPr>
-        <p:txBody>
-          <a:bodyPr wrap="none">
-            <a:spAutoFit/>
-          </a:bodyPr>
-          <a:lstStyle/>
-          <a:p>
-            <a:r>
-              <a:rPr lang="en-US" altLang="ja-JP" dirty="0" smtClean="0">
-                <a:latin typeface="OCRB" panose="020B0609020202020204" pitchFamily="49" charset="0"/>
-              </a:rPr>
-              <a:t>Abou</a:t>
-            </a:r>
-            <a:r>
-              <a:rPr lang="en-US" altLang="ja-JP" dirty="0">
-                <a:latin typeface="OCRB" panose="020B0609020202020204" pitchFamily="49" charset="0"/>
-              </a:rPr>
-              <a:t>t</a:t>
-            </a:r>
-            <a:endParaRPr lang="ja-JP" altLang="en-US" dirty="0">
-              <a:latin typeface="OCRB" panose="020B0609020202020204" pitchFamily="49" charset="0"/>
-            </a:endParaRPr>
-          </a:p>
-        </p:txBody>
-      </p:sp>
-      <p:sp>
-        <p:nvSpPr>
-          <p:cNvPr id="16" name="正方形/長方形 15"/>
-          <p:cNvSpPr/>
-          <p:nvPr/>
-        </p:nvSpPr>
-        <p:spPr>
-          <a:xfrm>
-            <a:off x="3304734" y="1732166"/>
-            <a:ext cx="1160895" cy="369332"/>
-          </a:xfrm>
-          <a:prstGeom prst="rect">
-            <a:avLst/>
-          </a:prstGeom>
-        </p:spPr>
-        <p:txBody>
-          <a:bodyPr wrap="none">
-            <a:spAutoFit/>
-          </a:bodyPr>
-          <a:lstStyle/>
-          <a:p>
-            <a:r>
-              <a:rPr lang="en-US" altLang="ja-JP" dirty="0" smtClean="0">
-                <a:latin typeface="OCRB" panose="020B0609020202020204" pitchFamily="49" charset="0"/>
-              </a:rPr>
-              <a:t>Contac</a:t>
-            </a:r>
-            <a:r>
-              <a:rPr lang="en-US" altLang="ja-JP" dirty="0">
-                <a:latin typeface="OCRB" panose="020B0609020202020204" pitchFamily="49" charset="0"/>
-              </a:rPr>
-              <a:t>t</a:t>
-            </a:r>
-            <a:endParaRPr lang="ja-JP" altLang="en-US" dirty="0">
-              <a:latin typeface="OCRB" panose="020B0609020202020204" pitchFamily="49" charset="0"/>
-            </a:endParaRPr>
-          </a:p>
-        </p:txBody>
-      </p:sp>
-      <p:sp>
-        <p:nvSpPr>
-          <p:cNvPr id="20" name="正方形/長方形 19"/>
-          <p:cNvSpPr/>
-          <p:nvPr/>
-        </p:nvSpPr>
-        <p:spPr>
-          <a:xfrm>
-            <a:off x="7057565" y="1732166"/>
-            <a:ext cx="1160895" cy="369332"/>
-          </a:xfrm>
-          <a:prstGeom prst="rect">
-            <a:avLst/>
-          </a:prstGeom>
-        </p:spPr>
-        <p:txBody>
-          <a:bodyPr wrap="none">
-            <a:spAutoFit/>
-          </a:bodyPr>
-          <a:lstStyle/>
-          <a:p>
-            <a:r>
-              <a:rPr lang="en-US" altLang="ja-JP" dirty="0" smtClean="0">
-                <a:latin typeface="OCRB" panose="020B0609020202020204" pitchFamily="49" charset="0"/>
-              </a:rPr>
-              <a:t>Sign</a:t>
-            </a:r>
-            <a:r>
-              <a:rPr lang="ja-JP" altLang="en-US" dirty="0">
-                <a:latin typeface="OCRB" panose="020B0609020202020204" pitchFamily="49" charset="0"/>
-              </a:rPr>
-              <a:t> </a:t>
-            </a:r>
-            <a:r>
-              <a:rPr lang="en-US" altLang="ja-JP" dirty="0" smtClean="0">
-                <a:latin typeface="OCRB" panose="020B0609020202020204" pitchFamily="49" charset="0"/>
-              </a:rPr>
-              <a:t>i</a:t>
-            </a:r>
-            <a:r>
-              <a:rPr lang="en-US" altLang="ja-JP" dirty="0">
-                <a:latin typeface="OCRB" panose="020B0609020202020204" pitchFamily="49" charset="0"/>
-              </a:rPr>
-              <a:t>n</a:t>
-            </a:r>
-            <a:endParaRPr lang="ja-JP" altLang="en-US" dirty="0">
-              <a:latin typeface="OCRB" panose="020B0609020202020204" pitchFamily="49" charset="0"/>
-            </a:endParaRPr>
-          </a:p>
-        </p:txBody>
-      </p:sp>
-      <p:sp>
-        <p:nvSpPr>
-          <p:cNvPr id="7" name="正方形/長方形 6"/>
-          <p:cNvSpPr/>
-          <p:nvPr/>
-        </p:nvSpPr>
-        <p:spPr>
-          <a:xfrm>
-            <a:off x="4351240" y="1727520"/>
-            <a:ext cx="742511" cy="369332"/>
-          </a:xfrm>
-          <a:prstGeom prst="rect">
-            <a:avLst/>
-          </a:prstGeom>
-        </p:spPr>
-        <p:txBody>
-          <a:bodyPr wrap="none">
-            <a:spAutoFit/>
-          </a:bodyPr>
-          <a:lstStyle/>
-          <a:p>
-            <a:r>
-              <a:rPr lang="en-US" altLang="ja-JP" dirty="0" smtClean="0">
-                <a:latin typeface="OCRB" panose="020B0609020202020204" pitchFamily="49" charset="0"/>
-              </a:rPr>
-              <a:t>Hel</a:t>
-            </a:r>
-            <a:r>
-              <a:rPr lang="en-US" altLang="ja-JP" dirty="0">
-                <a:latin typeface="OCRB" panose="020B0609020202020204" pitchFamily="49" charset="0"/>
-              </a:rPr>
-              <a:t>p</a:t>
-            </a:r>
-            <a:endParaRPr lang="ja-JP" altLang="en-US" dirty="0">
-              <a:latin typeface="OCRB" panose="020B0609020202020204" pitchFamily="49" charset="0"/>
-            </a:endParaRPr>
           </a:p>
         </p:txBody>
       </p:sp>
       <p:pic>
         <p:nvPicPr>
-          <p:cNvPr id="3" name="図 2"/>
+          <p:cNvPr id="12" name="図 11"/>
           <p:cNvPicPr>
             <a:picLocks noChangeAspect="1"/>
           </p:cNvPicPr>
@@ -9752,116 +7237,18 @@
         </p:blipFill>
         <p:spPr>
           <a:xfrm>
-            <a:off x="2540155" y="2313753"/>
-            <a:ext cx="4063689" cy="3379238"/>
+            <a:off x="244662" y="1700808"/>
+            <a:ext cx="8654676" cy="4372650"/>
           </a:xfrm>
           <a:prstGeom prst="rect">
             <a:avLst/>
           </a:prstGeom>
         </p:spPr>
       </p:pic>
-      <p:sp>
-        <p:nvSpPr>
-          <p:cNvPr id="4" name="四角形吹き出し 3"/>
-          <p:cNvSpPr/>
-          <p:nvPr/>
-        </p:nvSpPr>
-        <p:spPr>
-          <a:xfrm>
-            <a:off x="1197151" y="3753036"/>
-            <a:ext cx="2107583" cy="1116124"/>
-          </a:xfrm>
-          <a:prstGeom prst="wedgeRectCallout">
-            <a:avLst>
-              <a:gd name="adj1" fmla="val 76269"/>
-              <a:gd name="adj2" fmla="val 42994"/>
-            </a:avLst>
-          </a:prstGeom>
-          <a:solidFill>
-            <a:schemeClr val="bg1"/>
-          </a:solidFill>
-          <a:ln w="9525">
-            <a:solidFill>
-              <a:schemeClr val="tx1"/>
-            </a:solidFill>
-          </a:ln>
-        </p:spPr>
-        <p:style>
-          <a:lnRef idx="2">
-            <a:schemeClr val="accent1">
-              <a:shade val="50000"/>
-            </a:schemeClr>
-          </a:lnRef>
-          <a:fillRef idx="1">
-            <a:schemeClr val="accent1"/>
-          </a:fillRef>
-          <a:effectRef idx="0">
-            <a:schemeClr val="accent1"/>
-          </a:effectRef>
-          <a:fontRef idx="minor">
-            <a:schemeClr val="lt1"/>
-          </a:fontRef>
-        </p:style>
-        <p:txBody>
-          <a:bodyPr rtlCol="0" anchor="ctr"/>
-          <a:lstStyle/>
-          <a:p>
-            <a:pPr algn="ctr"/>
-            <a:r>
-              <a:rPr kumimoji="1" lang="en-US" altLang="ja-JP" sz="1400" dirty="0" smtClean="0">
-                <a:solidFill>
-                  <a:schemeClr val="tx1"/>
-                </a:solidFill>
-              </a:rPr>
-              <a:t>Jquery-weekcalendar</a:t>
-            </a:r>
-          </a:p>
-          <a:p>
-            <a:pPr algn="ctr"/>
-            <a:r>
-              <a:rPr lang="ja-JP" altLang="en-US" sz="1400" dirty="0" smtClean="0">
-                <a:solidFill>
-                  <a:schemeClr val="tx1"/>
-                </a:solidFill>
-              </a:rPr>
-              <a:t>を用いたスケジューラー</a:t>
-            </a:r>
-            <a:endParaRPr lang="en-US" altLang="ja-JP" sz="1400" dirty="0" smtClean="0">
-              <a:solidFill>
-                <a:schemeClr val="tx1"/>
-              </a:solidFill>
-            </a:endParaRPr>
-          </a:p>
-          <a:p>
-            <a:pPr algn="ctr"/>
-            <a:endParaRPr kumimoji="1" lang="en-US" altLang="ja-JP" sz="1400" dirty="0">
-              <a:solidFill>
-                <a:schemeClr val="tx1"/>
-              </a:solidFill>
-            </a:endParaRPr>
-          </a:p>
-          <a:p>
-            <a:pPr algn="ctr"/>
-            <a:r>
-              <a:rPr lang="ja-JP" altLang="en-US" sz="1400" dirty="0" smtClean="0">
-                <a:solidFill>
-                  <a:schemeClr val="tx1"/>
-                </a:solidFill>
-              </a:rPr>
-              <a:t>ここで予定を編集できる</a:t>
-            </a:r>
-            <a:endParaRPr kumimoji="1" lang="ja-JP" altLang="en-US" sz="1400" dirty="0" smtClean="0">
-              <a:solidFill>
-                <a:schemeClr val="tx1"/>
-              </a:solidFill>
-            </a:endParaRPr>
-          </a:p>
-        </p:txBody>
-      </p:sp>
     </p:spTree>
     <p:extLst>
       <p:ext uri="{BB962C8B-B14F-4D97-AF65-F5344CB8AC3E}">
-        <p14:creationId xmlns:p14="http://schemas.microsoft.com/office/powerpoint/2010/main" val="785209243"/>
+        <p14:creationId xmlns:p14="http://schemas.microsoft.com/office/powerpoint/2010/main" val="3742971240"/>
       </p:ext>
     </p:extLst>
   </p:cSld>
